--- a/project_webpage/Diagrams.pptx
+++ b/project_webpage/Diagrams.pptx
@@ -21,6 +21,7 @@
     <p:sldId id="268" r:id="rId16"/>
     <p:sldId id="269" r:id="rId17"/>
     <p:sldId id="270" r:id="rId18"/>
+    <p:sldId id="271" r:id="rId19"/>
   </p:sldIdLst>
   <p:sldSz cx="9144000" cy="6858000"/>
   <p:notesSz cx="7772400" cy="10058400"/>
@@ -2971,7 +2972,7 @@
                 <a:spcPct val="100000"/>
               </a:lnSpc>
             </a:pPr>
-            <a:fld id="{CE0B1316-8558-46A3-8B51-3894B4E523FB}" type="datetime">
+            <a:fld id="{557A315C-1A64-4002-89A7-343BD580AE3D}" type="datetime">
               <a:rPr b="0" lang="en-US" sz="1200" spc="-1" strike="noStrike">
                 <a:solidFill>
                   <a:srgbClr val="8b8b8b"/>
@@ -3041,14 +3042,14 @@
                 <a:spcPct val="100000"/>
               </a:lnSpc>
             </a:pPr>
-            <a:fld id="{4FE856A3-1A5A-4C34-8A68-46532194DE09}" type="slidenum">
+            <a:fld id="{E3187F22-924E-415C-B646-4F6FDD1EA187}" type="slidenum">
               <a:rPr b="0" lang="en-US" sz="1200" spc="-1" strike="noStrike">
                 <a:solidFill>
                   <a:srgbClr val="8b8b8b"/>
                 </a:solidFill>
                 <a:latin typeface="Calibri"/>
               </a:rPr>
-              <a:t>15</a:t>
+              <a:t>&lt;number&gt;</a:t>
             </a:fld>
             <a:endParaRPr b="0" lang="en-US" sz="1200" spc="-1" strike="noStrike">
               <a:latin typeface="Times New Roman"/>
@@ -3566,7 +3567,7 @@
                 <a:spcPct val="100000"/>
               </a:lnSpc>
             </a:pPr>
-            <a:fld id="{1EC6432B-72AB-4E89-887B-817A9570B14B}" type="datetime">
+            <a:fld id="{62037F57-1BDC-4F9A-94C7-554D8A342E66}" type="datetime">
               <a:rPr b="0" lang="en-US" sz="1200" spc="-1" strike="noStrike">
                 <a:solidFill>
                   <a:srgbClr val="8b8b8b"/>
@@ -3636,14 +3637,14 @@
                 <a:spcPct val="100000"/>
               </a:lnSpc>
             </a:pPr>
-            <a:fld id="{AC721546-7D38-4A09-A314-A72207AE5B7E}" type="slidenum">
+            <a:fld id="{91C9AE4F-44E7-4F50-BEF2-91C632D93681}" type="slidenum">
               <a:rPr b="0" lang="en-US" sz="1200" spc="-1" strike="noStrike">
                 <a:solidFill>
                   <a:srgbClr val="8b8b8b"/>
                 </a:solidFill>
                 <a:latin typeface="Calibri"/>
               </a:rPr>
-              <a:t>1</a:t>
+              <a:t>&lt;number&gt;</a:t>
             </a:fld>
             <a:endParaRPr b="0" lang="en-US" sz="1200" spc="-1" strike="noStrike">
               <a:latin typeface="Times New Roman"/>
@@ -21499,8 +21500,8 @@
         </p:nvSpPr>
         <p:spPr>
           <a:xfrm>
-            <a:off x="2762640" y="4326840"/>
-            <a:ext cx="709560" cy="272160"/>
+            <a:off x="4004640" y="4168800"/>
+            <a:ext cx="626760" cy="219240"/>
           </a:xfrm>
           <a:prstGeom prst="rect">
             <a:avLst/>
@@ -21543,8 +21544,8 @@
         </p:nvSpPr>
         <p:spPr>
           <a:xfrm>
-            <a:off x="3472920" y="4326840"/>
-            <a:ext cx="709560" cy="272160"/>
+            <a:off x="4632120" y="4168800"/>
+            <a:ext cx="626760" cy="219240"/>
           </a:xfrm>
           <a:prstGeom prst="rect">
             <a:avLst/>
@@ -21587,8 +21588,8 @@
         </p:nvSpPr>
         <p:spPr>
           <a:xfrm>
-            <a:off x="4183200" y="4326840"/>
-            <a:ext cx="709560" cy="272160"/>
+            <a:off x="5259240" y="4168800"/>
+            <a:ext cx="626760" cy="219240"/>
           </a:xfrm>
           <a:prstGeom prst="rect">
             <a:avLst/>
@@ -21631,8 +21632,8 @@
         </p:nvSpPr>
         <p:spPr>
           <a:xfrm>
-            <a:off x="3092400" y="4599000"/>
-            <a:ext cx="709560" cy="271800"/>
+            <a:off x="4295880" y="4388040"/>
+            <a:ext cx="626760" cy="218880"/>
           </a:xfrm>
           <a:prstGeom prst="rect">
             <a:avLst/>
@@ -21675,8 +21676,8 @@
         </p:nvSpPr>
         <p:spPr>
           <a:xfrm>
-            <a:off x="3802680" y="4599000"/>
-            <a:ext cx="709560" cy="271800"/>
+            <a:off x="4923360" y="4388040"/>
+            <a:ext cx="626760" cy="218880"/>
           </a:xfrm>
           <a:prstGeom prst="rect">
             <a:avLst/>
@@ -21719,8 +21720,8 @@
         </p:nvSpPr>
         <p:spPr>
           <a:xfrm>
-            <a:off x="4512960" y="4599000"/>
-            <a:ext cx="709560" cy="271800"/>
+            <a:off x="5550480" y="4388040"/>
+            <a:ext cx="627120" cy="218880"/>
           </a:xfrm>
           <a:prstGeom prst="rect">
             <a:avLst/>
@@ -21763,8 +21764,8 @@
         </p:nvSpPr>
         <p:spPr>
           <a:xfrm>
-            <a:off x="3423600" y="4872960"/>
-            <a:ext cx="709560" cy="271800"/>
+            <a:off x="4588560" y="4608720"/>
+            <a:ext cx="626760" cy="218880"/>
           </a:xfrm>
           <a:prstGeom prst="rect">
             <a:avLst/>
@@ -21807,8 +21808,8 @@
         </p:nvSpPr>
         <p:spPr>
           <a:xfrm>
-            <a:off x="4133880" y="4872960"/>
-            <a:ext cx="709560" cy="271800"/>
+            <a:off x="5215680" y="4608720"/>
+            <a:ext cx="626760" cy="218880"/>
           </a:xfrm>
           <a:prstGeom prst="rect">
             <a:avLst/>
@@ -21851,8 +21852,8 @@
         </p:nvSpPr>
         <p:spPr>
           <a:xfrm>
-            <a:off x="4844160" y="4872960"/>
-            <a:ext cx="709560" cy="271800"/>
+            <a:off x="5843160" y="4608720"/>
+            <a:ext cx="626760" cy="218880"/>
           </a:xfrm>
           <a:prstGeom prst="rect">
             <a:avLst/>
@@ -21895,8 +21896,2462 @@
         </p:nvSpPr>
         <p:spPr>
           <a:xfrm>
-            <a:off x="3586680" y="4915080"/>
-            <a:ext cx="487080" cy="186840"/>
+            <a:off x="4004640" y="3265560"/>
+            <a:ext cx="626760" cy="219240"/>
+          </a:xfrm>
+          <a:prstGeom prst="rect">
+            <a:avLst/>
+          </a:prstGeom>
+          <a:solidFill>
+            <a:srgbClr val="cccccc"/>
+          </a:solidFill>
+          <a:ln>
+            <a:solidFill>
+              <a:schemeClr val="tx1"/>
+            </a:solidFill>
+            <a:round/>
+          </a:ln>
+          <a:effectLst>
+            <a:outerShdw blurRad="40000" dir="5400000" dist="23040" rotWithShape="0">
+              <a:srgbClr val="000000">
+                <a:alpha val="35000"/>
+              </a:srgbClr>
+            </a:outerShdw>
+          </a:effectLst>
+        </p:spPr>
+        <p:style>
+          <a:lnRef idx="1">
+            <a:schemeClr val="accent1"/>
+          </a:lnRef>
+          <a:fillRef idx="3">
+            <a:schemeClr val="accent1"/>
+          </a:fillRef>
+          <a:effectRef idx="2">
+            <a:schemeClr val="accent1"/>
+          </a:effectRef>
+          <a:fontRef idx="minor"/>
+        </p:style>
+      </p:sp>
+      <p:sp>
+        <p:nvSpPr>
+          <p:cNvPr id="1299" name="CustomShape 11"/>
+          <p:cNvSpPr/>
+          <p:nvPr/>
+        </p:nvSpPr>
+        <p:spPr>
+          <a:xfrm>
+            <a:off x="4632120" y="3265560"/>
+            <a:ext cx="626760" cy="219240"/>
+          </a:xfrm>
+          <a:prstGeom prst="rect">
+            <a:avLst/>
+          </a:prstGeom>
+          <a:solidFill>
+            <a:srgbClr val="cccccc"/>
+          </a:solidFill>
+          <a:ln>
+            <a:solidFill>
+              <a:schemeClr val="tx1"/>
+            </a:solidFill>
+            <a:round/>
+          </a:ln>
+          <a:effectLst>
+            <a:outerShdw blurRad="40000" dir="5400000" dist="23040" rotWithShape="0">
+              <a:srgbClr val="000000">
+                <a:alpha val="35000"/>
+              </a:srgbClr>
+            </a:outerShdw>
+          </a:effectLst>
+        </p:spPr>
+        <p:style>
+          <a:lnRef idx="1">
+            <a:schemeClr val="accent1"/>
+          </a:lnRef>
+          <a:fillRef idx="3">
+            <a:schemeClr val="accent1"/>
+          </a:fillRef>
+          <a:effectRef idx="2">
+            <a:schemeClr val="accent1"/>
+          </a:effectRef>
+          <a:fontRef idx="minor"/>
+        </p:style>
+      </p:sp>
+      <p:sp>
+        <p:nvSpPr>
+          <p:cNvPr id="1300" name="CustomShape 12"/>
+          <p:cNvSpPr/>
+          <p:nvPr/>
+        </p:nvSpPr>
+        <p:spPr>
+          <a:xfrm>
+            <a:off x="5259240" y="3265560"/>
+            <a:ext cx="626760" cy="219240"/>
+          </a:xfrm>
+          <a:prstGeom prst="rect">
+            <a:avLst/>
+          </a:prstGeom>
+          <a:solidFill>
+            <a:srgbClr val="cccccc"/>
+          </a:solidFill>
+          <a:ln>
+            <a:solidFill>
+              <a:schemeClr val="tx1"/>
+            </a:solidFill>
+            <a:round/>
+          </a:ln>
+          <a:effectLst>
+            <a:outerShdw blurRad="40000" dir="5400000" dist="23040" rotWithShape="0">
+              <a:srgbClr val="000000">
+                <a:alpha val="35000"/>
+              </a:srgbClr>
+            </a:outerShdw>
+          </a:effectLst>
+        </p:spPr>
+        <p:style>
+          <a:lnRef idx="1">
+            <a:schemeClr val="accent1"/>
+          </a:lnRef>
+          <a:fillRef idx="3">
+            <a:schemeClr val="accent1"/>
+          </a:fillRef>
+          <a:effectRef idx="2">
+            <a:schemeClr val="accent1"/>
+          </a:effectRef>
+          <a:fontRef idx="minor"/>
+        </p:style>
+      </p:sp>
+      <p:sp>
+        <p:nvSpPr>
+          <p:cNvPr id="1301" name="CustomShape 13"/>
+          <p:cNvSpPr/>
+          <p:nvPr/>
+        </p:nvSpPr>
+        <p:spPr>
+          <a:xfrm>
+            <a:off x="4295880" y="3484800"/>
+            <a:ext cx="626760" cy="218880"/>
+          </a:xfrm>
+          <a:prstGeom prst="rect">
+            <a:avLst/>
+          </a:prstGeom>
+          <a:solidFill>
+            <a:srgbClr val="cccccc"/>
+          </a:solidFill>
+          <a:ln>
+            <a:solidFill>
+              <a:schemeClr val="tx1"/>
+            </a:solidFill>
+            <a:round/>
+          </a:ln>
+          <a:effectLst>
+            <a:outerShdw blurRad="40000" dir="5400000" dist="23040" rotWithShape="0">
+              <a:srgbClr val="000000">
+                <a:alpha val="35000"/>
+              </a:srgbClr>
+            </a:outerShdw>
+          </a:effectLst>
+        </p:spPr>
+        <p:style>
+          <a:lnRef idx="1">
+            <a:schemeClr val="accent1"/>
+          </a:lnRef>
+          <a:fillRef idx="3">
+            <a:schemeClr val="accent1"/>
+          </a:fillRef>
+          <a:effectRef idx="2">
+            <a:schemeClr val="accent1"/>
+          </a:effectRef>
+          <a:fontRef idx="minor"/>
+        </p:style>
+      </p:sp>
+      <p:sp>
+        <p:nvSpPr>
+          <p:cNvPr id="1302" name="CustomShape 14"/>
+          <p:cNvSpPr/>
+          <p:nvPr/>
+        </p:nvSpPr>
+        <p:spPr>
+          <a:xfrm>
+            <a:off x="4923360" y="3484800"/>
+            <a:ext cx="626760" cy="218880"/>
+          </a:xfrm>
+          <a:prstGeom prst="rect">
+            <a:avLst/>
+          </a:prstGeom>
+          <a:solidFill>
+            <a:srgbClr val="cccccc"/>
+          </a:solidFill>
+          <a:ln>
+            <a:solidFill>
+              <a:schemeClr val="tx1"/>
+            </a:solidFill>
+            <a:round/>
+          </a:ln>
+          <a:effectLst>
+            <a:outerShdw blurRad="40000" dir="5400000" dist="23040" rotWithShape="0">
+              <a:srgbClr val="000000">
+                <a:alpha val="35000"/>
+              </a:srgbClr>
+            </a:outerShdw>
+          </a:effectLst>
+        </p:spPr>
+        <p:style>
+          <a:lnRef idx="1">
+            <a:schemeClr val="accent1"/>
+          </a:lnRef>
+          <a:fillRef idx="3">
+            <a:schemeClr val="accent1"/>
+          </a:fillRef>
+          <a:effectRef idx="2">
+            <a:schemeClr val="accent1"/>
+          </a:effectRef>
+          <a:fontRef idx="minor"/>
+        </p:style>
+      </p:sp>
+      <p:sp>
+        <p:nvSpPr>
+          <p:cNvPr id="1303" name="CustomShape 15"/>
+          <p:cNvSpPr/>
+          <p:nvPr/>
+        </p:nvSpPr>
+        <p:spPr>
+          <a:xfrm>
+            <a:off x="5550480" y="3484800"/>
+            <a:ext cx="627120" cy="218880"/>
+          </a:xfrm>
+          <a:prstGeom prst="rect">
+            <a:avLst/>
+          </a:prstGeom>
+          <a:solidFill>
+            <a:srgbClr val="cccccc"/>
+          </a:solidFill>
+          <a:ln>
+            <a:solidFill>
+              <a:schemeClr val="tx1"/>
+            </a:solidFill>
+            <a:round/>
+          </a:ln>
+          <a:effectLst>
+            <a:outerShdw blurRad="40000" dir="5400000" dist="23040" rotWithShape="0">
+              <a:srgbClr val="000000">
+                <a:alpha val="35000"/>
+              </a:srgbClr>
+            </a:outerShdw>
+          </a:effectLst>
+        </p:spPr>
+        <p:style>
+          <a:lnRef idx="1">
+            <a:schemeClr val="accent1"/>
+          </a:lnRef>
+          <a:fillRef idx="3">
+            <a:schemeClr val="accent1"/>
+          </a:fillRef>
+          <a:effectRef idx="2">
+            <a:schemeClr val="accent1"/>
+          </a:effectRef>
+          <a:fontRef idx="minor"/>
+        </p:style>
+      </p:sp>
+      <p:sp>
+        <p:nvSpPr>
+          <p:cNvPr id="1304" name="CustomShape 16"/>
+          <p:cNvSpPr/>
+          <p:nvPr/>
+        </p:nvSpPr>
+        <p:spPr>
+          <a:xfrm>
+            <a:off x="4588560" y="3705480"/>
+            <a:ext cx="626760" cy="218880"/>
+          </a:xfrm>
+          <a:prstGeom prst="rect">
+            <a:avLst/>
+          </a:prstGeom>
+          <a:solidFill>
+            <a:srgbClr val="cccccc"/>
+          </a:solidFill>
+          <a:ln>
+            <a:solidFill>
+              <a:schemeClr val="tx1"/>
+            </a:solidFill>
+            <a:round/>
+          </a:ln>
+          <a:effectLst>
+            <a:outerShdw blurRad="40000" dir="5400000" dist="23040" rotWithShape="0">
+              <a:srgbClr val="000000">
+                <a:alpha val="35000"/>
+              </a:srgbClr>
+            </a:outerShdw>
+          </a:effectLst>
+        </p:spPr>
+        <p:style>
+          <a:lnRef idx="1">
+            <a:schemeClr val="accent1"/>
+          </a:lnRef>
+          <a:fillRef idx="3">
+            <a:schemeClr val="accent1"/>
+          </a:fillRef>
+          <a:effectRef idx="2">
+            <a:schemeClr val="accent1"/>
+          </a:effectRef>
+          <a:fontRef idx="minor"/>
+        </p:style>
+      </p:sp>
+      <p:sp>
+        <p:nvSpPr>
+          <p:cNvPr id="1305" name="CustomShape 17"/>
+          <p:cNvSpPr/>
+          <p:nvPr/>
+        </p:nvSpPr>
+        <p:spPr>
+          <a:xfrm>
+            <a:off x="5215680" y="3705480"/>
+            <a:ext cx="626760" cy="218880"/>
+          </a:xfrm>
+          <a:prstGeom prst="rect">
+            <a:avLst/>
+          </a:prstGeom>
+          <a:solidFill>
+            <a:srgbClr val="cccccc"/>
+          </a:solidFill>
+          <a:ln>
+            <a:solidFill>
+              <a:schemeClr val="tx1"/>
+            </a:solidFill>
+            <a:round/>
+          </a:ln>
+          <a:effectLst>
+            <a:outerShdw blurRad="40000" dir="5400000" dist="23040" rotWithShape="0">
+              <a:srgbClr val="000000">
+                <a:alpha val="35000"/>
+              </a:srgbClr>
+            </a:outerShdw>
+          </a:effectLst>
+        </p:spPr>
+        <p:style>
+          <a:lnRef idx="1">
+            <a:schemeClr val="accent1"/>
+          </a:lnRef>
+          <a:fillRef idx="3">
+            <a:schemeClr val="accent1"/>
+          </a:fillRef>
+          <a:effectRef idx="2">
+            <a:schemeClr val="accent1"/>
+          </a:effectRef>
+          <a:fontRef idx="minor"/>
+        </p:style>
+      </p:sp>
+      <p:sp>
+        <p:nvSpPr>
+          <p:cNvPr id="1306" name="CustomShape 18"/>
+          <p:cNvSpPr/>
+          <p:nvPr/>
+        </p:nvSpPr>
+        <p:spPr>
+          <a:xfrm>
+            <a:off x="5843160" y="3705480"/>
+            <a:ext cx="626760" cy="218880"/>
+          </a:xfrm>
+          <a:prstGeom prst="rect">
+            <a:avLst/>
+          </a:prstGeom>
+          <a:solidFill>
+            <a:srgbClr val="cccccc"/>
+          </a:solidFill>
+          <a:ln>
+            <a:solidFill>
+              <a:schemeClr val="tx1"/>
+            </a:solidFill>
+            <a:round/>
+          </a:ln>
+          <a:effectLst>
+            <a:outerShdw blurRad="40000" dir="5400000" dist="23040" rotWithShape="0">
+              <a:srgbClr val="000000">
+                <a:alpha val="35000"/>
+              </a:srgbClr>
+            </a:outerShdw>
+          </a:effectLst>
+        </p:spPr>
+        <p:style>
+          <a:lnRef idx="1">
+            <a:schemeClr val="accent1"/>
+          </a:lnRef>
+          <a:fillRef idx="3">
+            <a:schemeClr val="accent1"/>
+          </a:fillRef>
+          <a:effectRef idx="2">
+            <a:schemeClr val="accent1"/>
+          </a:effectRef>
+          <a:fontRef idx="minor"/>
+        </p:style>
+      </p:sp>
+      <p:sp>
+        <p:nvSpPr>
+          <p:cNvPr id="1307" name="CustomShape 19"/>
+          <p:cNvSpPr/>
+          <p:nvPr/>
+        </p:nvSpPr>
+        <p:spPr>
+          <a:xfrm>
+            <a:off x="4604040" y="2524680"/>
+            <a:ext cx="626760" cy="219240"/>
+          </a:xfrm>
+          <a:prstGeom prst="rect">
+            <a:avLst/>
+          </a:prstGeom>
+          <a:solidFill>
+            <a:srgbClr val="cccccc"/>
+          </a:solidFill>
+          <a:ln>
+            <a:solidFill>
+              <a:schemeClr val="tx1"/>
+            </a:solidFill>
+            <a:round/>
+          </a:ln>
+          <a:effectLst>
+            <a:outerShdw blurRad="40000" dir="5400000" dist="23040" rotWithShape="0">
+              <a:srgbClr val="000000">
+                <a:alpha val="35000"/>
+              </a:srgbClr>
+            </a:outerShdw>
+          </a:effectLst>
+        </p:spPr>
+        <p:style>
+          <a:lnRef idx="1">
+            <a:schemeClr val="accent1"/>
+          </a:lnRef>
+          <a:fillRef idx="3">
+            <a:schemeClr val="accent1"/>
+          </a:fillRef>
+          <a:effectRef idx="2">
+            <a:schemeClr val="accent1"/>
+          </a:effectRef>
+          <a:fontRef idx="minor"/>
+        </p:style>
+      </p:sp>
+      <p:sp>
+        <p:nvSpPr>
+          <p:cNvPr id="1308" name="CustomShape 20"/>
+          <p:cNvSpPr/>
+          <p:nvPr/>
+        </p:nvSpPr>
+        <p:spPr>
+          <a:xfrm>
+            <a:off x="5231520" y="2524680"/>
+            <a:ext cx="626760" cy="219240"/>
+          </a:xfrm>
+          <a:prstGeom prst="rect">
+            <a:avLst/>
+          </a:prstGeom>
+          <a:solidFill>
+            <a:srgbClr val="cccccc"/>
+          </a:solidFill>
+          <a:ln>
+            <a:solidFill>
+              <a:schemeClr val="tx1"/>
+            </a:solidFill>
+            <a:round/>
+          </a:ln>
+          <a:effectLst>
+            <a:outerShdw blurRad="40000" dir="5400000" dist="23040" rotWithShape="0">
+              <a:srgbClr val="000000">
+                <a:alpha val="35000"/>
+              </a:srgbClr>
+            </a:outerShdw>
+          </a:effectLst>
+        </p:spPr>
+        <p:style>
+          <a:lnRef idx="1">
+            <a:schemeClr val="accent1"/>
+          </a:lnRef>
+          <a:fillRef idx="3">
+            <a:schemeClr val="accent1"/>
+          </a:fillRef>
+          <a:effectRef idx="2">
+            <a:schemeClr val="accent1"/>
+          </a:effectRef>
+          <a:fontRef idx="minor"/>
+        </p:style>
+      </p:sp>
+      <p:sp>
+        <p:nvSpPr>
+          <p:cNvPr id="1309" name="CustomShape 21"/>
+          <p:cNvSpPr/>
+          <p:nvPr/>
+        </p:nvSpPr>
+        <p:spPr>
+          <a:xfrm>
+            <a:off x="4895280" y="2743920"/>
+            <a:ext cx="626760" cy="218880"/>
+          </a:xfrm>
+          <a:prstGeom prst="rect">
+            <a:avLst/>
+          </a:prstGeom>
+          <a:solidFill>
+            <a:srgbClr val="cccccc"/>
+          </a:solidFill>
+          <a:ln>
+            <a:solidFill>
+              <a:schemeClr val="tx1"/>
+            </a:solidFill>
+            <a:round/>
+          </a:ln>
+          <a:effectLst>
+            <a:outerShdw blurRad="40000" dir="5400000" dist="23040" rotWithShape="0">
+              <a:srgbClr val="000000">
+                <a:alpha val="35000"/>
+              </a:srgbClr>
+            </a:outerShdw>
+          </a:effectLst>
+        </p:spPr>
+        <p:style>
+          <a:lnRef idx="1">
+            <a:schemeClr val="accent1"/>
+          </a:lnRef>
+          <a:fillRef idx="3">
+            <a:schemeClr val="accent1"/>
+          </a:fillRef>
+          <a:effectRef idx="2">
+            <a:schemeClr val="accent1"/>
+          </a:effectRef>
+          <a:fontRef idx="minor"/>
+        </p:style>
+      </p:sp>
+      <p:sp>
+        <p:nvSpPr>
+          <p:cNvPr id="1310" name="CustomShape 22"/>
+          <p:cNvSpPr/>
+          <p:nvPr/>
+        </p:nvSpPr>
+        <p:spPr>
+          <a:xfrm>
+            <a:off x="5522760" y="2743920"/>
+            <a:ext cx="626760" cy="218880"/>
+          </a:xfrm>
+          <a:prstGeom prst="rect">
+            <a:avLst/>
+          </a:prstGeom>
+          <a:solidFill>
+            <a:srgbClr val="cccccc"/>
+          </a:solidFill>
+          <a:ln>
+            <a:solidFill>
+              <a:schemeClr val="tx1"/>
+            </a:solidFill>
+            <a:round/>
+          </a:ln>
+          <a:effectLst>
+            <a:outerShdw blurRad="40000" dir="5400000" dist="23040" rotWithShape="0">
+              <a:srgbClr val="000000">
+                <a:alpha val="35000"/>
+              </a:srgbClr>
+            </a:outerShdw>
+          </a:effectLst>
+        </p:spPr>
+        <p:style>
+          <a:lnRef idx="1">
+            <a:schemeClr val="accent1"/>
+          </a:lnRef>
+          <a:fillRef idx="3">
+            <a:schemeClr val="accent1"/>
+          </a:fillRef>
+          <a:effectRef idx="2">
+            <a:schemeClr val="accent1"/>
+          </a:effectRef>
+          <a:fontRef idx="minor"/>
+        </p:style>
+      </p:sp>
+      <p:sp>
+        <p:nvSpPr>
+          <p:cNvPr id="1311" name="CustomShape 23"/>
+          <p:cNvSpPr/>
+          <p:nvPr/>
+        </p:nvSpPr>
+        <p:spPr>
+          <a:xfrm>
+            <a:off x="4559760" y="2525400"/>
+            <a:ext cx="715680" cy="220680"/>
+          </a:xfrm>
+          <a:prstGeom prst="mathMultiply">
+            <a:avLst>
+              <a:gd name="adj1" fmla="val 23520"/>
+            </a:avLst>
+          </a:prstGeom>
+          <a:solidFill>
+            <a:srgbClr val="3465a4"/>
+          </a:solidFill>
+          <a:ln>
+            <a:solidFill>
+              <a:srgbClr val="000000"/>
+            </a:solidFill>
+            <a:round/>
+          </a:ln>
+          <a:effectLst>
+            <a:outerShdw blurRad="40000" dir="5400000" dist="23040" rotWithShape="0">
+              <a:srgbClr val="000000">
+                <a:alpha val="35000"/>
+              </a:srgbClr>
+            </a:outerShdw>
+          </a:effectLst>
+        </p:spPr>
+        <p:style>
+          <a:lnRef idx="1">
+            <a:schemeClr val="accent1"/>
+          </a:lnRef>
+          <a:fillRef idx="3">
+            <a:schemeClr val="accent1"/>
+          </a:fillRef>
+          <a:effectRef idx="2">
+            <a:schemeClr val="accent1"/>
+          </a:effectRef>
+          <a:fontRef idx="minor"/>
+        </p:style>
+      </p:sp>
+      <p:sp>
+        <p:nvSpPr>
+          <p:cNvPr id="1312" name="CustomShape 24"/>
+          <p:cNvSpPr/>
+          <p:nvPr/>
+        </p:nvSpPr>
+        <p:spPr>
+          <a:xfrm>
+            <a:off x="3987360" y="2377440"/>
+            <a:ext cx="626760" cy="219240"/>
+          </a:xfrm>
+          <a:prstGeom prst="rect">
+            <a:avLst/>
+          </a:prstGeom>
+          <a:solidFill>
+            <a:srgbClr val="cccccc"/>
+          </a:solidFill>
+          <a:ln>
+            <a:solidFill>
+              <a:schemeClr val="tx1"/>
+            </a:solidFill>
+            <a:round/>
+          </a:ln>
+          <a:effectLst>
+            <a:outerShdw blurRad="40000" dir="5400000" dist="23040" rotWithShape="0">
+              <a:srgbClr val="000000">
+                <a:alpha val="35000"/>
+              </a:srgbClr>
+            </a:outerShdw>
+          </a:effectLst>
+        </p:spPr>
+        <p:style>
+          <a:lnRef idx="1">
+            <a:schemeClr val="accent1"/>
+          </a:lnRef>
+          <a:fillRef idx="3">
+            <a:schemeClr val="accent1"/>
+          </a:fillRef>
+          <a:effectRef idx="2">
+            <a:schemeClr val="accent1"/>
+          </a:effectRef>
+          <a:fontRef idx="minor"/>
+        </p:style>
+      </p:sp>
+      <p:sp>
+        <p:nvSpPr>
+          <p:cNvPr id="1313" name="CustomShape 25"/>
+          <p:cNvSpPr/>
+          <p:nvPr/>
+        </p:nvSpPr>
+        <p:spPr>
+          <a:xfrm>
+            <a:off x="4614840" y="2377440"/>
+            <a:ext cx="626760" cy="219240"/>
+          </a:xfrm>
+          <a:prstGeom prst="rect">
+            <a:avLst/>
+          </a:prstGeom>
+          <a:solidFill>
+            <a:srgbClr val="cccccc"/>
+          </a:solidFill>
+          <a:ln>
+            <a:solidFill>
+              <a:schemeClr val="tx1"/>
+            </a:solidFill>
+            <a:round/>
+          </a:ln>
+          <a:effectLst>
+            <a:outerShdw blurRad="40000" dir="5400000" dist="23040" rotWithShape="0">
+              <a:srgbClr val="000000">
+                <a:alpha val="35000"/>
+              </a:srgbClr>
+            </a:outerShdw>
+          </a:effectLst>
+        </p:spPr>
+        <p:style>
+          <a:lnRef idx="1">
+            <a:schemeClr val="accent1"/>
+          </a:lnRef>
+          <a:fillRef idx="3">
+            <a:schemeClr val="accent1"/>
+          </a:fillRef>
+          <a:effectRef idx="2">
+            <a:schemeClr val="accent1"/>
+          </a:effectRef>
+          <a:fontRef idx="minor"/>
+        </p:style>
+      </p:sp>
+      <p:sp>
+        <p:nvSpPr>
+          <p:cNvPr id="1314" name="CustomShape 26"/>
+          <p:cNvSpPr/>
+          <p:nvPr/>
+        </p:nvSpPr>
+        <p:spPr>
+          <a:xfrm>
+            <a:off x="5242320" y="2377440"/>
+            <a:ext cx="626760" cy="219240"/>
+          </a:xfrm>
+          <a:prstGeom prst="rect">
+            <a:avLst/>
+          </a:prstGeom>
+          <a:solidFill>
+            <a:srgbClr val="cccccc"/>
+          </a:solidFill>
+          <a:ln>
+            <a:solidFill>
+              <a:schemeClr val="tx1"/>
+            </a:solidFill>
+            <a:round/>
+          </a:ln>
+          <a:effectLst>
+            <a:outerShdw blurRad="40000" dir="5400000" dist="23040" rotWithShape="0">
+              <a:srgbClr val="000000">
+                <a:alpha val="35000"/>
+              </a:srgbClr>
+            </a:outerShdw>
+          </a:effectLst>
+        </p:spPr>
+        <p:style>
+          <a:lnRef idx="1">
+            <a:schemeClr val="accent1"/>
+          </a:lnRef>
+          <a:fillRef idx="3">
+            <a:schemeClr val="accent1"/>
+          </a:fillRef>
+          <a:effectRef idx="2">
+            <a:schemeClr val="accent1"/>
+          </a:effectRef>
+          <a:fontRef idx="minor"/>
+        </p:style>
+      </p:sp>
+      <p:sp>
+        <p:nvSpPr>
+          <p:cNvPr id="1315" name="CustomShape 27"/>
+          <p:cNvSpPr/>
+          <p:nvPr/>
+        </p:nvSpPr>
+        <p:spPr>
+          <a:xfrm>
+            <a:off x="4278600" y="2596680"/>
+            <a:ext cx="626760" cy="218880"/>
+          </a:xfrm>
+          <a:prstGeom prst="rect">
+            <a:avLst/>
+          </a:prstGeom>
+          <a:solidFill>
+            <a:srgbClr val="cccccc"/>
+          </a:solidFill>
+          <a:ln>
+            <a:solidFill>
+              <a:schemeClr val="tx1"/>
+            </a:solidFill>
+            <a:round/>
+          </a:ln>
+          <a:effectLst>
+            <a:outerShdw blurRad="40000" dir="5400000" dist="23040" rotWithShape="0">
+              <a:srgbClr val="000000">
+                <a:alpha val="35000"/>
+              </a:srgbClr>
+            </a:outerShdw>
+          </a:effectLst>
+        </p:spPr>
+        <p:style>
+          <a:lnRef idx="1">
+            <a:schemeClr val="accent1"/>
+          </a:lnRef>
+          <a:fillRef idx="3">
+            <a:schemeClr val="accent1"/>
+          </a:fillRef>
+          <a:effectRef idx="2">
+            <a:schemeClr val="accent1"/>
+          </a:effectRef>
+          <a:fontRef idx="minor"/>
+        </p:style>
+      </p:sp>
+      <p:sp>
+        <p:nvSpPr>
+          <p:cNvPr id="1316" name="CustomShape 28"/>
+          <p:cNvSpPr/>
+          <p:nvPr/>
+        </p:nvSpPr>
+        <p:spPr>
+          <a:xfrm>
+            <a:off x="4906080" y="2596680"/>
+            <a:ext cx="626760" cy="218880"/>
+          </a:xfrm>
+          <a:prstGeom prst="rect">
+            <a:avLst/>
+          </a:prstGeom>
+          <a:solidFill>
+            <a:srgbClr val="cccccc"/>
+          </a:solidFill>
+          <a:ln>
+            <a:solidFill>
+              <a:schemeClr val="tx1"/>
+            </a:solidFill>
+            <a:round/>
+          </a:ln>
+          <a:effectLst>
+            <a:outerShdw blurRad="40000" dir="5400000" dist="23040" rotWithShape="0">
+              <a:srgbClr val="000000">
+                <a:alpha val="35000"/>
+              </a:srgbClr>
+            </a:outerShdw>
+          </a:effectLst>
+        </p:spPr>
+        <p:style>
+          <a:lnRef idx="1">
+            <a:schemeClr val="accent1"/>
+          </a:lnRef>
+          <a:fillRef idx="3">
+            <a:schemeClr val="accent1"/>
+          </a:fillRef>
+          <a:effectRef idx="2">
+            <a:schemeClr val="accent1"/>
+          </a:effectRef>
+          <a:fontRef idx="minor"/>
+        </p:style>
+      </p:sp>
+      <p:sp>
+        <p:nvSpPr>
+          <p:cNvPr id="1317" name="CustomShape 29"/>
+          <p:cNvSpPr/>
+          <p:nvPr/>
+        </p:nvSpPr>
+        <p:spPr>
+          <a:xfrm>
+            <a:off x="5533560" y="2596680"/>
+            <a:ext cx="626760" cy="218880"/>
+          </a:xfrm>
+          <a:prstGeom prst="rect">
+            <a:avLst/>
+          </a:prstGeom>
+          <a:solidFill>
+            <a:srgbClr val="cccccc"/>
+          </a:solidFill>
+          <a:ln>
+            <a:solidFill>
+              <a:schemeClr val="tx1"/>
+            </a:solidFill>
+            <a:round/>
+          </a:ln>
+          <a:effectLst>
+            <a:outerShdw blurRad="40000" dir="5400000" dist="23040" rotWithShape="0">
+              <a:srgbClr val="000000">
+                <a:alpha val="35000"/>
+              </a:srgbClr>
+            </a:outerShdw>
+          </a:effectLst>
+        </p:spPr>
+        <p:style>
+          <a:lnRef idx="1">
+            <a:schemeClr val="accent1"/>
+          </a:lnRef>
+          <a:fillRef idx="3">
+            <a:schemeClr val="accent1"/>
+          </a:fillRef>
+          <a:effectRef idx="2">
+            <a:schemeClr val="accent1"/>
+          </a:effectRef>
+          <a:fontRef idx="minor"/>
+        </p:style>
+      </p:sp>
+      <p:sp>
+        <p:nvSpPr>
+          <p:cNvPr id="1318" name="CustomShape 30"/>
+          <p:cNvSpPr/>
+          <p:nvPr/>
+        </p:nvSpPr>
+        <p:spPr>
+          <a:xfrm>
+            <a:off x="4571280" y="2817360"/>
+            <a:ext cx="626760" cy="218880"/>
+          </a:xfrm>
+          <a:prstGeom prst="rect">
+            <a:avLst/>
+          </a:prstGeom>
+          <a:solidFill>
+            <a:srgbClr val="cccccc"/>
+          </a:solidFill>
+          <a:ln>
+            <a:solidFill>
+              <a:schemeClr val="tx1"/>
+            </a:solidFill>
+            <a:round/>
+          </a:ln>
+          <a:effectLst>
+            <a:outerShdw blurRad="40000" dir="5400000" dist="23040" rotWithShape="0">
+              <a:srgbClr val="000000">
+                <a:alpha val="35000"/>
+              </a:srgbClr>
+            </a:outerShdw>
+          </a:effectLst>
+        </p:spPr>
+        <p:style>
+          <a:lnRef idx="1">
+            <a:schemeClr val="accent1"/>
+          </a:lnRef>
+          <a:fillRef idx="3">
+            <a:schemeClr val="accent1"/>
+          </a:fillRef>
+          <a:effectRef idx="2">
+            <a:schemeClr val="accent1"/>
+          </a:effectRef>
+          <a:fontRef idx="minor"/>
+        </p:style>
+      </p:sp>
+      <p:sp>
+        <p:nvSpPr>
+          <p:cNvPr id="1319" name="CustomShape 31"/>
+          <p:cNvSpPr/>
+          <p:nvPr/>
+        </p:nvSpPr>
+        <p:spPr>
+          <a:xfrm>
+            <a:off x="5198760" y="2817360"/>
+            <a:ext cx="626760" cy="218880"/>
+          </a:xfrm>
+          <a:prstGeom prst="rect">
+            <a:avLst/>
+          </a:prstGeom>
+          <a:solidFill>
+            <a:srgbClr val="cccccc"/>
+          </a:solidFill>
+          <a:ln>
+            <a:solidFill>
+              <a:schemeClr val="tx1"/>
+            </a:solidFill>
+            <a:round/>
+          </a:ln>
+          <a:effectLst>
+            <a:outerShdw blurRad="40000" dir="5400000" dist="23040" rotWithShape="0">
+              <a:srgbClr val="000000">
+                <a:alpha val="35000"/>
+              </a:srgbClr>
+            </a:outerShdw>
+          </a:effectLst>
+        </p:spPr>
+        <p:style>
+          <a:lnRef idx="1">
+            <a:schemeClr val="accent1"/>
+          </a:lnRef>
+          <a:fillRef idx="3">
+            <a:schemeClr val="accent1"/>
+          </a:fillRef>
+          <a:effectRef idx="2">
+            <a:schemeClr val="accent1"/>
+          </a:effectRef>
+          <a:fontRef idx="minor"/>
+        </p:style>
+      </p:sp>
+      <p:sp>
+        <p:nvSpPr>
+          <p:cNvPr id="1320" name="CustomShape 32"/>
+          <p:cNvSpPr/>
+          <p:nvPr/>
+        </p:nvSpPr>
+        <p:spPr>
+          <a:xfrm>
+            <a:off x="5825880" y="2817360"/>
+            <a:ext cx="645480" cy="218880"/>
+          </a:xfrm>
+          <a:prstGeom prst="rect">
+            <a:avLst/>
+          </a:prstGeom>
+          <a:solidFill>
+            <a:srgbClr val="cccccc"/>
+          </a:solidFill>
+          <a:ln>
+            <a:solidFill>
+              <a:schemeClr val="tx1"/>
+            </a:solidFill>
+            <a:round/>
+          </a:ln>
+          <a:effectLst>
+            <a:outerShdw blurRad="40000" dir="5400000" dist="23040" rotWithShape="0">
+              <a:srgbClr val="000000">
+                <a:alpha val="35000"/>
+              </a:srgbClr>
+            </a:outerShdw>
+          </a:effectLst>
+        </p:spPr>
+        <p:style>
+          <a:lnRef idx="1">
+            <a:schemeClr val="accent1"/>
+          </a:lnRef>
+          <a:fillRef idx="3">
+            <a:schemeClr val="accent1"/>
+          </a:fillRef>
+          <a:effectRef idx="2">
+            <a:schemeClr val="accent1"/>
+          </a:effectRef>
+          <a:fontRef idx="minor"/>
+        </p:style>
+      </p:sp>
+      <p:sp>
+        <p:nvSpPr>
+          <p:cNvPr id="1321" name="Line 33"/>
+          <p:cNvSpPr/>
+          <p:nvPr/>
+        </p:nvSpPr>
+        <p:spPr>
+          <a:xfrm>
+            <a:off x="3987360" y="2377440"/>
+            <a:ext cx="0" cy="147240"/>
+          </a:xfrm>
+          <a:prstGeom prst="line">
+            <a:avLst/>
+          </a:prstGeom>
+          <a:ln>
+            <a:solidFill>
+              <a:srgbClr val="000000"/>
+            </a:solidFill>
+          </a:ln>
+        </p:spPr>
+        <p:style>
+          <a:lnRef idx="0"/>
+          <a:fillRef idx="0"/>
+          <a:effectRef idx="0"/>
+          <a:fontRef idx="minor"/>
+        </p:style>
+      </p:sp>
+      <p:sp>
+        <p:nvSpPr>
+          <p:cNvPr id="1322" name="Line 34"/>
+          <p:cNvSpPr/>
+          <p:nvPr/>
+        </p:nvSpPr>
+        <p:spPr>
+          <a:xfrm>
+            <a:off x="4880520" y="3048480"/>
+            <a:ext cx="0" cy="147240"/>
+          </a:xfrm>
+          <a:prstGeom prst="line">
+            <a:avLst/>
+          </a:prstGeom>
+          <a:ln>
+            <a:solidFill>
+              <a:srgbClr val="000000"/>
+            </a:solidFill>
+          </a:ln>
+        </p:spPr>
+        <p:style>
+          <a:lnRef idx="0"/>
+          <a:fillRef idx="0"/>
+          <a:effectRef idx="0"/>
+          <a:fontRef idx="minor"/>
+        </p:style>
+      </p:sp>
+      <p:sp>
+        <p:nvSpPr>
+          <p:cNvPr id="1323" name="Line 35"/>
+          <p:cNvSpPr/>
+          <p:nvPr/>
+        </p:nvSpPr>
+        <p:spPr>
+          <a:xfrm>
+            <a:off x="3987360" y="2524680"/>
+            <a:ext cx="856800" cy="663120"/>
+          </a:xfrm>
+          <a:prstGeom prst="line">
+            <a:avLst/>
+          </a:prstGeom>
+          <a:ln>
+            <a:solidFill>
+              <a:srgbClr val="000000"/>
+            </a:solidFill>
+          </a:ln>
+        </p:spPr>
+        <p:style>
+          <a:lnRef idx="0"/>
+          <a:fillRef idx="0"/>
+          <a:effectRef idx="0"/>
+          <a:fontRef idx="minor"/>
+        </p:style>
+      </p:sp>
+      <p:sp>
+        <p:nvSpPr>
+          <p:cNvPr id="1324" name="Line 36"/>
+          <p:cNvSpPr/>
+          <p:nvPr/>
+        </p:nvSpPr>
+        <p:spPr>
+          <a:xfrm>
+            <a:off x="4844160" y="3187800"/>
+            <a:ext cx="1917360" cy="0"/>
+          </a:xfrm>
+          <a:prstGeom prst="line">
+            <a:avLst/>
+          </a:prstGeom>
+          <a:ln>
+            <a:solidFill>
+              <a:srgbClr val="000000"/>
+            </a:solidFill>
+          </a:ln>
+        </p:spPr>
+        <p:style>
+          <a:lnRef idx="0"/>
+          <a:fillRef idx="0"/>
+          <a:effectRef idx="0"/>
+          <a:fontRef idx="minor"/>
+        </p:style>
+      </p:sp>
+      <p:sp>
+        <p:nvSpPr>
+          <p:cNvPr id="1325" name="Line 37"/>
+          <p:cNvSpPr/>
+          <p:nvPr/>
+        </p:nvSpPr>
+        <p:spPr>
+          <a:xfrm>
+            <a:off x="4004640" y="3265560"/>
+            <a:ext cx="0" cy="147240"/>
+          </a:xfrm>
+          <a:prstGeom prst="line">
+            <a:avLst/>
+          </a:prstGeom>
+          <a:ln>
+            <a:solidFill>
+              <a:srgbClr val="000000"/>
+            </a:solidFill>
+          </a:ln>
+        </p:spPr>
+        <p:style>
+          <a:lnRef idx="0"/>
+          <a:fillRef idx="0"/>
+          <a:effectRef idx="0"/>
+          <a:fontRef idx="minor"/>
+        </p:style>
+      </p:sp>
+      <p:sp>
+        <p:nvSpPr>
+          <p:cNvPr id="1326" name="Line 38"/>
+          <p:cNvSpPr/>
+          <p:nvPr/>
+        </p:nvSpPr>
+        <p:spPr>
+          <a:xfrm>
+            <a:off x="4871880" y="3924360"/>
+            <a:ext cx="0" cy="147240"/>
+          </a:xfrm>
+          <a:prstGeom prst="line">
+            <a:avLst/>
+          </a:prstGeom>
+          <a:ln>
+            <a:solidFill>
+              <a:srgbClr val="000000"/>
+            </a:solidFill>
+          </a:ln>
+        </p:spPr>
+        <p:style>
+          <a:lnRef idx="0"/>
+          <a:fillRef idx="0"/>
+          <a:effectRef idx="0"/>
+          <a:fontRef idx="minor"/>
+        </p:style>
+      </p:sp>
+      <p:sp>
+        <p:nvSpPr>
+          <p:cNvPr id="1327" name="Line 39"/>
+          <p:cNvSpPr/>
+          <p:nvPr/>
+        </p:nvSpPr>
+        <p:spPr>
+          <a:xfrm>
+            <a:off x="6761520" y="3924360"/>
+            <a:ext cx="0" cy="147240"/>
+          </a:xfrm>
+          <a:prstGeom prst="line">
+            <a:avLst/>
+          </a:prstGeom>
+          <a:ln>
+            <a:solidFill>
+              <a:srgbClr val="000000"/>
+            </a:solidFill>
+          </a:ln>
+        </p:spPr>
+        <p:style>
+          <a:lnRef idx="0"/>
+          <a:fillRef idx="0"/>
+          <a:effectRef idx="0"/>
+          <a:fontRef idx="minor"/>
+        </p:style>
+      </p:sp>
+      <p:sp>
+        <p:nvSpPr>
+          <p:cNvPr id="1328" name="Line 40"/>
+          <p:cNvSpPr/>
+          <p:nvPr/>
+        </p:nvSpPr>
+        <p:spPr>
+          <a:xfrm>
+            <a:off x="4871880" y="4071600"/>
+            <a:ext cx="1900440" cy="0"/>
+          </a:xfrm>
+          <a:prstGeom prst="line">
+            <a:avLst/>
+          </a:prstGeom>
+          <a:ln>
+            <a:solidFill>
+              <a:srgbClr val="000000"/>
+            </a:solidFill>
+          </a:ln>
+        </p:spPr>
+        <p:style>
+          <a:lnRef idx="0"/>
+          <a:fillRef idx="0"/>
+          <a:effectRef idx="0"/>
+          <a:fontRef idx="minor"/>
+        </p:style>
+      </p:sp>
+      <p:sp>
+        <p:nvSpPr>
+          <p:cNvPr id="1329" name="Line 41"/>
+          <p:cNvSpPr/>
+          <p:nvPr/>
+        </p:nvSpPr>
+        <p:spPr>
+          <a:xfrm>
+            <a:off x="4004640" y="3412800"/>
+            <a:ext cx="867240" cy="658800"/>
+          </a:xfrm>
+          <a:prstGeom prst="line">
+            <a:avLst/>
+          </a:prstGeom>
+          <a:ln>
+            <a:solidFill>
+              <a:srgbClr val="000000"/>
+            </a:solidFill>
+          </a:ln>
+        </p:spPr>
+        <p:style>
+          <a:lnRef idx="0"/>
+          <a:fillRef idx="0"/>
+          <a:effectRef idx="0"/>
+          <a:fontRef idx="minor"/>
+        </p:style>
+      </p:sp>
+      <p:sp>
+        <p:nvSpPr>
+          <p:cNvPr id="1330" name="Line 42"/>
+          <p:cNvSpPr/>
+          <p:nvPr/>
+        </p:nvSpPr>
+        <p:spPr>
+          <a:xfrm>
+            <a:off x="4004640" y="4168800"/>
+            <a:ext cx="0" cy="147240"/>
+          </a:xfrm>
+          <a:prstGeom prst="line">
+            <a:avLst/>
+          </a:prstGeom>
+          <a:ln>
+            <a:solidFill>
+              <a:srgbClr val="000000"/>
+            </a:solidFill>
+          </a:ln>
+        </p:spPr>
+        <p:style>
+          <a:lnRef idx="0"/>
+          <a:fillRef idx="0"/>
+          <a:effectRef idx="0"/>
+          <a:fontRef idx="minor"/>
+        </p:style>
+      </p:sp>
+      <p:sp>
+        <p:nvSpPr>
+          <p:cNvPr id="1331" name="Line 43"/>
+          <p:cNvSpPr/>
+          <p:nvPr/>
+        </p:nvSpPr>
+        <p:spPr>
+          <a:xfrm>
+            <a:off x="4871880" y="4827600"/>
+            <a:ext cx="0" cy="147240"/>
+          </a:xfrm>
+          <a:prstGeom prst="line">
+            <a:avLst/>
+          </a:prstGeom>
+          <a:ln>
+            <a:solidFill>
+              <a:srgbClr val="000000"/>
+            </a:solidFill>
+          </a:ln>
+        </p:spPr>
+        <p:style>
+          <a:lnRef idx="0"/>
+          <a:fillRef idx="0"/>
+          <a:effectRef idx="0"/>
+          <a:fontRef idx="minor"/>
+        </p:style>
+      </p:sp>
+      <p:sp>
+        <p:nvSpPr>
+          <p:cNvPr id="1332" name="Line 44"/>
+          <p:cNvSpPr/>
+          <p:nvPr/>
+        </p:nvSpPr>
+        <p:spPr>
+          <a:xfrm>
+            <a:off x="6761520" y="4827600"/>
+            <a:ext cx="0" cy="147240"/>
+          </a:xfrm>
+          <a:prstGeom prst="line">
+            <a:avLst/>
+          </a:prstGeom>
+          <a:ln>
+            <a:solidFill>
+              <a:srgbClr val="000000"/>
+            </a:solidFill>
+          </a:ln>
+        </p:spPr>
+        <p:style>
+          <a:lnRef idx="0"/>
+          <a:fillRef idx="0"/>
+          <a:effectRef idx="0"/>
+          <a:fontRef idx="minor"/>
+        </p:style>
+      </p:sp>
+      <p:sp>
+        <p:nvSpPr>
+          <p:cNvPr id="1333" name="Line 45"/>
+          <p:cNvSpPr/>
+          <p:nvPr/>
+        </p:nvSpPr>
+        <p:spPr>
+          <a:xfrm>
+            <a:off x="4871880" y="4974840"/>
+            <a:ext cx="1900440" cy="0"/>
+          </a:xfrm>
+          <a:prstGeom prst="line">
+            <a:avLst/>
+          </a:prstGeom>
+          <a:ln>
+            <a:solidFill>
+              <a:srgbClr val="000000"/>
+            </a:solidFill>
+          </a:ln>
+        </p:spPr>
+        <p:style>
+          <a:lnRef idx="0"/>
+          <a:fillRef idx="0"/>
+          <a:effectRef idx="0"/>
+          <a:fontRef idx="minor"/>
+        </p:style>
+      </p:sp>
+      <p:sp>
+        <p:nvSpPr>
+          <p:cNvPr id="1334" name="Line 46"/>
+          <p:cNvSpPr/>
+          <p:nvPr/>
+        </p:nvSpPr>
+        <p:spPr>
+          <a:xfrm>
+            <a:off x="4004640" y="4316040"/>
+            <a:ext cx="867240" cy="658800"/>
+          </a:xfrm>
+          <a:prstGeom prst="line">
+            <a:avLst/>
+          </a:prstGeom>
+          <a:ln>
+            <a:solidFill>
+              <a:srgbClr val="000000"/>
+            </a:solidFill>
+          </a:ln>
+        </p:spPr>
+        <p:style>
+          <a:lnRef idx="0"/>
+          <a:fillRef idx="0"/>
+          <a:effectRef idx="0"/>
+          <a:fontRef idx="minor"/>
+        </p:style>
+      </p:sp>
+      <p:sp>
+        <p:nvSpPr>
+          <p:cNvPr id="1335" name="Line 47"/>
+          <p:cNvSpPr/>
+          <p:nvPr/>
+        </p:nvSpPr>
+        <p:spPr>
+          <a:xfrm>
+            <a:off x="3987360" y="2406600"/>
+            <a:ext cx="0" cy="1914840"/>
+          </a:xfrm>
+          <a:prstGeom prst="line">
+            <a:avLst/>
+          </a:prstGeom>
+          <a:ln>
+            <a:solidFill>
+              <a:srgbClr val="000000"/>
+            </a:solidFill>
+          </a:ln>
+        </p:spPr>
+        <p:style>
+          <a:lnRef idx="0"/>
+          <a:fillRef idx="0"/>
+          <a:effectRef idx="0"/>
+          <a:fontRef idx="minor"/>
+        </p:style>
+      </p:sp>
+      <p:sp>
+        <p:nvSpPr>
+          <p:cNvPr id="1336" name="Line 48"/>
+          <p:cNvSpPr/>
+          <p:nvPr/>
+        </p:nvSpPr>
+        <p:spPr>
+          <a:xfrm>
+            <a:off x="4871880" y="3036240"/>
+            <a:ext cx="0" cy="1915200"/>
+          </a:xfrm>
+          <a:prstGeom prst="line">
+            <a:avLst/>
+          </a:prstGeom>
+          <a:ln>
+            <a:solidFill>
+              <a:srgbClr val="000000"/>
+            </a:solidFill>
+          </a:ln>
+        </p:spPr>
+        <p:style>
+          <a:lnRef idx="0"/>
+          <a:fillRef idx="0"/>
+          <a:effectRef idx="0"/>
+          <a:fontRef idx="minor"/>
+        </p:style>
+      </p:sp>
+      <p:sp>
+        <p:nvSpPr>
+          <p:cNvPr id="1337" name="Line 49"/>
+          <p:cNvSpPr/>
+          <p:nvPr/>
+        </p:nvSpPr>
+        <p:spPr>
+          <a:xfrm>
+            <a:off x="6761520" y="3036240"/>
+            <a:ext cx="0" cy="1938600"/>
+          </a:xfrm>
+          <a:prstGeom prst="line">
+            <a:avLst/>
+          </a:prstGeom>
+          <a:ln>
+            <a:solidFill>
+              <a:srgbClr val="000000"/>
+            </a:solidFill>
+          </a:ln>
+        </p:spPr>
+        <p:style>
+          <a:lnRef idx="0"/>
+          <a:fillRef idx="0"/>
+          <a:effectRef idx="0"/>
+          <a:fontRef idx="minor"/>
+        </p:style>
+      </p:sp>
+      <p:sp>
+        <p:nvSpPr>
+          <p:cNvPr id="1338" name="CustomShape 50"/>
+          <p:cNvSpPr/>
+          <p:nvPr/>
+        </p:nvSpPr>
+        <p:spPr>
+          <a:xfrm>
+            <a:off x="6814080" y="2892960"/>
+            <a:ext cx="2019240" cy="368280"/>
+          </a:xfrm>
+          <a:custGeom>
+            <a:avLst/>
+            <a:gdLst/>
+            <a:ahLst/>
+            <a:rect l="0" t="0" r="r" b="b"/>
+            <a:pathLst>
+              <a:path w="5611" h="1025">
+                <a:moveTo>
+                  <a:pt x="5610" y="256"/>
+                </a:moveTo>
+                <a:lnTo>
+                  <a:pt x="1403" y="256"/>
+                </a:lnTo>
+                <a:lnTo>
+                  <a:pt x="1403" y="0"/>
+                </a:lnTo>
+                <a:lnTo>
+                  <a:pt x="0" y="512"/>
+                </a:lnTo>
+                <a:lnTo>
+                  <a:pt x="1403" y="1024"/>
+                </a:lnTo>
+                <a:lnTo>
+                  <a:pt x="1403" y="768"/>
+                </a:lnTo>
+                <a:lnTo>
+                  <a:pt x="5610" y="768"/>
+                </a:lnTo>
+                <a:lnTo>
+                  <a:pt x="5610" y="256"/>
+                </a:lnTo>
+              </a:path>
+            </a:pathLst>
+          </a:custGeom>
+          <a:solidFill>
+            <a:srgbClr val="333333"/>
+          </a:solidFill>
+          <a:ln>
+            <a:solidFill>
+              <a:srgbClr val="3465a4"/>
+            </a:solidFill>
+          </a:ln>
+        </p:spPr>
+        <p:style>
+          <a:lnRef idx="0"/>
+          <a:fillRef idx="0"/>
+          <a:effectRef idx="0"/>
+          <a:fontRef idx="minor"/>
+        </p:style>
+        <p:txBody>
+          <a:bodyPr wrap="none" lIns="90000" rIns="90000" tIns="45000" bIns="45000" anchor="ctr"/>
+          <a:p>
+            <a:pPr algn="ctr"/>
+            <a:r>
+              <a:rPr b="0" lang="en-US" sz="1800" spc="-1" strike="noStrike">
+                <a:latin typeface="Arial"/>
+              </a:rPr>
+              <a:t>X’s Pieces</a:t>
+            </a:r>
+            <a:endParaRPr b="0" lang="en-US" sz="1800" spc="-1" strike="noStrike">
+              <a:latin typeface="Arial"/>
+            </a:endParaRPr>
+          </a:p>
+        </p:txBody>
+      </p:sp>
+      <p:sp>
+        <p:nvSpPr>
+          <p:cNvPr id="1339" name="CustomShape 51"/>
+          <p:cNvSpPr/>
+          <p:nvPr/>
+        </p:nvSpPr>
+        <p:spPr>
+          <a:xfrm>
+            <a:off x="6814080" y="3777120"/>
+            <a:ext cx="2019240" cy="368280"/>
+          </a:xfrm>
+          <a:custGeom>
+            <a:avLst/>
+            <a:gdLst/>
+            <a:ahLst/>
+            <a:rect l="0" t="0" r="r" b="b"/>
+            <a:pathLst>
+              <a:path w="5611" h="1025">
+                <a:moveTo>
+                  <a:pt x="5610" y="256"/>
+                </a:moveTo>
+                <a:lnTo>
+                  <a:pt x="1403" y="256"/>
+                </a:lnTo>
+                <a:lnTo>
+                  <a:pt x="1403" y="0"/>
+                </a:lnTo>
+                <a:lnTo>
+                  <a:pt x="0" y="512"/>
+                </a:lnTo>
+                <a:lnTo>
+                  <a:pt x="1403" y="1024"/>
+                </a:lnTo>
+                <a:lnTo>
+                  <a:pt x="1403" y="768"/>
+                </a:lnTo>
+                <a:lnTo>
+                  <a:pt x="5610" y="768"/>
+                </a:lnTo>
+                <a:lnTo>
+                  <a:pt x="5610" y="256"/>
+                </a:lnTo>
+              </a:path>
+            </a:pathLst>
+          </a:custGeom>
+          <a:solidFill>
+            <a:srgbClr val="333333"/>
+          </a:solidFill>
+          <a:ln>
+            <a:solidFill>
+              <a:srgbClr val="3465a4"/>
+            </a:solidFill>
+          </a:ln>
+        </p:spPr>
+        <p:style>
+          <a:lnRef idx="0"/>
+          <a:fillRef idx="0"/>
+          <a:effectRef idx="0"/>
+          <a:fontRef idx="minor"/>
+        </p:style>
+        <p:txBody>
+          <a:bodyPr wrap="none" lIns="90000" rIns="90000" tIns="45000" bIns="45000" anchor="ctr"/>
+          <a:p>
+            <a:pPr algn="ctr"/>
+            <a:r>
+              <a:rPr b="0" lang="en-US" sz="1800" spc="-1" strike="noStrike">
+                <a:latin typeface="Arial"/>
+              </a:rPr>
+              <a:t>O’s Pieces</a:t>
+            </a:r>
+            <a:endParaRPr b="0" lang="en-US" sz="1800" spc="-1" strike="noStrike">
+              <a:latin typeface="Arial"/>
+            </a:endParaRPr>
+          </a:p>
+        </p:txBody>
+      </p:sp>
+      <p:sp>
+        <p:nvSpPr>
+          <p:cNvPr id="1340" name="CustomShape 52"/>
+          <p:cNvSpPr/>
+          <p:nvPr/>
+        </p:nvSpPr>
+        <p:spPr>
+          <a:xfrm>
+            <a:off x="6761160" y="4660920"/>
+            <a:ext cx="2019240" cy="368280"/>
+          </a:xfrm>
+          <a:custGeom>
+            <a:avLst/>
+            <a:gdLst/>
+            <a:ahLst/>
+            <a:rect l="0" t="0" r="r" b="b"/>
+            <a:pathLst>
+              <a:path w="5611" h="1025">
+                <a:moveTo>
+                  <a:pt x="5610" y="256"/>
+                </a:moveTo>
+                <a:lnTo>
+                  <a:pt x="1403" y="256"/>
+                </a:lnTo>
+                <a:lnTo>
+                  <a:pt x="1403" y="0"/>
+                </a:lnTo>
+                <a:lnTo>
+                  <a:pt x="0" y="512"/>
+                </a:lnTo>
+                <a:lnTo>
+                  <a:pt x="1403" y="1024"/>
+                </a:lnTo>
+                <a:lnTo>
+                  <a:pt x="1403" y="768"/>
+                </a:lnTo>
+                <a:lnTo>
+                  <a:pt x="5610" y="768"/>
+                </a:lnTo>
+                <a:lnTo>
+                  <a:pt x="5610" y="256"/>
+                </a:lnTo>
+              </a:path>
+            </a:pathLst>
+          </a:custGeom>
+          <a:solidFill>
+            <a:srgbClr val="333333"/>
+          </a:solidFill>
+          <a:ln>
+            <a:solidFill>
+              <a:srgbClr val="3465a4"/>
+            </a:solidFill>
+          </a:ln>
+        </p:spPr>
+        <p:style>
+          <a:lnRef idx="0"/>
+          <a:fillRef idx="0"/>
+          <a:effectRef idx="0"/>
+          <a:fontRef idx="minor"/>
+        </p:style>
+        <p:txBody>
+          <a:bodyPr wrap="none" lIns="90000" rIns="90000" tIns="45000" bIns="45000" anchor="ctr"/>
+          <a:p>
+            <a:pPr algn="ctr"/>
+            <a:r>
+              <a:rPr b="0" lang="en-US" sz="1800" spc="-1" strike="noStrike">
+                <a:latin typeface="Arial"/>
+              </a:rPr>
+              <a:t>Current Player</a:t>
+            </a:r>
+            <a:endParaRPr b="0" lang="en-US" sz="1800" spc="-1" strike="noStrike">
+              <a:latin typeface="Arial"/>
+            </a:endParaRPr>
+          </a:p>
+        </p:txBody>
+      </p:sp>
+      <p:sp>
+        <p:nvSpPr>
+          <p:cNvPr id="1341" name="CustomShape 53"/>
+          <p:cNvSpPr/>
+          <p:nvPr/>
+        </p:nvSpPr>
+        <p:spPr>
+          <a:xfrm>
+            <a:off x="1041480" y="3260520"/>
+            <a:ext cx="626760" cy="219240"/>
+          </a:xfrm>
+          <a:prstGeom prst="rect">
+            <a:avLst/>
+          </a:prstGeom>
+          <a:solidFill>
+            <a:srgbClr val="cccccc"/>
+          </a:solidFill>
+          <a:ln>
+            <a:solidFill>
+              <a:schemeClr val="tx1"/>
+            </a:solidFill>
+            <a:round/>
+          </a:ln>
+          <a:effectLst>
+            <a:outerShdw blurRad="40000" dir="5400000" dist="23040" rotWithShape="0">
+              <a:srgbClr val="000000">
+                <a:alpha val="35000"/>
+              </a:srgbClr>
+            </a:outerShdw>
+          </a:effectLst>
+        </p:spPr>
+        <p:style>
+          <a:lnRef idx="1">
+            <a:schemeClr val="accent1"/>
+          </a:lnRef>
+          <a:fillRef idx="3">
+            <a:schemeClr val="accent1"/>
+          </a:fillRef>
+          <a:effectRef idx="2">
+            <a:schemeClr val="accent1"/>
+          </a:effectRef>
+          <a:fontRef idx="minor"/>
+        </p:style>
+      </p:sp>
+      <p:sp>
+        <p:nvSpPr>
+          <p:cNvPr id="1342" name="CustomShape 54"/>
+          <p:cNvSpPr/>
+          <p:nvPr/>
+        </p:nvSpPr>
+        <p:spPr>
+          <a:xfrm>
+            <a:off x="1668960" y="3260520"/>
+            <a:ext cx="626760" cy="219240"/>
+          </a:xfrm>
+          <a:prstGeom prst="rect">
+            <a:avLst/>
+          </a:prstGeom>
+          <a:solidFill>
+            <a:srgbClr val="cccccc"/>
+          </a:solidFill>
+          <a:ln>
+            <a:solidFill>
+              <a:schemeClr val="tx1"/>
+            </a:solidFill>
+            <a:round/>
+          </a:ln>
+          <a:effectLst>
+            <a:outerShdw blurRad="40000" dir="5400000" dist="23040" rotWithShape="0">
+              <a:srgbClr val="000000">
+                <a:alpha val="35000"/>
+              </a:srgbClr>
+            </a:outerShdw>
+          </a:effectLst>
+        </p:spPr>
+        <p:style>
+          <a:lnRef idx="1">
+            <a:schemeClr val="accent1"/>
+          </a:lnRef>
+          <a:fillRef idx="3">
+            <a:schemeClr val="accent1"/>
+          </a:fillRef>
+          <a:effectRef idx="2">
+            <a:schemeClr val="accent1"/>
+          </a:effectRef>
+          <a:fontRef idx="minor"/>
+        </p:style>
+      </p:sp>
+      <p:sp>
+        <p:nvSpPr>
+          <p:cNvPr id="1343" name="CustomShape 55"/>
+          <p:cNvSpPr/>
+          <p:nvPr/>
+        </p:nvSpPr>
+        <p:spPr>
+          <a:xfrm>
+            <a:off x="1332720" y="3479760"/>
+            <a:ext cx="626760" cy="218880"/>
+          </a:xfrm>
+          <a:prstGeom prst="rect">
+            <a:avLst/>
+          </a:prstGeom>
+          <a:solidFill>
+            <a:srgbClr val="cccccc"/>
+          </a:solidFill>
+          <a:ln>
+            <a:solidFill>
+              <a:schemeClr val="tx1"/>
+            </a:solidFill>
+            <a:round/>
+          </a:ln>
+          <a:effectLst>
+            <a:outerShdw blurRad="40000" dir="5400000" dist="23040" rotWithShape="0">
+              <a:srgbClr val="000000">
+                <a:alpha val="35000"/>
+              </a:srgbClr>
+            </a:outerShdw>
+          </a:effectLst>
+        </p:spPr>
+        <p:style>
+          <a:lnRef idx="1">
+            <a:schemeClr val="accent1"/>
+          </a:lnRef>
+          <a:fillRef idx="3">
+            <a:schemeClr val="accent1"/>
+          </a:fillRef>
+          <a:effectRef idx="2">
+            <a:schemeClr val="accent1"/>
+          </a:effectRef>
+          <a:fontRef idx="minor"/>
+        </p:style>
+      </p:sp>
+      <p:sp>
+        <p:nvSpPr>
+          <p:cNvPr id="1344" name="CustomShape 56"/>
+          <p:cNvSpPr/>
+          <p:nvPr/>
+        </p:nvSpPr>
+        <p:spPr>
+          <a:xfrm>
+            <a:off x="1960200" y="3479760"/>
+            <a:ext cx="626760" cy="218880"/>
+          </a:xfrm>
+          <a:prstGeom prst="rect">
+            <a:avLst/>
+          </a:prstGeom>
+          <a:solidFill>
+            <a:srgbClr val="cccccc"/>
+          </a:solidFill>
+          <a:ln>
+            <a:solidFill>
+              <a:schemeClr val="tx1"/>
+            </a:solidFill>
+            <a:round/>
+          </a:ln>
+          <a:effectLst>
+            <a:outerShdw blurRad="40000" dir="5400000" dist="23040" rotWithShape="0">
+              <a:srgbClr val="000000">
+                <a:alpha val="35000"/>
+              </a:srgbClr>
+            </a:outerShdw>
+          </a:effectLst>
+        </p:spPr>
+        <p:style>
+          <a:lnRef idx="1">
+            <a:schemeClr val="accent1"/>
+          </a:lnRef>
+          <a:fillRef idx="3">
+            <a:schemeClr val="accent1"/>
+          </a:fillRef>
+          <a:effectRef idx="2">
+            <a:schemeClr val="accent1"/>
+          </a:effectRef>
+          <a:fontRef idx="minor"/>
+        </p:style>
+      </p:sp>
+      <p:sp>
+        <p:nvSpPr>
+          <p:cNvPr id="1345" name="CustomShape 57"/>
+          <p:cNvSpPr/>
+          <p:nvPr/>
+        </p:nvSpPr>
+        <p:spPr>
+          <a:xfrm>
+            <a:off x="997200" y="3261240"/>
+            <a:ext cx="715680" cy="220680"/>
+          </a:xfrm>
+          <a:prstGeom prst="mathMultiply">
+            <a:avLst>
+              <a:gd name="adj1" fmla="val 23520"/>
+            </a:avLst>
+          </a:prstGeom>
+          <a:solidFill>
+            <a:srgbClr val="3465a4"/>
+          </a:solidFill>
+          <a:ln>
+            <a:solidFill>
+              <a:srgbClr val="000000"/>
+            </a:solidFill>
+            <a:round/>
+          </a:ln>
+          <a:effectLst>
+            <a:outerShdw blurRad="40000" dir="5400000" dist="23040" rotWithShape="0">
+              <a:srgbClr val="000000">
+                <a:alpha val="35000"/>
+              </a:srgbClr>
+            </a:outerShdw>
+          </a:effectLst>
+        </p:spPr>
+        <p:style>
+          <a:lnRef idx="1">
+            <a:schemeClr val="accent1"/>
+          </a:lnRef>
+          <a:fillRef idx="3">
+            <a:schemeClr val="accent1"/>
+          </a:fillRef>
+          <a:effectRef idx="2">
+            <a:schemeClr val="accent1"/>
+          </a:effectRef>
+          <a:fontRef idx="minor"/>
+        </p:style>
+      </p:sp>
+      <p:sp>
+        <p:nvSpPr>
+          <p:cNvPr id="1346" name="CustomShape 58"/>
+          <p:cNvSpPr/>
+          <p:nvPr/>
+        </p:nvSpPr>
+        <p:spPr>
+          <a:xfrm>
+            <a:off x="424800" y="3113280"/>
+            <a:ext cx="626760" cy="219240"/>
+          </a:xfrm>
+          <a:prstGeom prst="rect">
+            <a:avLst/>
+          </a:prstGeom>
+          <a:solidFill>
+            <a:srgbClr val="cccccc"/>
+          </a:solidFill>
+          <a:ln>
+            <a:solidFill>
+              <a:schemeClr val="tx1"/>
+            </a:solidFill>
+            <a:round/>
+          </a:ln>
+          <a:effectLst>
+            <a:outerShdw blurRad="40000" dir="5400000" dist="23040" rotWithShape="0">
+              <a:srgbClr val="000000">
+                <a:alpha val="35000"/>
+              </a:srgbClr>
+            </a:outerShdw>
+          </a:effectLst>
+        </p:spPr>
+        <p:style>
+          <a:lnRef idx="1">
+            <a:schemeClr val="accent1"/>
+          </a:lnRef>
+          <a:fillRef idx="3">
+            <a:schemeClr val="accent1"/>
+          </a:fillRef>
+          <a:effectRef idx="2">
+            <a:schemeClr val="accent1"/>
+          </a:effectRef>
+          <a:fontRef idx="minor"/>
+        </p:style>
+      </p:sp>
+      <p:sp>
+        <p:nvSpPr>
+          <p:cNvPr id="1347" name="CustomShape 59"/>
+          <p:cNvSpPr/>
+          <p:nvPr/>
+        </p:nvSpPr>
+        <p:spPr>
+          <a:xfrm>
+            <a:off x="1052280" y="3113280"/>
+            <a:ext cx="626760" cy="219240"/>
+          </a:xfrm>
+          <a:prstGeom prst="rect">
+            <a:avLst/>
+          </a:prstGeom>
+          <a:solidFill>
+            <a:srgbClr val="cccccc"/>
+          </a:solidFill>
+          <a:ln>
+            <a:solidFill>
+              <a:schemeClr val="tx1"/>
+            </a:solidFill>
+            <a:round/>
+          </a:ln>
+          <a:effectLst>
+            <a:outerShdw blurRad="40000" dir="5400000" dist="23040" rotWithShape="0">
+              <a:srgbClr val="000000">
+                <a:alpha val="35000"/>
+              </a:srgbClr>
+            </a:outerShdw>
+          </a:effectLst>
+        </p:spPr>
+        <p:style>
+          <a:lnRef idx="1">
+            <a:schemeClr val="accent1"/>
+          </a:lnRef>
+          <a:fillRef idx="3">
+            <a:schemeClr val="accent1"/>
+          </a:fillRef>
+          <a:effectRef idx="2">
+            <a:schemeClr val="accent1"/>
+          </a:effectRef>
+          <a:fontRef idx="minor"/>
+        </p:style>
+      </p:sp>
+      <p:sp>
+        <p:nvSpPr>
+          <p:cNvPr id="1348" name="CustomShape 60"/>
+          <p:cNvSpPr/>
+          <p:nvPr/>
+        </p:nvSpPr>
+        <p:spPr>
+          <a:xfrm>
+            <a:off x="1679760" y="3113280"/>
+            <a:ext cx="626760" cy="219240"/>
+          </a:xfrm>
+          <a:prstGeom prst="rect">
+            <a:avLst/>
+          </a:prstGeom>
+          <a:solidFill>
+            <a:srgbClr val="cccccc"/>
+          </a:solidFill>
+          <a:ln>
+            <a:solidFill>
+              <a:schemeClr val="tx1"/>
+            </a:solidFill>
+            <a:round/>
+          </a:ln>
+          <a:effectLst>
+            <a:outerShdw blurRad="40000" dir="5400000" dist="23040" rotWithShape="0">
+              <a:srgbClr val="000000">
+                <a:alpha val="35000"/>
+              </a:srgbClr>
+            </a:outerShdw>
+          </a:effectLst>
+        </p:spPr>
+        <p:style>
+          <a:lnRef idx="1">
+            <a:schemeClr val="accent1"/>
+          </a:lnRef>
+          <a:fillRef idx="3">
+            <a:schemeClr val="accent1"/>
+          </a:fillRef>
+          <a:effectRef idx="2">
+            <a:schemeClr val="accent1"/>
+          </a:effectRef>
+          <a:fontRef idx="minor"/>
+        </p:style>
+      </p:sp>
+      <p:sp>
+        <p:nvSpPr>
+          <p:cNvPr id="1349" name="CustomShape 61"/>
+          <p:cNvSpPr/>
+          <p:nvPr/>
+        </p:nvSpPr>
+        <p:spPr>
+          <a:xfrm>
+            <a:off x="716040" y="3332520"/>
+            <a:ext cx="626760" cy="218880"/>
+          </a:xfrm>
+          <a:prstGeom prst="rect">
+            <a:avLst/>
+          </a:prstGeom>
+          <a:solidFill>
+            <a:srgbClr val="cccccc"/>
+          </a:solidFill>
+          <a:ln>
+            <a:solidFill>
+              <a:schemeClr val="tx1"/>
+            </a:solidFill>
+            <a:round/>
+          </a:ln>
+          <a:effectLst>
+            <a:outerShdw blurRad="40000" dir="5400000" dist="23040" rotWithShape="0">
+              <a:srgbClr val="000000">
+                <a:alpha val="35000"/>
+              </a:srgbClr>
+            </a:outerShdw>
+          </a:effectLst>
+        </p:spPr>
+        <p:style>
+          <a:lnRef idx="1">
+            <a:schemeClr val="accent1"/>
+          </a:lnRef>
+          <a:fillRef idx="3">
+            <a:schemeClr val="accent1"/>
+          </a:fillRef>
+          <a:effectRef idx="2">
+            <a:schemeClr val="accent1"/>
+          </a:effectRef>
+          <a:fontRef idx="minor"/>
+        </p:style>
+      </p:sp>
+      <p:sp>
+        <p:nvSpPr>
+          <p:cNvPr id="1350" name="CustomShape 62"/>
+          <p:cNvSpPr/>
+          <p:nvPr/>
+        </p:nvSpPr>
+        <p:spPr>
+          <a:xfrm>
+            <a:off x="1343520" y="3332520"/>
+            <a:ext cx="626760" cy="218880"/>
+          </a:xfrm>
+          <a:prstGeom prst="rect">
+            <a:avLst/>
+          </a:prstGeom>
+          <a:solidFill>
+            <a:srgbClr val="cccccc"/>
+          </a:solidFill>
+          <a:ln>
+            <a:solidFill>
+              <a:schemeClr val="tx1"/>
+            </a:solidFill>
+            <a:round/>
+          </a:ln>
+          <a:effectLst>
+            <a:outerShdw blurRad="40000" dir="5400000" dist="23040" rotWithShape="0">
+              <a:srgbClr val="000000">
+                <a:alpha val="35000"/>
+              </a:srgbClr>
+            </a:outerShdw>
+          </a:effectLst>
+        </p:spPr>
+        <p:style>
+          <a:lnRef idx="1">
+            <a:schemeClr val="accent1"/>
+          </a:lnRef>
+          <a:fillRef idx="3">
+            <a:schemeClr val="accent1"/>
+          </a:fillRef>
+          <a:effectRef idx="2">
+            <a:schemeClr val="accent1"/>
+          </a:effectRef>
+          <a:fontRef idx="minor"/>
+        </p:style>
+      </p:sp>
+      <p:sp>
+        <p:nvSpPr>
+          <p:cNvPr id="1351" name="CustomShape 63"/>
+          <p:cNvSpPr/>
+          <p:nvPr/>
+        </p:nvSpPr>
+        <p:spPr>
+          <a:xfrm>
+            <a:off x="1971000" y="3332520"/>
+            <a:ext cx="626760" cy="218880"/>
+          </a:xfrm>
+          <a:prstGeom prst="rect">
+            <a:avLst/>
+          </a:prstGeom>
+          <a:solidFill>
+            <a:srgbClr val="cccccc"/>
+          </a:solidFill>
+          <a:ln>
+            <a:solidFill>
+              <a:schemeClr val="tx1"/>
+            </a:solidFill>
+            <a:round/>
+          </a:ln>
+          <a:effectLst>
+            <a:outerShdw blurRad="40000" dir="5400000" dist="23040" rotWithShape="0">
+              <a:srgbClr val="000000">
+                <a:alpha val="35000"/>
+              </a:srgbClr>
+            </a:outerShdw>
+          </a:effectLst>
+        </p:spPr>
+        <p:style>
+          <a:lnRef idx="1">
+            <a:schemeClr val="accent1"/>
+          </a:lnRef>
+          <a:fillRef idx="3">
+            <a:schemeClr val="accent1"/>
+          </a:fillRef>
+          <a:effectRef idx="2">
+            <a:schemeClr val="accent1"/>
+          </a:effectRef>
+          <a:fontRef idx="minor"/>
+        </p:style>
+      </p:sp>
+      <p:sp>
+        <p:nvSpPr>
+          <p:cNvPr id="1352" name="CustomShape 64"/>
+          <p:cNvSpPr/>
+          <p:nvPr/>
+        </p:nvSpPr>
+        <p:spPr>
+          <a:xfrm>
+            <a:off x="1008720" y="3553200"/>
+            <a:ext cx="626760" cy="218880"/>
+          </a:xfrm>
+          <a:prstGeom prst="rect">
+            <a:avLst/>
+          </a:prstGeom>
+          <a:solidFill>
+            <a:srgbClr val="cccccc"/>
+          </a:solidFill>
+          <a:ln>
+            <a:solidFill>
+              <a:schemeClr val="tx1"/>
+            </a:solidFill>
+            <a:round/>
+          </a:ln>
+          <a:effectLst>
+            <a:outerShdw blurRad="40000" dir="5400000" dist="23040" rotWithShape="0">
+              <a:srgbClr val="000000">
+                <a:alpha val="35000"/>
+              </a:srgbClr>
+            </a:outerShdw>
+          </a:effectLst>
+        </p:spPr>
+        <p:style>
+          <a:lnRef idx="1">
+            <a:schemeClr val="accent1"/>
+          </a:lnRef>
+          <a:fillRef idx="3">
+            <a:schemeClr val="accent1"/>
+          </a:fillRef>
+          <a:effectRef idx="2">
+            <a:schemeClr val="accent1"/>
+          </a:effectRef>
+          <a:fontRef idx="minor"/>
+        </p:style>
+      </p:sp>
+      <p:sp>
+        <p:nvSpPr>
+          <p:cNvPr id="1353" name="CustomShape 65"/>
+          <p:cNvSpPr/>
+          <p:nvPr/>
+        </p:nvSpPr>
+        <p:spPr>
+          <a:xfrm>
+            <a:off x="1636200" y="3553200"/>
+            <a:ext cx="626760" cy="218880"/>
+          </a:xfrm>
+          <a:prstGeom prst="rect">
+            <a:avLst/>
+          </a:prstGeom>
+          <a:solidFill>
+            <a:srgbClr val="cccccc"/>
+          </a:solidFill>
+          <a:ln>
+            <a:solidFill>
+              <a:schemeClr val="tx1"/>
+            </a:solidFill>
+            <a:round/>
+          </a:ln>
+          <a:effectLst>
+            <a:outerShdw blurRad="40000" dir="5400000" dist="23040" rotWithShape="0">
+              <a:srgbClr val="000000">
+                <a:alpha val="35000"/>
+              </a:srgbClr>
+            </a:outerShdw>
+          </a:effectLst>
+        </p:spPr>
+        <p:style>
+          <a:lnRef idx="1">
+            <a:schemeClr val="accent1"/>
+          </a:lnRef>
+          <a:fillRef idx="3">
+            <a:schemeClr val="accent1"/>
+          </a:fillRef>
+          <a:effectRef idx="2">
+            <a:schemeClr val="accent1"/>
+          </a:effectRef>
+          <a:fontRef idx="minor"/>
+        </p:style>
+      </p:sp>
+      <p:sp>
+        <p:nvSpPr>
+          <p:cNvPr id="1354" name="CustomShape 66"/>
+          <p:cNvSpPr/>
+          <p:nvPr/>
+        </p:nvSpPr>
+        <p:spPr>
+          <a:xfrm>
+            <a:off x="2263320" y="3553200"/>
+            <a:ext cx="645480" cy="218880"/>
+          </a:xfrm>
+          <a:prstGeom prst="rect">
+            <a:avLst/>
+          </a:prstGeom>
+          <a:solidFill>
+            <a:srgbClr val="cccccc"/>
+          </a:solidFill>
+          <a:ln>
+            <a:solidFill>
+              <a:schemeClr val="tx1"/>
+            </a:solidFill>
+            <a:round/>
+          </a:ln>
+          <a:effectLst>
+            <a:outerShdw blurRad="40000" dir="5400000" dist="23040" rotWithShape="0">
+              <a:srgbClr val="000000">
+                <a:alpha val="35000"/>
+              </a:srgbClr>
+            </a:outerShdw>
+          </a:effectLst>
+        </p:spPr>
+        <p:style>
+          <a:lnRef idx="1">
+            <a:schemeClr val="accent1"/>
+          </a:lnRef>
+          <a:fillRef idx="3">
+            <a:schemeClr val="accent1"/>
+          </a:fillRef>
+          <a:effectRef idx="2">
+            <a:schemeClr val="accent1"/>
+          </a:effectRef>
+          <a:fontRef idx="minor"/>
+        </p:style>
+      </p:sp>
+      <p:sp>
+        <p:nvSpPr>
+          <p:cNvPr id="1355" name="Line 67"/>
+          <p:cNvSpPr/>
+          <p:nvPr/>
+        </p:nvSpPr>
+        <p:spPr>
+          <a:xfrm>
+            <a:off x="424800" y="3113280"/>
+            <a:ext cx="0" cy="147240"/>
+          </a:xfrm>
+          <a:prstGeom prst="line">
+            <a:avLst/>
+          </a:prstGeom>
+          <a:ln>
+            <a:solidFill>
+              <a:srgbClr val="000000"/>
+            </a:solidFill>
+          </a:ln>
+        </p:spPr>
+        <p:style>
+          <a:lnRef idx="0"/>
+          <a:fillRef idx="0"/>
+          <a:effectRef idx="0"/>
+          <a:fontRef idx="minor"/>
+        </p:style>
+      </p:sp>
+      <p:sp>
+        <p:nvSpPr>
+          <p:cNvPr id="1356" name="Line 68"/>
+          <p:cNvSpPr/>
+          <p:nvPr/>
+        </p:nvSpPr>
+        <p:spPr>
+          <a:xfrm>
+            <a:off x="1317960" y="3784320"/>
+            <a:ext cx="0" cy="147240"/>
+          </a:xfrm>
+          <a:prstGeom prst="line">
+            <a:avLst/>
+          </a:prstGeom>
+          <a:ln>
+            <a:solidFill>
+              <a:srgbClr val="000000"/>
+            </a:solidFill>
+          </a:ln>
+        </p:spPr>
+        <p:style>
+          <a:lnRef idx="0"/>
+          <a:fillRef idx="0"/>
+          <a:effectRef idx="0"/>
+          <a:fontRef idx="minor"/>
+        </p:style>
+      </p:sp>
+      <p:sp>
+        <p:nvSpPr>
+          <p:cNvPr id="1357" name="Line 69"/>
+          <p:cNvSpPr/>
+          <p:nvPr/>
+        </p:nvSpPr>
+        <p:spPr>
+          <a:xfrm>
+            <a:off x="424800" y="3260520"/>
+            <a:ext cx="856800" cy="663120"/>
+          </a:xfrm>
+          <a:prstGeom prst="line">
+            <a:avLst/>
+          </a:prstGeom>
+          <a:ln>
+            <a:solidFill>
+              <a:srgbClr val="000000"/>
+            </a:solidFill>
+          </a:ln>
+        </p:spPr>
+        <p:style>
+          <a:lnRef idx="0"/>
+          <a:fillRef idx="0"/>
+          <a:effectRef idx="0"/>
+          <a:fontRef idx="minor"/>
+        </p:style>
+      </p:sp>
+      <p:sp>
+        <p:nvSpPr>
+          <p:cNvPr id="1358" name="Line 70"/>
+          <p:cNvSpPr/>
+          <p:nvPr/>
+        </p:nvSpPr>
+        <p:spPr>
+          <a:xfrm>
+            <a:off x="1281600" y="3923640"/>
+            <a:ext cx="1917360" cy="0"/>
+          </a:xfrm>
+          <a:prstGeom prst="line">
+            <a:avLst/>
+          </a:prstGeom>
+          <a:ln>
+            <a:solidFill>
+              <a:srgbClr val="000000"/>
+            </a:solidFill>
+          </a:ln>
+        </p:spPr>
+        <p:style>
+          <a:lnRef idx="0"/>
+          <a:fillRef idx="0"/>
+          <a:effectRef idx="0"/>
+          <a:fontRef idx="minor"/>
+        </p:style>
+      </p:sp>
+      <p:sp>
+        <p:nvSpPr>
+          <p:cNvPr id="1359" name="Line 71"/>
+          <p:cNvSpPr/>
+          <p:nvPr/>
+        </p:nvSpPr>
+        <p:spPr>
+          <a:xfrm>
+            <a:off x="3189960" y="3784680"/>
+            <a:ext cx="0" cy="147240"/>
+          </a:xfrm>
+          <a:prstGeom prst="line">
+            <a:avLst/>
+          </a:prstGeom>
+          <a:ln>
+            <a:solidFill>
+              <a:srgbClr val="000000"/>
+            </a:solidFill>
+          </a:ln>
+        </p:spPr>
+        <p:style>
+          <a:lnRef idx="0"/>
+          <a:fillRef idx="0"/>
+          <a:effectRef idx="0"/>
+          <a:fontRef idx="minor"/>
+        </p:style>
+      </p:sp>
+      <p:sp>
+        <p:nvSpPr>
+          <p:cNvPr id="1360" name="CustomShape 72"/>
+          <p:cNvSpPr/>
+          <p:nvPr/>
+        </p:nvSpPr>
+        <p:spPr>
+          <a:xfrm>
+            <a:off x="1189080" y="3583800"/>
+            <a:ext cx="430200" cy="150480"/>
           </a:xfrm>
           <a:prstGeom prst="donut">
             <a:avLst>
@@ -21935,1000 +24390,14 @@
       </p:sp>
       <p:sp>
         <p:nvSpPr>
-          <p:cNvPr id="1299" name="CustomShape 11"/>
+          <p:cNvPr id="1361" name="CustomShape 73"/>
           <p:cNvSpPr/>
           <p:nvPr/>
         </p:nvSpPr>
         <p:spPr>
           <a:xfrm>
-            <a:off x="4292280" y="4921920"/>
-            <a:ext cx="487080" cy="186840"/>
-          </a:xfrm>
-          <a:prstGeom prst="donut">
-            <a:avLst>
-              <a:gd name="adj" fmla="val 25000"/>
-            </a:avLst>
-          </a:prstGeom>
-          <a:solidFill>
-            <a:srgbClr val="d03f3b"/>
-          </a:solidFill>
-          <a:ln>
-            <a:solidFill>
-              <a:srgbClr val="000000"/>
-            </a:solidFill>
-            <a:round/>
-          </a:ln>
-          <a:effectLst>
-            <a:outerShdw blurRad="40000" dir="5400000" dist="23040" rotWithShape="0">
-              <a:srgbClr val="000000">
-                <a:alpha val="35000"/>
-              </a:srgbClr>
-            </a:outerShdw>
-          </a:effectLst>
-        </p:spPr>
-        <p:style>
-          <a:lnRef idx="1">
-            <a:schemeClr val="accent2"/>
-          </a:lnRef>
-          <a:fillRef idx="3">
-            <a:schemeClr val="accent2"/>
-          </a:fillRef>
-          <a:effectRef idx="2">
-            <a:schemeClr val="accent2"/>
-          </a:effectRef>
-          <a:fontRef idx="minor"/>
-        </p:style>
-      </p:sp>
-      <p:sp>
-        <p:nvSpPr>
-          <p:cNvPr id="1300" name="CustomShape 12"/>
-          <p:cNvSpPr/>
-          <p:nvPr/>
-        </p:nvSpPr>
-        <p:spPr>
-          <a:xfrm>
-            <a:off x="4990320" y="4890600"/>
-            <a:ext cx="487080" cy="186840"/>
-          </a:xfrm>
-          <a:prstGeom prst="donut">
-            <a:avLst>
-              <a:gd name="adj" fmla="val 25000"/>
-            </a:avLst>
-          </a:prstGeom>
-          <a:solidFill>
-            <a:srgbClr val="d03f3b"/>
-          </a:solidFill>
-          <a:ln>
-            <a:solidFill>
-              <a:srgbClr val="000000"/>
-            </a:solidFill>
-            <a:round/>
-          </a:ln>
-          <a:effectLst>
-            <a:outerShdw blurRad="40000" dir="5400000" dist="23040" rotWithShape="0">
-              <a:srgbClr val="000000">
-                <a:alpha val="35000"/>
-              </a:srgbClr>
-            </a:outerShdw>
-          </a:effectLst>
-        </p:spPr>
-        <p:style>
-          <a:lnRef idx="1">
-            <a:schemeClr val="accent2"/>
-          </a:lnRef>
-          <a:fillRef idx="3">
-            <a:schemeClr val="accent2"/>
-          </a:fillRef>
-          <a:effectRef idx="2">
-            <a:schemeClr val="accent2"/>
-          </a:effectRef>
-          <a:fontRef idx="minor"/>
-        </p:style>
-      </p:sp>
-      <p:sp>
-        <p:nvSpPr>
-          <p:cNvPr id="1301" name="CustomShape 13"/>
-          <p:cNvSpPr/>
-          <p:nvPr/>
-        </p:nvSpPr>
-        <p:spPr>
-          <a:xfrm>
-            <a:off x="3298320" y="4638600"/>
-            <a:ext cx="487080" cy="186840"/>
-          </a:xfrm>
-          <a:prstGeom prst="donut">
-            <a:avLst>
-              <a:gd name="adj" fmla="val 25000"/>
-            </a:avLst>
-          </a:prstGeom>
-          <a:solidFill>
-            <a:srgbClr val="d03f3b"/>
-          </a:solidFill>
-          <a:ln>
-            <a:solidFill>
-              <a:srgbClr val="000000"/>
-            </a:solidFill>
-            <a:round/>
-          </a:ln>
-          <a:effectLst>
-            <a:outerShdw blurRad="40000" dir="5400000" dist="23040" rotWithShape="0">
-              <a:srgbClr val="000000">
-                <a:alpha val="35000"/>
-              </a:srgbClr>
-            </a:outerShdw>
-          </a:effectLst>
-        </p:spPr>
-        <p:style>
-          <a:lnRef idx="1">
-            <a:schemeClr val="accent2"/>
-          </a:lnRef>
-          <a:fillRef idx="3">
-            <a:schemeClr val="accent2"/>
-          </a:fillRef>
-          <a:effectRef idx="2">
-            <a:schemeClr val="accent2"/>
-          </a:effectRef>
-          <a:fontRef idx="minor"/>
-        </p:style>
-      </p:sp>
-      <p:sp>
-        <p:nvSpPr>
-          <p:cNvPr id="1302" name="CustomShape 14"/>
-          <p:cNvSpPr/>
-          <p:nvPr/>
-        </p:nvSpPr>
-        <p:spPr>
-          <a:xfrm>
-            <a:off x="3982320" y="4638600"/>
-            <a:ext cx="487080" cy="186840"/>
-          </a:xfrm>
-          <a:prstGeom prst="donut">
-            <a:avLst>
-              <a:gd name="adj" fmla="val 25000"/>
-            </a:avLst>
-          </a:prstGeom>
-          <a:solidFill>
-            <a:srgbClr val="d03f3b"/>
-          </a:solidFill>
-          <a:ln>
-            <a:solidFill>
-              <a:srgbClr val="000000"/>
-            </a:solidFill>
-            <a:round/>
-          </a:ln>
-          <a:effectLst>
-            <a:outerShdw blurRad="40000" dir="5400000" dist="23040" rotWithShape="0">
-              <a:srgbClr val="000000">
-                <a:alpha val="35000"/>
-              </a:srgbClr>
-            </a:outerShdw>
-          </a:effectLst>
-        </p:spPr>
-        <p:style>
-          <a:lnRef idx="1">
-            <a:schemeClr val="accent2"/>
-          </a:lnRef>
-          <a:fillRef idx="3">
-            <a:schemeClr val="accent2"/>
-          </a:fillRef>
-          <a:effectRef idx="2">
-            <a:schemeClr val="accent2"/>
-          </a:effectRef>
-          <a:fontRef idx="minor"/>
-        </p:style>
-      </p:sp>
-      <p:sp>
-        <p:nvSpPr>
-          <p:cNvPr id="1303" name="CustomShape 15"/>
-          <p:cNvSpPr/>
-          <p:nvPr/>
-        </p:nvSpPr>
-        <p:spPr>
-          <a:xfrm>
-            <a:off x="4666320" y="4638600"/>
-            <a:ext cx="487080" cy="186840"/>
-          </a:xfrm>
-          <a:prstGeom prst="donut">
-            <a:avLst>
-              <a:gd name="adj" fmla="val 25000"/>
-            </a:avLst>
-          </a:prstGeom>
-          <a:solidFill>
-            <a:srgbClr val="d03f3b"/>
-          </a:solidFill>
-          <a:ln>
-            <a:solidFill>
-              <a:srgbClr val="000000"/>
-            </a:solidFill>
-            <a:round/>
-          </a:ln>
-          <a:effectLst>
-            <a:outerShdw blurRad="40000" dir="5400000" dist="23040" rotWithShape="0">
-              <a:srgbClr val="000000">
-                <a:alpha val="35000"/>
-              </a:srgbClr>
-            </a:outerShdw>
-          </a:effectLst>
-        </p:spPr>
-        <p:style>
-          <a:lnRef idx="1">
-            <a:schemeClr val="accent2"/>
-          </a:lnRef>
-          <a:fillRef idx="3">
-            <a:schemeClr val="accent2"/>
-          </a:fillRef>
-          <a:effectRef idx="2">
-            <a:schemeClr val="accent2"/>
-          </a:effectRef>
-          <a:fontRef idx="minor"/>
-        </p:style>
-      </p:sp>
-      <p:sp>
-        <p:nvSpPr>
-          <p:cNvPr id="1304" name="CustomShape 16"/>
-          <p:cNvSpPr/>
-          <p:nvPr/>
-        </p:nvSpPr>
-        <p:spPr>
-          <a:xfrm>
-            <a:off x="4341960" y="4362120"/>
-            <a:ext cx="487080" cy="186840"/>
-          </a:xfrm>
-          <a:prstGeom prst="donut">
-            <a:avLst>
-              <a:gd name="adj" fmla="val 25000"/>
-            </a:avLst>
-          </a:prstGeom>
-          <a:solidFill>
-            <a:srgbClr val="d03f3b"/>
-          </a:solidFill>
-          <a:ln>
-            <a:solidFill>
-              <a:srgbClr val="000000"/>
-            </a:solidFill>
-            <a:round/>
-          </a:ln>
-          <a:effectLst>
-            <a:outerShdw blurRad="40000" dir="5400000" dist="23040" rotWithShape="0">
-              <a:srgbClr val="000000">
-                <a:alpha val="35000"/>
-              </a:srgbClr>
-            </a:outerShdw>
-          </a:effectLst>
-        </p:spPr>
-        <p:style>
-          <a:lnRef idx="1">
-            <a:schemeClr val="accent2"/>
-          </a:lnRef>
-          <a:fillRef idx="3">
-            <a:schemeClr val="accent2"/>
-          </a:fillRef>
-          <a:effectRef idx="2">
-            <a:schemeClr val="accent2"/>
-          </a:effectRef>
-          <a:fontRef idx="minor"/>
-        </p:style>
-      </p:sp>
-      <p:sp>
-        <p:nvSpPr>
-          <p:cNvPr id="1305" name="CustomShape 17"/>
-          <p:cNvSpPr/>
-          <p:nvPr/>
-        </p:nvSpPr>
-        <p:spPr>
-          <a:xfrm>
-            <a:off x="3657960" y="4362120"/>
-            <a:ext cx="487080" cy="186840"/>
-          </a:xfrm>
-          <a:prstGeom prst="donut">
-            <a:avLst>
-              <a:gd name="adj" fmla="val 25000"/>
-            </a:avLst>
-          </a:prstGeom>
-          <a:solidFill>
-            <a:srgbClr val="d03f3b"/>
-          </a:solidFill>
-          <a:ln>
-            <a:solidFill>
-              <a:srgbClr val="000000"/>
-            </a:solidFill>
-            <a:round/>
-          </a:ln>
-          <a:effectLst>
-            <a:outerShdw blurRad="40000" dir="5400000" dist="23040" rotWithShape="0">
-              <a:srgbClr val="000000">
-                <a:alpha val="35000"/>
-              </a:srgbClr>
-            </a:outerShdw>
-          </a:effectLst>
-        </p:spPr>
-        <p:style>
-          <a:lnRef idx="1">
-            <a:schemeClr val="accent2"/>
-          </a:lnRef>
-          <a:fillRef idx="3">
-            <a:schemeClr val="accent2"/>
-          </a:fillRef>
-          <a:effectRef idx="2">
-            <a:schemeClr val="accent2"/>
-          </a:effectRef>
-          <a:fontRef idx="minor"/>
-        </p:style>
-      </p:sp>
-      <p:sp>
-        <p:nvSpPr>
-          <p:cNvPr id="1306" name="CustomShape 18"/>
-          <p:cNvSpPr/>
-          <p:nvPr/>
-        </p:nvSpPr>
-        <p:spPr>
-          <a:xfrm>
-            <a:off x="2973960" y="4362120"/>
-            <a:ext cx="487080" cy="186840"/>
-          </a:xfrm>
-          <a:prstGeom prst="donut">
-            <a:avLst>
-              <a:gd name="adj" fmla="val 25000"/>
-            </a:avLst>
-          </a:prstGeom>
-          <a:solidFill>
-            <a:srgbClr val="d03f3b"/>
-          </a:solidFill>
-          <a:ln>
-            <a:solidFill>
-              <a:srgbClr val="000000"/>
-            </a:solidFill>
-            <a:round/>
-          </a:ln>
-          <a:effectLst>
-            <a:outerShdw blurRad="40000" dir="5400000" dist="23040" rotWithShape="0">
-              <a:srgbClr val="000000">
-                <a:alpha val="35000"/>
-              </a:srgbClr>
-            </a:outerShdw>
-          </a:effectLst>
-        </p:spPr>
-        <p:style>
-          <a:lnRef idx="1">
-            <a:schemeClr val="accent2"/>
-          </a:lnRef>
-          <a:fillRef idx="3">
-            <a:schemeClr val="accent2"/>
-          </a:fillRef>
-          <a:effectRef idx="2">
-            <a:schemeClr val="accent2"/>
-          </a:effectRef>
-          <a:fontRef idx="minor"/>
-        </p:style>
-      </p:sp>
-      <p:sp>
-        <p:nvSpPr>
-          <p:cNvPr id="1307" name="CustomShape 19"/>
-          <p:cNvSpPr/>
-          <p:nvPr/>
-        </p:nvSpPr>
-        <p:spPr>
-          <a:xfrm>
-            <a:off x="2762640" y="3205440"/>
-            <a:ext cx="709560" cy="272160"/>
-          </a:xfrm>
-          <a:prstGeom prst="rect">
-            <a:avLst/>
-          </a:prstGeom>
-          <a:solidFill>
-            <a:srgbClr val="cccccc"/>
-          </a:solidFill>
-          <a:ln>
-            <a:solidFill>
-              <a:schemeClr val="tx1"/>
-            </a:solidFill>
-            <a:round/>
-          </a:ln>
-          <a:effectLst>
-            <a:outerShdw blurRad="40000" dir="5400000" dist="23040" rotWithShape="0">
-              <a:srgbClr val="000000">
-                <a:alpha val="35000"/>
-              </a:srgbClr>
-            </a:outerShdw>
-          </a:effectLst>
-        </p:spPr>
-        <p:style>
-          <a:lnRef idx="1">
-            <a:schemeClr val="accent1"/>
-          </a:lnRef>
-          <a:fillRef idx="3">
-            <a:schemeClr val="accent1"/>
-          </a:fillRef>
-          <a:effectRef idx="2">
-            <a:schemeClr val="accent1"/>
-          </a:effectRef>
-          <a:fontRef idx="minor"/>
-        </p:style>
-      </p:sp>
-      <p:sp>
-        <p:nvSpPr>
-          <p:cNvPr id="1308" name="CustomShape 20"/>
-          <p:cNvSpPr/>
-          <p:nvPr/>
-        </p:nvSpPr>
-        <p:spPr>
-          <a:xfrm>
-            <a:off x="3472920" y="3205440"/>
-            <a:ext cx="709560" cy="272160"/>
-          </a:xfrm>
-          <a:prstGeom prst="rect">
-            <a:avLst/>
-          </a:prstGeom>
-          <a:solidFill>
-            <a:srgbClr val="cccccc"/>
-          </a:solidFill>
-          <a:ln>
-            <a:solidFill>
-              <a:schemeClr val="tx1"/>
-            </a:solidFill>
-            <a:round/>
-          </a:ln>
-          <a:effectLst>
-            <a:outerShdw blurRad="40000" dir="5400000" dist="23040" rotWithShape="0">
-              <a:srgbClr val="000000">
-                <a:alpha val="35000"/>
-              </a:srgbClr>
-            </a:outerShdw>
-          </a:effectLst>
-        </p:spPr>
-        <p:style>
-          <a:lnRef idx="1">
-            <a:schemeClr val="accent1"/>
-          </a:lnRef>
-          <a:fillRef idx="3">
-            <a:schemeClr val="accent1"/>
-          </a:fillRef>
-          <a:effectRef idx="2">
-            <a:schemeClr val="accent1"/>
-          </a:effectRef>
-          <a:fontRef idx="minor"/>
-        </p:style>
-      </p:sp>
-      <p:sp>
-        <p:nvSpPr>
-          <p:cNvPr id="1309" name="CustomShape 21"/>
-          <p:cNvSpPr/>
-          <p:nvPr/>
-        </p:nvSpPr>
-        <p:spPr>
-          <a:xfrm>
-            <a:off x="4183200" y="3205440"/>
-            <a:ext cx="709560" cy="272160"/>
-          </a:xfrm>
-          <a:prstGeom prst="rect">
-            <a:avLst/>
-          </a:prstGeom>
-          <a:solidFill>
-            <a:srgbClr val="cccccc"/>
-          </a:solidFill>
-          <a:ln>
-            <a:solidFill>
-              <a:schemeClr val="tx1"/>
-            </a:solidFill>
-            <a:round/>
-          </a:ln>
-          <a:effectLst>
-            <a:outerShdw blurRad="40000" dir="5400000" dist="23040" rotWithShape="0">
-              <a:srgbClr val="000000">
-                <a:alpha val="35000"/>
-              </a:srgbClr>
-            </a:outerShdw>
-          </a:effectLst>
-        </p:spPr>
-        <p:style>
-          <a:lnRef idx="1">
-            <a:schemeClr val="accent1"/>
-          </a:lnRef>
-          <a:fillRef idx="3">
-            <a:schemeClr val="accent1"/>
-          </a:fillRef>
-          <a:effectRef idx="2">
-            <a:schemeClr val="accent1"/>
-          </a:effectRef>
-          <a:fontRef idx="minor"/>
-        </p:style>
-      </p:sp>
-      <p:sp>
-        <p:nvSpPr>
-          <p:cNvPr id="1310" name="CustomShape 22"/>
-          <p:cNvSpPr/>
-          <p:nvPr/>
-        </p:nvSpPr>
-        <p:spPr>
-          <a:xfrm>
-            <a:off x="3092400" y="3477600"/>
-            <a:ext cx="709560" cy="271800"/>
-          </a:xfrm>
-          <a:prstGeom prst="rect">
-            <a:avLst/>
-          </a:prstGeom>
-          <a:solidFill>
-            <a:srgbClr val="cccccc"/>
-          </a:solidFill>
-          <a:ln>
-            <a:solidFill>
-              <a:schemeClr val="tx1"/>
-            </a:solidFill>
-            <a:round/>
-          </a:ln>
-          <a:effectLst>
-            <a:outerShdw blurRad="40000" dir="5400000" dist="23040" rotWithShape="0">
-              <a:srgbClr val="000000">
-                <a:alpha val="35000"/>
-              </a:srgbClr>
-            </a:outerShdw>
-          </a:effectLst>
-        </p:spPr>
-        <p:style>
-          <a:lnRef idx="1">
-            <a:schemeClr val="accent1"/>
-          </a:lnRef>
-          <a:fillRef idx="3">
-            <a:schemeClr val="accent1"/>
-          </a:fillRef>
-          <a:effectRef idx="2">
-            <a:schemeClr val="accent1"/>
-          </a:effectRef>
-          <a:fontRef idx="minor"/>
-        </p:style>
-      </p:sp>
-      <p:sp>
-        <p:nvSpPr>
-          <p:cNvPr id="1311" name="CustomShape 23"/>
-          <p:cNvSpPr/>
-          <p:nvPr/>
-        </p:nvSpPr>
-        <p:spPr>
-          <a:xfrm>
-            <a:off x="3802680" y="3477600"/>
-            <a:ext cx="709560" cy="271800"/>
-          </a:xfrm>
-          <a:prstGeom prst="rect">
-            <a:avLst/>
-          </a:prstGeom>
-          <a:solidFill>
-            <a:srgbClr val="cccccc"/>
-          </a:solidFill>
-          <a:ln>
-            <a:solidFill>
-              <a:schemeClr val="tx1"/>
-            </a:solidFill>
-            <a:round/>
-          </a:ln>
-          <a:effectLst>
-            <a:outerShdw blurRad="40000" dir="5400000" dist="23040" rotWithShape="0">
-              <a:srgbClr val="000000">
-                <a:alpha val="35000"/>
-              </a:srgbClr>
-            </a:outerShdw>
-          </a:effectLst>
-        </p:spPr>
-        <p:style>
-          <a:lnRef idx="1">
-            <a:schemeClr val="accent1"/>
-          </a:lnRef>
-          <a:fillRef idx="3">
-            <a:schemeClr val="accent1"/>
-          </a:fillRef>
-          <a:effectRef idx="2">
-            <a:schemeClr val="accent1"/>
-          </a:effectRef>
-          <a:fontRef idx="minor"/>
-        </p:style>
-      </p:sp>
-      <p:sp>
-        <p:nvSpPr>
-          <p:cNvPr id="1312" name="CustomShape 24"/>
-          <p:cNvSpPr/>
-          <p:nvPr/>
-        </p:nvSpPr>
-        <p:spPr>
-          <a:xfrm>
-            <a:off x="4512960" y="3477600"/>
-            <a:ext cx="709560" cy="271800"/>
-          </a:xfrm>
-          <a:prstGeom prst="rect">
-            <a:avLst/>
-          </a:prstGeom>
-          <a:solidFill>
-            <a:srgbClr val="cccccc"/>
-          </a:solidFill>
-          <a:ln>
-            <a:solidFill>
-              <a:schemeClr val="tx1"/>
-            </a:solidFill>
-            <a:round/>
-          </a:ln>
-          <a:effectLst>
-            <a:outerShdw blurRad="40000" dir="5400000" dist="23040" rotWithShape="0">
-              <a:srgbClr val="000000">
-                <a:alpha val="35000"/>
-              </a:srgbClr>
-            </a:outerShdw>
-          </a:effectLst>
-        </p:spPr>
-        <p:style>
-          <a:lnRef idx="1">
-            <a:schemeClr val="accent1"/>
-          </a:lnRef>
-          <a:fillRef idx="3">
-            <a:schemeClr val="accent1"/>
-          </a:fillRef>
-          <a:effectRef idx="2">
-            <a:schemeClr val="accent1"/>
-          </a:effectRef>
-          <a:fontRef idx="minor"/>
-        </p:style>
-      </p:sp>
-      <p:sp>
-        <p:nvSpPr>
-          <p:cNvPr id="1313" name="CustomShape 25"/>
-          <p:cNvSpPr/>
-          <p:nvPr/>
-        </p:nvSpPr>
-        <p:spPr>
-          <a:xfrm>
-            <a:off x="3423600" y="3751560"/>
-            <a:ext cx="709560" cy="271800"/>
-          </a:xfrm>
-          <a:prstGeom prst="rect">
-            <a:avLst/>
-          </a:prstGeom>
-          <a:solidFill>
-            <a:srgbClr val="cccccc"/>
-          </a:solidFill>
-          <a:ln>
-            <a:solidFill>
-              <a:schemeClr val="tx1"/>
-            </a:solidFill>
-            <a:round/>
-          </a:ln>
-          <a:effectLst>
-            <a:outerShdw blurRad="40000" dir="5400000" dist="23040" rotWithShape="0">
-              <a:srgbClr val="000000">
-                <a:alpha val="35000"/>
-              </a:srgbClr>
-            </a:outerShdw>
-          </a:effectLst>
-        </p:spPr>
-        <p:style>
-          <a:lnRef idx="1">
-            <a:schemeClr val="accent1"/>
-          </a:lnRef>
-          <a:fillRef idx="3">
-            <a:schemeClr val="accent1"/>
-          </a:fillRef>
-          <a:effectRef idx="2">
-            <a:schemeClr val="accent1"/>
-          </a:effectRef>
-          <a:fontRef idx="minor"/>
-        </p:style>
-      </p:sp>
-      <p:sp>
-        <p:nvSpPr>
-          <p:cNvPr id="1314" name="CustomShape 26"/>
-          <p:cNvSpPr/>
-          <p:nvPr/>
-        </p:nvSpPr>
-        <p:spPr>
-          <a:xfrm>
-            <a:off x="4133880" y="3751560"/>
-            <a:ext cx="709560" cy="271800"/>
-          </a:xfrm>
-          <a:prstGeom prst="rect">
-            <a:avLst/>
-          </a:prstGeom>
-          <a:solidFill>
-            <a:srgbClr val="cccccc"/>
-          </a:solidFill>
-          <a:ln>
-            <a:solidFill>
-              <a:schemeClr val="tx1"/>
-            </a:solidFill>
-            <a:round/>
-          </a:ln>
-          <a:effectLst>
-            <a:outerShdw blurRad="40000" dir="5400000" dist="23040" rotWithShape="0">
-              <a:srgbClr val="000000">
-                <a:alpha val="35000"/>
-              </a:srgbClr>
-            </a:outerShdw>
-          </a:effectLst>
-        </p:spPr>
-        <p:style>
-          <a:lnRef idx="1">
-            <a:schemeClr val="accent1"/>
-          </a:lnRef>
-          <a:fillRef idx="3">
-            <a:schemeClr val="accent1"/>
-          </a:fillRef>
-          <a:effectRef idx="2">
-            <a:schemeClr val="accent1"/>
-          </a:effectRef>
-          <a:fontRef idx="minor"/>
-        </p:style>
-      </p:sp>
-      <p:sp>
-        <p:nvSpPr>
-          <p:cNvPr id="1315" name="CustomShape 27"/>
-          <p:cNvSpPr/>
-          <p:nvPr/>
-        </p:nvSpPr>
-        <p:spPr>
-          <a:xfrm>
-            <a:off x="4844160" y="3751560"/>
-            <a:ext cx="709560" cy="271800"/>
-          </a:xfrm>
-          <a:prstGeom prst="rect">
-            <a:avLst/>
-          </a:prstGeom>
-          <a:solidFill>
-            <a:srgbClr val="cccccc"/>
-          </a:solidFill>
-          <a:ln>
-            <a:solidFill>
-              <a:schemeClr val="tx1"/>
-            </a:solidFill>
-            <a:round/>
-          </a:ln>
-          <a:effectLst>
-            <a:outerShdw blurRad="40000" dir="5400000" dist="23040" rotWithShape="0">
-              <a:srgbClr val="000000">
-                <a:alpha val="35000"/>
-              </a:srgbClr>
-            </a:outerShdw>
-          </a:effectLst>
-        </p:spPr>
-        <p:style>
-          <a:lnRef idx="1">
-            <a:schemeClr val="accent1"/>
-          </a:lnRef>
-          <a:fillRef idx="3">
-            <a:schemeClr val="accent1"/>
-          </a:fillRef>
-          <a:effectRef idx="2">
-            <a:schemeClr val="accent1"/>
-          </a:effectRef>
-          <a:fontRef idx="minor"/>
-        </p:style>
-      </p:sp>
-      <p:sp>
-        <p:nvSpPr>
-          <p:cNvPr id="1316" name="CustomShape 28"/>
-          <p:cNvSpPr/>
-          <p:nvPr/>
-        </p:nvSpPr>
-        <p:spPr>
-          <a:xfrm>
-            <a:off x="3586680" y="3793680"/>
-            <a:ext cx="487080" cy="186840"/>
-          </a:xfrm>
-          <a:prstGeom prst="donut">
-            <a:avLst>
-              <a:gd name="adj" fmla="val 25000"/>
-            </a:avLst>
-          </a:prstGeom>
-          <a:solidFill>
-            <a:srgbClr val="d03f3b"/>
-          </a:solidFill>
-          <a:ln>
-            <a:solidFill>
-              <a:srgbClr val="000000"/>
-            </a:solidFill>
-            <a:round/>
-          </a:ln>
-          <a:effectLst>
-            <a:outerShdw blurRad="40000" dir="5400000" dist="23040" rotWithShape="0">
-              <a:srgbClr val="000000">
-                <a:alpha val="35000"/>
-              </a:srgbClr>
-            </a:outerShdw>
-          </a:effectLst>
-        </p:spPr>
-        <p:style>
-          <a:lnRef idx="1">
-            <a:schemeClr val="accent2"/>
-          </a:lnRef>
-          <a:fillRef idx="3">
-            <a:schemeClr val="accent2"/>
-          </a:fillRef>
-          <a:effectRef idx="2">
-            <a:schemeClr val="accent2"/>
-          </a:effectRef>
-          <a:fontRef idx="minor"/>
-        </p:style>
-      </p:sp>
-      <p:sp>
-        <p:nvSpPr>
-          <p:cNvPr id="1317" name="CustomShape 29"/>
-          <p:cNvSpPr/>
-          <p:nvPr/>
-        </p:nvSpPr>
-        <p:spPr>
-          <a:xfrm>
-            <a:off x="3441240" y="2286000"/>
-            <a:ext cx="709560" cy="272160"/>
-          </a:xfrm>
-          <a:prstGeom prst="rect">
-            <a:avLst/>
-          </a:prstGeom>
-          <a:solidFill>
-            <a:srgbClr val="cccccc"/>
-          </a:solidFill>
-          <a:ln>
-            <a:solidFill>
-              <a:schemeClr val="tx1"/>
-            </a:solidFill>
-            <a:round/>
-          </a:ln>
-          <a:effectLst>
-            <a:outerShdw blurRad="40000" dir="5400000" dist="23040" rotWithShape="0">
-              <a:srgbClr val="000000">
-                <a:alpha val="35000"/>
-              </a:srgbClr>
-            </a:outerShdw>
-          </a:effectLst>
-        </p:spPr>
-        <p:style>
-          <a:lnRef idx="1">
-            <a:schemeClr val="accent1"/>
-          </a:lnRef>
-          <a:fillRef idx="3">
-            <a:schemeClr val="accent1"/>
-          </a:fillRef>
-          <a:effectRef idx="2">
-            <a:schemeClr val="accent1"/>
-          </a:effectRef>
-          <a:fontRef idx="minor"/>
-        </p:style>
-      </p:sp>
-      <p:sp>
-        <p:nvSpPr>
-          <p:cNvPr id="1318" name="CustomShape 30"/>
-          <p:cNvSpPr/>
-          <p:nvPr/>
-        </p:nvSpPr>
-        <p:spPr>
-          <a:xfrm>
-            <a:off x="4151520" y="2286000"/>
-            <a:ext cx="709560" cy="272160"/>
-          </a:xfrm>
-          <a:prstGeom prst="rect">
-            <a:avLst/>
-          </a:prstGeom>
-          <a:solidFill>
-            <a:srgbClr val="cccccc"/>
-          </a:solidFill>
-          <a:ln>
-            <a:solidFill>
-              <a:schemeClr val="tx1"/>
-            </a:solidFill>
-            <a:round/>
-          </a:ln>
-          <a:effectLst>
-            <a:outerShdw blurRad="40000" dir="5400000" dist="23040" rotWithShape="0">
-              <a:srgbClr val="000000">
-                <a:alpha val="35000"/>
-              </a:srgbClr>
-            </a:outerShdw>
-          </a:effectLst>
-        </p:spPr>
-        <p:style>
-          <a:lnRef idx="1">
-            <a:schemeClr val="accent1"/>
-          </a:lnRef>
-          <a:fillRef idx="3">
-            <a:schemeClr val="accent1"/>
-          </a:fillRef>
-          <a:effectRef idx="2">
-            <a:schemeClr val="accent1"/>
-          </a:effectRef>
-          <a:fontRef idx="minor"/>
-        </p:style>
-      </p:sp>
-      <p:sp>
-        <p:nvSpPr>
-          <p:cNvPr id="1319" name="CustomShape 31"/>
-          <p:cNvSpPr/>
-          <p:nvPr/>
-        </p:nvSpPr>
-        <p:spPr>
-          <a:xfrm>
-            <a:off x="3771000" y="2558160"/>
-            <a:ext cx="709560" cy="271800"/>
-          </a:xfrm>
-          <a:prstGeom prst="rect">
-            <a:avLst/>
-          </a:prstGeom>
-          <a:solidFill>
-            <a:srgbClr val="cccccc"/>
-          </a:solidFill>
-          <a:ln>
-            <a:solidFill>
-              <a:schemeClr val="tx1"/>
-            </a:solidFill>
-            <a:round/>
-          </a:ln>
-          <a:effectLst>
-            <a:outerShdw blurRad="40000" dir="5400000" dist="23040" rotWithShape="0">
-              <a:srgbClr val="000000">
-                <a:alpha val="35000"/>
-              </a:srgbClr>
-            </a:outerShdw>
-          </a:effectLst>
-        </p:spPr>
-        <p:style>
-          <a:lnRef idx="1">
-            <a:schemeClr val="accent1"/>
-          </a:lnRef>
-          <a:fillRef idx="3">
-            <a:schemeClr val="accent1"/>
-          </a:fillRef>
-          <a:effectRef idx="2">
-            <a:schemeClr val="accent1"/>
-          </a:effectRef>
-          <a:fontRef idx="minor"/>
-        </p:style>
-      </p:sp>
-      <p:sp>
-        <p:nvSpPr>
-          <p:cNvPr id="1320" name="CustomShape 32"/>
-          <p:cNvSpPr/>
-          <p:nvPr/>
-        </p:nvSpPr>
-        <p:spPr>
-          <a:xfrm>
-            <a:off x="4481280" y="2558160"/>
-            <a:ext cx="709560" cy="271800"/>
-          </a:xfrm>
-          <a:prstGeom prst="rect">
-            <a:avLst/>
-          </a:prstGeom>
-          <a:solidFill>
-            <a:srgbClr val="cccccc"/>
-          </a:solidFill>
-          <a:ln>
-            <a:solidFill>
-              <a:schemeClr val="tx1"/>
-            </a:solidFill>
-            <a:round/>
-          </a:ln>
-          <a:effectLst>
-            <a:outerShdw blurRad="40000" dir="5400000" dist="23040" rotWithShape="0">
-              <a:srgbClr val="000000">
-                <a:alpha val="35000"/>
-              </a:srgbClr>
-            </a:outerShdw>
-          </a:effectLst>
-        </p:spPr>
-        <p:style>
-          <a:lnRef idx="1">
-            <a:schemeClr val="accent1"/>
-          </a:lnRef>
-          <a:fillRef idx="3">
-            <a:schemeClr val="accent1"/>
-          </a:fillRef>
-          <a:effectRef idx="2">
-            <a:schemeClr val="accent1"/>
-          </a:effectRef>
-          <a:fontRef idx="minor"/>
-        </p:style>
-      </p:sp>
-      <p:sp>
-        <p:nvSpPr>
-          <p:cNvPr id="1321" name="CustomShape 33"/>
-          <p:cNvSpPr/>
-          <p:nvPr/>
-        </p:nvSpPr>
-        <p:spPr>
-          <a:xfrm>
-            <a:off x="3391200" y="2286720"/>
-            <a:ext cx="810360" cy="273960"/>
+            <a:off x="1016280" y="3111840"/>
+            <a:ext cx="715680" cy="220680"/>
           </a:xfrm>
           <a:prstGeom prst="mathMultiply">
             <a:avLst>
@@ -22967,410 +24436,14 @@
       </p:sp>
       <p:sp>
         <p:nvSpPr>
-          <p:cNvPr id="1322" name="CustomShape 34"/>
+          <p:cNvPr id="1362" name="CustomShape 74"/>
           <p:cNvSpPr/>
           <p:nvPr/>
         </p:nvSpPr>
         <p:spPr>
           <a:xfrm>
-            <a:off x="2743200" y="2103120"/>
-            <a:ext cx="709560" cy="272160"/>
-          </a:xfrm>
-          <a:prstGeom prst="rect">
-            <a:avLst/>
-          </a:prstGeom>
-          <a:solidFill>
-            <a:srgbClr val="cccccc"/>
-          </a:solidFill>
-          <a:ln>
-            <a:solidFill>
-              <a:schemeClr val="tx1"/>
-            </a:solidFill>
-            <a:round/>
-          </a:ln>
-          <a:effectLst>
-            <a:outerShdw blurRad="40000" dir="5400000" dist="23040" rotWithShape="0">
-              <a:srgbClr val="000000">
-                <a:alpha val="35000"/>
-              </a:srgbClr>
-            </a:outerShdw>
-          </a:effectLst>
-        </p:spPr>
-        <p:style>
-          <a:lnRef idx="1">
-            <a:schemeClr val="accent1"/>
-          </a:lnRef>
-          <a:fillRef idx="3">
-            <a:schemeClr val="accent1"/>
-          </a:fillRef>
-          <a:effectRef idx="2">
-            <a:schemeClr val="accent1"/>
-          </a:effectRef>
-          <a:fontRef idx="minor"/>
-        </p:style>
-      </p:sp>
-      <p:sp>
-        <p:nvSpPr>
-          <p:cNvPr id="1323" name="CustomShape 35"/>
-          <p:cNvSpPr/>
-          <p:nvPr/>
-        </p:nvSpPr>
-        <p:spPr>
-          <a:xfrm>
-            <a:off x="3453480" y="2103120"/>
-            <a:ext cx="709560" cy="272160"/>
-          </a:xfrm>
-          <a:prstGeom prst="rect">
-            <a:avLst/>
-          </a:prstGeom>
-          <a:solidFill>
-            <a:srgbClr val="cccccc"/>
-          </a:solidFill>
-          <a:ln>
-            <a:solidFill>
-              <a:schemeClr val="tx1"/>
-            </a:solidFill>
-            <a:round/>
-          </a:ln>
-          <a:effectLst>
-            <a:outerShdw blurRad="40000" dir="5400000" dist="23040" rotWithShape="0">
-              <a:srgbClr val="000000">
-                <a:alpha val="35000"/>
-              </a:srgbClr>
-            </a:outerShdw>
-          </a:effectLst>
-        </p:spPr>
-        <p:style>
-          <a:lnRef idx="1">
-            <a:schemeClr val="accent1"/>
-          </a:lnRef>
-          <a:fillRef idx="3">
-            <a:schemeClr val="accent1"/>
-          </a:fillRef>
-          <a:effectRef idx="2">
-            <a:schemeClr val="accent1"/>
-          </a:effectRef>
-          <a:fontRef idx="minor"/>
-        </p:style>
-      </p:sp>
-      <p:sp>
-        <p:nvSpPr>
-          <p:cNvPr id="1324" name="CustomShape 36"/>
-          <p:cNvSpPr/>
-          <p:nvPr/>
-        </p:nvSpPr>
-        <p:spPr>
-          <a:xfrm>
-            <a:off x="4163760" y="2103120"/>
-            <a:ext cx="709560" cy="272160"/>
-          </a:xfrm>
-          <a:prstGeom prst="rect">
-            <a:avLst/>
-          </a:prstGeom>
-          <a:solidFill>
-            <a:srgbClr val="cccccc"/>
-          </a:solidFill>
-          <a:ln>
-            <a:solidFill>
-              <a:schemeClr val="tx1"/>
-            </a:solidFill>
-            <a:round/>
-          </a:ln>
-          <a:effectLst>
-            <a:outerShdw blurRad="40000" dir="5400000" dist="23040" rotWithShape="0">
-              <a:srgbClr val="000000">
-                <a:alpha val="35000"/>
-              </a:srgbClr>
-            </a:outerShdw>
-          </a:effectLst>
-        </p:spPr>
-        <p:style>
-          <a:lnRef idx="1">
-            <a:schemeClr val="accent1"/>
-          </a:lnRef>
-          <a:fillRef idx="3">
-            <a:schemeClr val="accent1"/>
-          </a:fillRef>
-          <a:effectRef idx="2">
-            <a:schemeClr val="accent1"/>
-          </a:effectRef>
-          <a:fontRef idx="minor"/>
-        </p:style>
-      </p:sp>
-      <p:sp>
-        <p:nvSpPr>
-          <p:cNvPr id="1325" name="CustomShape 37"/>
-          <p:cNvSpPr/>
-          <p:nvPr/>
-        </p:nvSpPr>
-        <p:spPr>
-          <a:xfrm>
-            <a:off x="3072960" y="2375280"/>
-            <a:ext cx="709560" cy="271800"/>
-          </a:xfrm>
-          <a:prstGeom prst="rect">
-            <a:avLst/>
-          </a:prstGeom>
-          <a:solidFill>
-            <a:srgbClr val="cccccc"/>
-          </a:solidFill>
-          <a:ln>
-            <a:solidFill>
-              <a:schemeClr val="tx1"/>
-            </a:solidFill>
-            <a:round/>
-          </a:ln>
-          <a:effectLst>
-            <a:outerShdw blurRad="40000" dir="5400000" dist="23040" rotWithShape="0">
-              <a:srgbClr val="000000">
-                <a:alpha val="35000"/>
-              </a:srgbClr>
-            </a:outerShdw>
-          </a:effectLst>
-        </p:spPr>
-        <p:style>
-          <a:lnRef idx="1">
-            <a:schemeClr val="accent1"/>
-          </a:lnRef>
-          <a:fillRef idx="3">
-            <a:schemeClr val="accent1"/>
-          </a:fillRef>
-          <a:effectRef idx="2">
-            <a:schemeClr val="accent1"/>
-          </a:effectRef>
-          <a:fontRef idx="minor"/>
-        </p:style>
-      </p:sp>
-      <p:sp>
-        <p:nvSpPr>
-          <p:cNvPr id="1326" name="CustomShape 38"/>
-          <p:cNvSpPr/>
-          <p:nvPr/>
-        </p:nvSpPr>
-        <p:spPr>
-          <a:xfrm>
-            <a:off x="3783240" y="2375280"/>
-            <a:ext cx="709560" cy="271800"/>
-          </a:xfrm>
-          <a:prstGeom prst="rect">
-            <a:avLst/>
-          </a:prstGeom>
-          <a:solidFill>
-            <a:srgbClr val="cccccc"/>
-          </a:solidFill>
-          <a:ln>
-            <a:solidFill>
-              <a:schemeClr val="tx1"/>
-            </a:solidFill>
-            <a:round/>
-          </a:ln>
-          <a:effectLst>
-            <a:outerShdw blurRad="40000" dir="5400000" dist="23040" rotWithShape="0">
-              <a:srgbClr val="000000">
-                <a:alpha val="35000"/>
-              </a:srgbClr>
-            </a:outerShdw>
-          </a:effectLst>
-        </p:spPr>
-        <p:style>
-          <a:lnRef idx="1">
-            <a:schemeClr val="accent1"/>
-          </a:lnRef>
-          <a:fillRef idx="3">
-            <a:schemeClr val="accent1"/>
-          </a:fillRef>
-          <a:effectRef idx="2">
-            <a:schemeClr val="accent1"/>
-          </a:effectRef>
-          <a:fontRef idx="minor"/>
-        </p:style>
-      </p:sp>
-      <p:sp>
-        <p:nvSpPr>
-          <p:cNvPr id="1327" name="CustomShape 39"/>
-          <p:cNvSpPr/>
-          <p:nvPr/>
-        </p:nvSpPr>
-        <p:spPr>
-          <a:xfrm>
-            <a:off x="4493520" y="2375280"/>
-            <a:ext cx="709560" cy="271800"/>
-          </a:xfrm>
-          <a:prstGeom prst="rect">
-            <a:avLst/>
-          </a:prstGeom>
-          <a:solidFill>
-            <a:srgbClr val="cccccc"/>
-          </a:solidFill>
-          <a:ln>
-            <a:solidFill>
-              <a:schemeClr val="tx1"/>
-            </a:solidFill>
-            <a:round/>
-          </a:ln>
-          <a:effectLst>
-            <a:outerShdw blurRad="40000" dir="5400000" dist="23040" rotWithShape="0">
-              <a:srgbClr val="000000">
-                <a:alpha val="35000"/>
-              </a:srgbClr>
-            </a:outerShdw>
-          </a:effectLst>
-        </p:spPr>
-        <p:style>
-          <a:lnRef idx="1">
-            <a:schemeClr val="accent1"/>
-          </a:lnRef>
-          <a:fillRef idx="3">
-            <a:schemeClr val="accent1"/>
-          </a:fillRef>
-          <a:effectRef idx="2">
-            <a:schemeClr val="accent1"/>
-          </a:effectRef>
-          <a:fontRef idx="minor"/>
-        </p:style>
-      </p:sp>
-      <p:sp>
-        <p:nvSpPr>
-          <p:cNvPr id="1328" name="CustomShape 40"/>
-          <p:cNvSpPr/>
-          <p:nvPr/>
-        </p:nvSpPr>
-        <p:spPr>
-          <a:xfrm>
-            <a:off x="3404160" y="2649240"/>
-            <a:ext cx="709560" cy="271800"/>
-          </a:xfrm>
-          <a:prstGeom prst="rect">
-            <a:avLst/>
-          </a:prstGeom>
-          <a:solidFill>
-            <a:srgbClr val="cccccc"/>
-          </a:solidFill>
-          <a:ln>
-            <a:solidFill>
-              <a:schemeClr val="tx1"/>
-            </a:solidFill>
-            <a:round/>
-          </a:ln>
-          <a:effectLst>
-            <a:outerShdw blurRad="40000" dir="5400000" dist="23040" rotWithShape="0">
-              <a:srgbClr val="000000">
-                <a:alpha val="35000"/>
-              </a:srgbClr>
-            </a:outerShdw>
-          </a:effectLst>
-        </p:spPr>
-        <p:style>
-          <a:lnRef idx="1">
-            <a:schemeClr val="accent1"/>
-          </a:lnRef>
-          <a:fillRef idx="3">
-            <a:schemeClr val="accent1"/>
-          </a:fillRef>
-          <a:effectRef idx="2">
-            <a:schemeClr val="accent1"/>
-          </a:effectRef>
-          <a:fontRef idx="minor"/>
-        </p:style>
-      </p:sp>
-      <p:sp>
-        <p:nvSpPr>
-          <p:cNvPr id="1329" name="CustomShape 41"/>
-          <p:cNvSpPr/>
-          <p:nvPr/>
-        </p:nvSpPr>
-        <p:spPr>
-          <a:xfrm>
-            <a:off x="4114440" y="2649240"/>
-            <a:ext cx="709560" cy="271800"/>
-          </a:xfrm>
-          <a:prstGeom prst="rect">
-            <a:avLst/>
-          </a:prstGeom>
-          <a:solidFill>
-            <a:srgbClr val="cccccc"/>
-          </a:solidFill>
-          <a:ln>
-            <a:solidFill>
-              <a:schemeClr val="tx1"/>
-            </a:solidFill>
-            <a:round/>
-          </a:ln>
-          <a:effectLst>
-            <a:outerShdw blurRad="40000" dir="5400000" dist="23040" rotWithShape="0">
-              <a:srgbClr val="000000">
-                <a:alpha val="35000"/>
-              </a:srgbClr>
-            </a:outerShdw>
-          </a:effectLst>
-        </p:spPr>
-        <p:style>
-          <a:lnRef idx="1">
-            <a:schemeClr val="accent1"/>
-          </a:lnRef>
-          <a:fillRef idx="3">
-            <a:schemeClr val="accent1"/>
-          </a:fillRef>
-          <a:effectRef idx="2">
-            <a:schemeClr val="accent1"/>
-          </a:effectRef>
-          <a:fontRef idx="minor"/>
-        </p:style>
-      </p:sp>
-      <p:sp>
-        <p:nvSpPr>
-          <p:cNvPr id="1330" name="CustomShape 42"/>
-          <p:cNvSpPr/>
-          <p:nvPr/>
-        </p:nvSpPr>
-        <p:spPr>
-          <a:xfrm>
-            <a:off x="4824720" y="2649240"/>
-            <a:ext cx="730440" cy="271800"/>
-          </a:xfrm>
-          <a:prstGeom prst="rect">
-            <a:avLst/>
-          </a:prstGeom>
-          <a:solidFill>
-            <a:srgbClr val="cccccc"/>
-          </a:solidFill>
-          <a:ln>
-            <a:solidFill>
-              <a:schemeClr val="tx1"/>
-            </a:solidFill>
-            <a:round/>
-          </a:ln>
-          <a:effectLst>
-            <a:outerShdw blurRad="40000" dir="5400000" dist="23040" rotWithShape="0">
-              <a:srgbClr val="000000">
-                <a:alpha val="35000"/>
-              </a:srgbClr>
-            </a:outerShdw>
-          </a:effectLst>
-        </p:spPr>
-        <p:style>
-          <a:lnRef idx="1">
-            <a:schemeClr val="accent1"/>
-          </a:lnRef>
-          <a:fillRef idx="3">
-            <a:schemeClr val="accent1"/>
-          </a:fillRef>
-          <a:effectRef idx="2">
-            <a:schemeClr val="accent1"/>
-          </a:effectRef>
-          <a:fontRef idx="minor"/>
-        </p:style>
-      </p:sp>
-      <p:sp>
-        <p:nvSpPr>
-          <p:cNvPr id="1331" name="CustomShape 43"/>
-          <p:cNvSpPr/>
-          <p:nvPr/>
-        </p:nvSpPr>
-        <p:spPr>
-          <a:xfrm>
-            <a:off x="3403440" y="2103840"/>
-            <a:ext cx="810360" cy="273960"/>
+            <a:off x="1597680" y="3553200"/>
+            <a:ext cx="715680" cy="220680"/>
           </a:xfrm>
           <a:prstGeom prst="mathMultiply">
             <a:avLst>
@@ -23409,14 +24482,1565 @@
       </p:sp>
       <p:sp>
         <p:nvSpPr>
-          <p:cNvPr id="1332" name="CustomShape 44"/>
+          <p:cNvPr id="1363" name="TextShape 75"/>
+          <p:cNvSpPr txBox="1"/>
+          <p:nvPr/>
+        </p:nvSpPr>
+        <p:spPr>
+          <a:xfrm>
+            <a:off x="4942080" y="2305440"/>
+            <a:ext cx="731520" cy="346320"/>
+          </a:xfrm>
+          <a:prstGeom prst="rect">
+            <a:avLst/>
+          </a:prstGeom>
+          <a:noFill/>
+          <a:ln>
+            <a:noFill/>
+          </a:ln>
+        </p:spPr>
+        <p:txBody>
+          <a:bodyPr lIns="90000" rIns="90000" tIns="45000" bIns="45000"/>
+          <a:p>
+            <a:r>
+              <a:rPr b="0" lang="en-US" sz="1800" spc="-1" strike="noStrike">
+                <a:latin typeface="Arial"/>
+              </a:rPr>
+              <a:t>1</a:t>
+            </a:r>
+            <a:endParaRPr b="0" lang="en-US" sz="1800" spc="-1" strike="noStrike">
+              <a:latin typeface="Arial"/>
+            </a:endParaRPr>
+          </a:p>
+        </p:txBody>
+      </p:sp>
+      <p:sp>
+        <p:nvSpPr>
+          <p:cNvPr id="1364" name="TextShape 76"/>
+          <p:cNvSpPr txBox="1"/>
+          <p:nvPr/>
+        </p:nvSpPr>
+        <p:spPr>
+          <a:xfrm>
+            <a:off x="5486400" y="2762640"/>
+            <a:ext cx="731520" cy="346320"/>
+          </a:xfrm>
+          <a:prstGeom prst="rect">
+            <a:avLst/>
+          </a:prstGeom>
+          <a:noFill/>
+          <a:ln>
+            <a:noFill/>
+          </a:ln>
+        </p:spPr>
+        <p:txBody>
+          <a:bodyPr lIns="90000" rIns="90000" tIns="45000" bIns="45000"/>
+          <a:p>
+            <a:r>
+              <a:rPr b="0" lang="en-US" sz="1800" spc="-1" strike="noStrike">
+                <a:latin typeface="Arial"/>
+              </a:rPr>
+              <a:t>1</a:t>
+            </a:r>
+            <a:endParaRPr b="0" lang="en-US" sz="1800" spc="-1" strike="noStrike">
+              <a:latin typeface="Arial"/>
+            </a:endParaRPr>
+          </a:p>
+        </p:txBody>
+      </p:sp>
+      <p:sp>
+        <p:nvSpPr>
+          <p:cNvPr id="1365" name="TextShape 77"/>
+          <p:cNvSpPr txBox="1"/>
+          <p:nvPr/>
+        </p:nvSpPr>
+        <p:spPr>
+          <a:xfrm>
+            <a:off x="4887360" y="3657600"/>
+            <a:ext cx="731520" cy="346320"/>
+          </a:xfrm>
+          <a:prstGeom prst="rect">
+            <a:avLst/>
+          </a:prstGeom>
+          <a:noFill/>
+          <a:ln>
+            <a:noFill/>
+          </a:ln>
+        </p:spPr>
+        <p:txBody>
+          <a:bodyPr lIns="90000" rIns="90000" tIns="45000" bIns="45000"/>
+          <a:p>
+            <a:r>
+              <a:rPr b="0" lang="en-US" sz="1800" spc="-1" strike="noStrike">
+                <a:latin typeface="Arial"/>
+              </a:rPr>
+              <a:t>1</a:t>
+            </a:r>
+            <a:endParaRPr b="0" lang="en-US" sz="1800" spc="-1" strike="noStrike">
+              <a:latin typeface="Arial"/>
+            </a:endParaRPr>
+          </a:p>
+        </p:txBody>
+      </p:sp>
+      <p:sp>
+        <p:nvSpPr>
+          <p:cNvPr id="1366" name="TextShape 78"/>
+          <p:cNvSpPr txBox="1"/>
+          <p:nvPr/>
+        </p:nvSpPr>
+        <p:spPr>
+          <a:xfrm>
+            <a:off x="4350240" y="4107600"/>
+            <a:ext cx="731520" cy="346320"/>
+          </a:xfrm>
+          <a:prstGeom prst="rect">
+            <a:avLst/>
+          </a:prstGeom>
+          <a:noFill/>
+          <a:ln>
+            <a:noFill/>
+          </a:ln>
+        </p:spPr>
+        <p:txBody>
+          <a:bodyPr lIns="90000" rIns="90000" tIns="45000" bIns="45000"/>
+          <a:p>
+            <a:r>
+              <a:rPr b="0" lang="en-US" sz="1800" spc="-1" strike="noStrike">
+                <a:latin typeface="Arial"/>
+              </a:rPr>
+              <a:t>1</a:t>
+            </a:r>
+            <a:endParaRPr b="0" lang="en-US" sz="1800" spc="-1" strike="noStrike">
+              <a:latin typeface="Arial"/>
+            </a:endParaRPr>
+          </a:p>
+        </p:txBody>
+      </p:sp>
+      <p:sp>
+        <p:nvSpPr>
+          <p:cNvPr id="1367" name="TextShape 79"/>
+          <p:cNvSpPr txBox="1"/>
+          <p:nvPr/>
+        </p:nvSpPr>
+        <p:spPr>
+          <a:xfrm>
+            <a:off x="4962240" y="4107600"/>
+            <a:ext cx="731520" cy="346320"/>
+          </a:xfrm>
+          <a:prstGeom prst="rect">
+            <a:avLst/>
+          </a:prstGeom>
+          <a:noFill/>
+          <a:ln>
+            <a:noFill/>
+          </a:ln>
+        </p:spPr>
+        <p:txBody>
+          <a:bodyPr lIns="90000" rIns="90000" tIns="45000" bIns="45000"/>
+          <a:p>
+            <a:r>
+              <a:rPr b="0" lang="en-US" sz="1800" spc="-1" strike="noStrike">
+                <a:latin typeface="Arial"/>
+              </a:rPr>
+              <a:t>1</a:t>
+            </a:r>
+            <a:endParaRPr b="0" lang="en-US" sz="1800" spc="-1" strike="noStrike">
+              <a:latin typeface="Arial"/>
+            </a:endParaRPr>
+          </a:p>
+        </p:txBody>
+      </p:sp>
+      <p:sp>
+        <p:nvSpPr>
+          <p:cNvPr id="1368" name="TextShape 80"/>
+          <p:cNvSpPr txBox="1"/>
+          <p:nvPr/>
+        </p:nvSpPr>
+        <p:spPr>
+          <a:xfrm>
+            <a:off x="5610240" y="4107600"/>
+            <a:ext cx="731520" cy="346320"/>
+          </a:xfrm>
+          <a:prstGeom prst="rect">
+            <a:avLst/>
+          </a:prstGeom>
+          <a:noFill/>
+          <a:ln>
+            <a:noFill/>
+          </a:ln>
+        </p:spPr>
+        <p:txBody>
+          <a:bodyPr lIns="90000" rIns="90000" tIns="45000" bIns="45000"/>
+          <a:p>
+            <a:r>
+              <a:rPr b="0" lang="en-US" sz="1800" spc="-1" strike="noStrike">
+                <a:latin typeface="Arial"/>
+              </a:rPr>
+              <a:t>1</a:t>
+            </a:r>
+            <a:endParaRPr b="0" lang="en-US" sz="1800" spc="-1" strike="noStrike">
+              <a:latin typeface="Arial"/>
+            </a:endParaRPr>
+          </a:p>
+        </p:txBody>
+      </p:sp>
+      <p:sp>
+        <p:nvSpPr>
+          <p:cNvPr id="1369" name="TextShape 81"/>
+          <p:cNvSpPr txBox="1"/>
+          <p:nvPr/>
+        </p:nvSpPr>
+        <p:spPr>
+          <a:xfrm>
+            <a:off x="4602240" y="4323600"/>
+            <a:ext cx="731520" cy="346320"/>
+          </a:xfrm>
+          <a:prstGeom prst="rect">
+            <a:avLst/>
+          </a:prstGeom>
+          <a:noFill/>
+          <a:ln>
+            <a:noFill/>
+          </a:ln>
+        </p:spPr>
+        <p:txBody>
+          <a:bodyPr lIns="90000" rIns="90000" tIns="45000" bIns="45000"/>
+          <a:p>
+            <a:r>
+              <a:rPr b="0" lang="en-US" sz="1800" spc="-1" strike="noStrike">
+                <a:latin typeface="Arial"/>
+              </a:rPr>
+              <a:t>1</a:t>
+            </a:r>
+            <a:endParaRPr b="0" lang="en-US" sz="1800" spc="-1" strike="noStrike">
+              <a:latin typeface="Arial"/>
+            </a:endParaRPr>
+          </a:p>
+        </p:txBody>
+      </p:sp>
+      <p:sp>
+        <p:nvSpPr>
+          <p:cNvPr id="1370" name="TextShape 82"/>
+          <p:cNvSpPr txBox="1"/>
+          <p:nvPr/>
+        </p:nvSpPr>
+        <p:spPr>
+          <a:xfrm>
+            <a:off x="4854240" y="4539600"/>
+            <a:ext cx="731520" cy="346320"/>
+          </a:xfrm>
+          <a:prstGeom prst="rect">
+            <a:avLst/>
+          </a:prstGeom>
+          <a:noFill/>
+          <a:ln>
+            <a:noFill/>
+          </a:ln>
+        </p:spPr>
+        <p:txBody>
+          <a:bodyPr lIns="90000" rIns="90000" tIns="45000" bIns="45000"/>
+          <a:p>
+            <a:r>
+              <a:rPr b="0" lang="en-US" sz="1800" spc="-1" strike="noStrike">
+                <a:latin typeface="Arial"/>
+              </a:rPr>
+              <a:t>1</a:t>
+            </a:r>
+            <a:endParaRPr b="0" lang="en-US" sz="1800" spc="-1" strike="noStrike">
+              <a:latin typeface="Arial"/>
+            </a:endParaRPr>
+          </a:p>
+        </p:txBody>
+      </p:sp>
+      <p:sp>
+        <p:nvSpPr>
+          <p:cNvPr id="1371" name="TextShape 83"/>
+          <p:cNvSpPr txBox="1"/>
+          <p:nvPr/>
+        </p:nvSpPr>
+        <p:spPr>
+          <a:xfrm>
+            <a:off x="5214240" y="4323600"/>
+            <a:ext cx="731520" cy="346320"/>
+          </a:xfrm>
+          <a:prstGeom prst="rect">
+            <a:avLst/>
+          </a:prstGeom>
+          <a:noFill/>
+          <a:ln>
+            <a:noFill/>
+          </a:ln>
+        </p:spPr>
+        <p:txBody>
+          <a:bodyPr lIns="90000" rIns="90000" tIns="45000" bIns="45000"/>
+          <a:p>
+            <a:r>
+              <a:rPr b="0" lang="en-US" sz="1800" spc="-1" strike="noStrike">
+                <a:latin typeface="Arial"/>
+              </a:rPr>
+              <a:t>1</a:t>
+            </a:r>
+            <a:endParaRPr b="0" lang="en-US" sz="1800" spc="-1" strike="noStrike">
+              <a:latin typeface="Arial"/>
+            </a:endParaRPr>
+          </a:p>
+        </p:txBody>
+      </p:sp>
+      <p:sp>
+        <p:nvSpPr>
+          <p:cNvPr id="1372" name="TextShape 84"/>
+          <p:cNvSpPr txBox="1"/>
+          <p:nvPr/>
+        </p:nvSpPr>
+        <p:spPr>
+          <a:xfrm>
+            <a:off x="5466240" y="4539600"/>
+            <a:ext cx="731520" cy="346320"/>
+          </a:xfrm>
+          <a:prstGeom prst="rect">
+            <a:avLst/>
+          </a:prstGeom>
+          <a:noFill/>
+          <a:ln>
+            <a:noFill/>
+          </a:ln>
+        </p:spPr>
+        <p:txBody>
+          <a:bodyPr lIns="90000" rIns="90000" tIns="45000" bIns="45000"/>
+          <a:p>
+            <a:r>
+              <a:rPr b="0" lang="en-US" sz="1800" spc="-1" strike="noStrike">
+                <a:latin typeface="Arial"/>
+              </a:rPr>
+              <a:t>1</a:t>
+            </a:r>
+            <a:endParaRPr b="0" lang="en-US" sz="1800" spc="-1" strike="noStrike">
+              <a:latin typeface="Arial"/>
+            </a:endParaRPr>
+          </a:p>
+        </p:txBody>
+      </p:sp>
+      <p:sp>
+        <p:nvSpPr>
+          <p:cNvPr id="1373" name="TextShape 85"/>
+          <p:cNvSpPr txBox="1"/>
+          <p:nvPr/>
+        </p:nvSpPr>
+        <p:spPr>
+          <a:xfrm>
+            <a:off x="5826240" y="4323600"/>
+            <a:ext cx="731520" cy="346320"/>
+          </a:xfrm>
+          <a:prstGeom prst="rect">
+            <a:avLst/>
+          </a:prstGeom>
+          <a:noFill/>
+          <a:ln>
+            <a:noFill/>
+          </a:ln>
+        </p:spPr>
+        <p:txBody>
+          <a:bodyPr lIns="90000" rIns="90000" tIns="45000" bIns="45000"/>
+          <a:p>
+            <a:r>
+              <a:rPr b="0" lang="en-US" sz="1800" spc="-1" strike="noStrike">
+                <a:latin typeface="Arial"/>
+              </a:rPr>
+              <a:t>1</a:t>
+            </a:r>
+            <a:endParaRPr b="0" lang="en-US" sz="1800" spc="-1" strike="noStrike">
+              <a:latin typeface="Arial"/>
+            </a:endParaRPr>
+          </a:p>
+        </p:txBody>
+      </p:sp>
+      <p:sp>
+        <p:nvSpPr>
+          <p:cNvPr id="1374" name="TextShape 86"/>
+          <p:cNvSpPr txBox="1"/>
+          <p:nvPr/>
+        </p:nvSpPr>
+        <p:spPr>
+          <a:xfrm>
+            <a:off x="6114240" y="4539600"/>
+            <a:ext cx="731520" cy="346320"/>
+          </a:xfrm>
+          <a:prstGeom prst="rect">
+            <a:avLst/>
+          </a:prstGeom>
+          <a:noFill/>
+          <a:ln>
+            <a:noFill/>
+          </a:ln>
+        </p:spPr>
+        <p:txBody>
+          <a:bodyPr lIns="90000" rIns="90000" tIns="45000" bIns="45000"/>
+          <a:p>
+            <a:r>
+              <a:rPr b="0" lang="en-US" sz="1800" spc="-1" strike="noStrike">
+                <a:latin typeface="Arial"/>
+              </a:rPr>
+              <a:t>1</a:t>
+            </a:r>
+            <a:endParaRPr b="0" lang="en-US" sz="1800" spc="-1" strike="noStrike">
+              <a:latin typeface="Arial"/>
+            </a:endParaRPr>
+          </a:p>
+        </p:txBody>
+      </p:sp>
+      <p:sp>
+        <p:nvSpPr>
+          <p:cNvPr id="1375" name="CustomShape 87"/>
           <p:cNvSpPr/>
           <p:nvPr/>
         </p:nvSpPr>
         <p:spPr>
           <a:xfrm>
-            <a:off x="4722120" y="2649240"/>
-            <a:ext cx="810360" cy="273960"/>
+            <a:off x="5669280" y="5212080"/>
+            <a:ext cx="3108960" cy="822960"/>
+          </a:xfrm>
+          <a:prstGeom prst="rect">
+            <a:avLst/>
+          </a:prstGeom>
+          <a:solidFill>
+            <a:srgbClr val="333333"/>
+          </a:solidFill>
+          <a:ln>
+            <a:solidFill>
+              <a:srgbClr val="3465a4"/>
+            </a:solidFill>
+          </a:ln>
+        </p:spPr>
+        <p:style>
+          <a:lnRef idx="0"/>
+          <a:fillRef idx="0"/>
+          <a:effectRef idx="0"/>
+          <a:fontRef idx="minor"/>
+        </p:style>
+        <p:txBody>
+          <a:bodyPr wrap="none" lIns="90000" rIns="90000" tIns="45000" bIns="45000" anchor="ctr"/>
+          <a:p>
+            <a:pPr algn="ctr"/>
+            <a:r>
+              <a:rPr b="0" lang="en-US" sz="1800" spc="-1" strike="noStrike">
+                <a:latin typeface="Arial"/>
+              </a:rPr>
+              <a:t>Entire plane of 0’s for X</a:t>
+            </a:r>
+            <a:endParaRPr b="0" lang="en-US" sz="1800" spc="-1" strike="noStrike">
+              <a:latin typeface="Arial"/>
+            </a:endParaRPr>
+          </a:p>
+          <a:p>
+            <a:pPr algn="ctr"/>
+            <a:r>
+              <a:rPr b="0" lang="en-US" sz="1800" spc="-1" strike="noStrike">
+                <a:latin typeface="Arial"/>
+              </a:rPr>
+              <a:t>Entire plane of 1’s for O</a:t>
+            </a:r>
+            <a:endParaRPr b="0" lang="en-US" sz="1800" spc="-1" strike="noStrike">
+              <a:latin typeface="Arial"/>
+            </a:endParaRPr>
+          </a:p>
+        </p:txBody>
+      </p:sp>
+      <p:sp>
+        <p:nvSpPr>
+          <p:cNvPr id="1376" name="CustomShape 88"/>
+          <p:cNvSpPr/>
+          <p:nvPr/>
+        </p:nvSpPr>
+        <p:spPr>
+          <a:xfrm>
+            <a:off x="3053520" y="3311280"/>
+            <a:ext cx="731520" cy="274320"/>
+          </a:xfrm>
+          <a:custGeom>
+            <a:avLst/>
+            <a:gdLst/>
+            <a:ahLst/>
+            <a:rect l="0" t="0" r="r" b="b"/>
+            <a:pathLst>
+              <a:path w="2034" h="764">
+                <a:moveTo>
+                  <a:pt x="0" y="190"/>
+                </a:moveTo>
+                <a:lnTo>
+                  <a:pt x="1524" y="190"/>
+                </a:lnTo>
+                <a:lnTo>
+                  <a:pt x="1524" y="0"/>
+                </a:lnTo>
+                <a:lnTo>
+                  <a:pt x="2033" y="381"/>
+                </a:lnTo>
+                <a:lnTo>
+                  <a:pt x="1524" y="763"/>
+                </a:lnTo>
+                <a:lnTo>
+                  <a:pt x="1524" y="572"/>
+                </a:lnTo>
+                <a:lnTo>
+                  <a:pt x="0" y="572"/>
+                </a:lnTo>
+                <a:lnTo>
+                  <a:pt x="0" y="190"/>
+                </a:lnTo>
+              </a:path>
+            </a:pathLst>
+          </a:custGeom>
+          <a:solidFill>
+            <a:srgbClr val="d03f3b"/>
+          </a:solidFill>
+          <a:ln>
+            <a:solidFill>
+              <a:srgbClr val="3465a4"/>
+            </a:solidFill>
+          </a:ln>
+        </p:spPr>
+        <p:style>
+          <a:lnRef idx="0"/>
+          <a:fillRef idx="0"/>
+          <a:effectRef idx="0"/>
+          <a:fontRef idx="minor"/>
+        </p:style>
+      </p:sp>
+    </p:spTree>
+  </p:cSld>
+  <mc:AlternateContent>
+    <mc:Choice Requires="p14">
+      <p:transition spd="slow" p14:dur="2000"/>
+    </mc:Choice>
+    <mc:Fallback>
+      <p:transition spd="slow"/>
+    </mc:Fallback>
+  </mc:AlternateContent>
+  <p:timing>
+    <p:tnLst>
+      <p:par>
+        <p:cTn id="29" dur="indefinite" restart="never" nodeType="tmRoot">
+          <p:childTnLst>
+            <p:seq>
+              <p:cTn id="30" dur="indefinite" nodeType="mainSeq"/>
+              <p:prevCondLst>
+                <p:cond delay="0" evt="onPrev">
+                  <p:tgtEl>
+                    <p:sldTgt/>
+                  </p:tgtEl>
+                </p:cond>
+              </p:prevCondLst>
+              <p:nextCondLst>
+                <p:cond delay="0" evt="onNext">
+                  <p:tgtEl>
+                    <p:sldTgt/>
+                  </p:tgtEl>
+                </p:cond>
+              </p:nextCondLst>
+            </p:seq>
+          </p:childTnLst>
+        </p:cTn>
+      </p:par>
+    </p:tnLst>
+  </p:timing>
+</p:sld>
+</file>
+
+<file path=ppt/slides/slide16.xml><?xml version="1.0" encoding="utf-8"?>
+<p:sld xmlns:a="http://schemas.openxmlformats.org/drawingml/2006/main" xmlns:p="http://schemas.openxmlformats.org/presentationml/2006/main" xmlns:r="http://schemas.openxmlformats.org/officeDocument/2006/relationships" xmlns:p14="http://schemas.microsoft.com/office/powerpoint/2010/main" xmlns:p15="http://schemas.microsoft.com/office/powerpoint/2012/main" xmlns:mc="http://schemas.openxmlformats.org/markup-compatibility/2006">
+  <p:cSld>
+    <p:spTree>
+      <p:nvGrpSpPr>
+        <p:cNvPr id="1" name=""/>
+        <p:cNvGrpSpPr/>
+        <p:nvPr/>
+      </p:nvGrpSpPr>
+      <p:grpSpPr>
+        <a:xfrm>
+          <a:off x="0" y="0"/>
+          <a:ext cx="0" cy="0"/>
+          <a:chOff x="0" y="0"/>
+          <a:chExt cx="0" cy="0"/>
+        </a:xfrm>
+      </p:grpSpPr>
+      <p:sp>
+        <p:nvSpPr>
+          <p:cNvPr id="1377" name="CustomShape 1"/>
+          <p:cNvSpPr/>
+          <p:nvPr/>
+        </p:nvSpPr>
+        <p:spPr>
+          <a:xfrm>
+            <a:off x="4004640" y="4168800"/>
+            <a:ext cx="626760" cy="219240"/>
+          </a:xfrm>
+          <a:prstGeom prst="rect">
+            <a:avLst/>
+          </a:prstGeom>
+          <a:solidFill>
+            <a:srgbClr val="cccccc"/>
+          </a:solidFill>
+          <a:ln>
+            <a:solidFill>
+              <a:schemeClr val="tx1"/>
+            </a:solidFill>
+            <a:round/>
+          </a:ln>
+          <a:effectLst>
+            <a:outerShdw blurRad="40000" dir="5400000" dist="23040" rotWithShape="0">
+              <a:srgbClr val="000000">
+                <a:alpha val="35000"/>
+              </a:srgbClr>
+            </a:outerShdw>
+          </a:effectLst>
+        </p:spPr>
+        <p:style>
+          <a:lnRef idx="1">
+            <a:schemeClr val="accent1"/>
+          </a:lnRef>
+          <a:fillRef idx="3">
+            <a:schemeClr val="accent1"/>
+          </a:fillRef>
+          <a:effectRef idx="2">
+            <a:schemeClr val="accent1"/>
+          </a:effectRef>
+          <a:fontRef idx="minor"/>
+        </p:style>
+      </p:sp>
+      <p:sp>
+        <p:nvSpPr>
+          <p:cNvPr id="1378" name="CustomShape 2"/>
+          <p:cNvSpPr/>
+          <p:nvPr/>
+        </p:nvSpPr>
+        <p:spPr>
+          <a:xfrm>
+            <a:off x="4632120" y="4168800"/>
+            <a:ext cx="626760" cy="219240"/>
+          </a:xfrm>
+          <a:prstGeom prst="rect">
+            <a:avLst/>
+          </a:prstGeom>
+          <a:solidFill>
+            <a:srgbClr val="cccccc"/>
+          </a:solidFill>
+          <a:ln>
+            <a:solidFill>
+              <a:schemeClr val="tx1"/>
+            </a:solidFill>
+            <a:round/>
+          </a:ln>
+          <a:effectLst>
+            <a:outerShdw blurRad="40000" dir="5400000" dist="23040" rotWithShape="0">
+              <a:srgbClr val="000000">
+                <a:alpha val="35000"/>
+              </a:srgbClr>
+            </a:outerShdw>
+          </a:effectLst>
+        </p:spPr>
+        <p:style>
+          <a:lnRef idx="1">
+            <a:schemeClr val="accent1"/>
+          </a:lnRef>
+          <a:fillRef idx="3">
+            <a:schemeClr val="accent1"/>
+          </a:fillRef>
+          <a:effectRef idx="2">
+            <a:schemeClr val="accent1"/>
+          </a:effectRef>
+          <a:fontRef idx="minor"/>
+        </p:style>
+      </p:sp>
+      <p:sp>
+        <p:nvSpPr>
+          <p:cNvPr id="1379" name="CustomShape 3"/>
+          <p:cNvSpPr/>
+          <p:nvPr/>
+        </p:nvSpPr>
+        <p:spPr>
+          <a:xfrm>
+            <a:off x="5259240" y="4168800"/>
+            <a:ext cx="626760" cy="219240"/>
+          </a:xfrm>
+          <a:prstGeom prst="rect">
+            <a:avLst/>
+          </a:prstGeom>
+          <a:solidFill>
+            <a:srgbClr val="cccccc"/>
+          </a:solidFill>
+          <a:ln>
+            <a:solidFill>
+              <a:schemeClr val="tx1"/>
+            </a:solidFill>
+            <a:round/>
+          </a:ln>
+          <a:effectLst>
+            <a:outerShdw blurRad="40000" dir="5400000" dist="23040" rotWithShape="0">
+              <a:srgbClr val="000000">
+                <a:alpha val="35000"/>
+              </a:srgbClr>
+            </a:outerShdw>
+          </a:effectLst>
+        </p:spPr>
+        <p:style>
+          <a:lnRef idx="1">
+            <a:schemeClr val="accent1"/>
+          </a:lnRef>
+          <a:fillRef idx="3">
+            <a:schemeClr val="accent1"/>
+          </a:fillRef>
+          <a:effectRef idx="2">
+            <a:schemeClr val="accent1"/>
+          </a:effectRef>
+          <a:fontRef idx="minor"/>
+        </p:style>
+      </p:sp>
+      <p:sp>
+        <p:nvSpPr>
+          <p:cNvPr id="1380" name="CustomShape 4"/>
+          <p:cNvSpPr/>
+          <p:nvPr/>
+        </p:nvSpPr>
+        <p:spPr>
+          <a:xfrm>
+            <a:off x="4295880" y="4388040"/>
+            <a:ext cx="626760" cy="218880"/>
+          </a:xfrm>
+          <a:prstGeom prst="rect">
+            <a:avLst/>
+          </a:prstGeom>
+          <a:solidFill>
+            <a:srgbClr val="cccccc"/>
+          </a:solidFill>
+          <a:ln>
+            <a:solidFill>
+              <a:schemeClr val="tx1"/>
+            </a:solidFill>
+            <a:round/>
+          </a:ln>
+          <a:effectLst>
+            <a:outerShdw blurRad="40000" dir="5400000" dist="23040" rotWithShape="0">
+              <a:srgbClr val="000000">
+                <a:alpha val="35000"/>
+              </a:srgbClr>
+            </a:outerShdw>
+          </a:effectLst>
+        </p:spPr>
+        <p:style>
+          <a:lnRef idx="1">
+            <a:schemeClr val="accent1"/>
+          </a:lnRef>
+          <a:fillRef idx="3">
+            <a:schemeClr val="accent1"/>
+          </a:fillRef>
+          <a:effectRef idx="2">
+            <a:schemeClr val="accent1"/>
+          </a:effectRef>
+          <a:fontRef idx="minor"/>
+        </p:style>
+      </p:sp>
+      <p:sp>
+        <p:nvSpPr>
+          <p:cNvPr id="1381" name="CustomShape 5"/>
+          <p:cNvSpPr/>
+          <p:nvPr/>
+        </p:nvSpPr>
+        <p:spPr>
+          <a:xfrm>
+            <a:off x="4923360" y="4388040"/>
+            <a:ext cx="626760" cy="218880"/>
+          </a:xfrm>
+          <a:prstGeom prst="rect">
+            <a:avLst/>
+          </a:prstGeom>
+          <a:solidFill>
+            <a:srgbClr val="cccccc"/>
+          </a:solidFill>
+          <a:ln>
+            <a:solidFill>
+              <a:schemeClr val="tx1"/>
+            </a:solidFill>
+            <a:round/>
+          </a:ln>
+          <a:effectLst>
+            <a:outerShdw blurRad="40000" dir="5400000" dist="23040" rotWithShape="0">
+              <a:srgbClr val="000000">
+                <a:alpha val="35000"/>
+              </a:srgbClr>
+            </a:outerShdw>
+          </a:effectLst>
+        </p:spPr>
+        <p:style>
+          <a:lnRef idx="1">
+            <a:schemeClr val="accent1"/>
+          </a:lnRef>
+          <a:fillRef idx="3">
+            <a:schemeClr val="accent1"/>
+          </a:fillRef>
+          <a:effectRef idx="2">
+            <a:schemeClr val="accent1"/>
+          </a:effectRef>
+          <a:fontRef idx="minor"/>
+        </p:style>
+      </p:sp>
+      <p:sp>
+        <p:nvSpPr>
+          <p:cNvPr id="1382" name="CustomShape 6"/>
+          <p:cNvSpPr/>
+          <p:nvPr/>
+        </p:nvSpPr>
+        <p:spPr>
+          <a:xfrm>
+            <a:off x="5550480" y="4388040"/>
+            <a:ext cx="627120" cy="218880"/>
+          </a:xfrm>
+          <a:prstGeom prst="rect">
+            <a:avLst/>
+          </a:prstGeom>
+          <a:solidFill>
+            <a:srgbClr val="cccccc"/>
+          </a:solidFill>
+          <a:ln>
+            <a:solidFill>
+              <a:schemeClr val="tx1"/>
+            </a:solidFill>
+            <a:round/>
+          </a:ln>
+          <a:effectLst>
+            <a:outerShdw blurRad="40000" dir="5400000" dist="23040" rotWithShape="0">
+              <a:srgbClr val="000000">
+                <a:alpha val="35000"/>
+              </a:srgbClr>
+            </a:outerShdw>
+          </a:effectLst>
+        </p:spPr>
+        <p:style>
+          <a:lnRef idx="1">
+            <a:schemeClr val="accent1"/>
+          </a:lnRef>
+          <a:fillRef idx="3">
+            <a:schemeClr val="accent1"/>
+          </a:fillRef>
+          <a:effectRef idx="2">
+            <a:schemeClr val="accent1"/>
+          </a:effectRef>
+          <a:fontRef idx="minor"/>
+        </p:style>
+      </p:sp>
+      <p:sp>
+        <p:nvSpPr>
+          <p:cNvPr id="1383" name="CustomShape 7"/>
+          <p:cNvSpPr/>
+          <p:nvPr/>
+        </p:nvSpPr>
+        <p:spPr>
+          <a:xfrm>
+            <a:off x="4588560" y="4608720"/>
+            <a:ext cx="626760" cy="218880"/>
+          </a:xfrm>
+          <a:prstGeom prst="rect">
+            <a:avLst/>
+          </a:prstGeom>
+          <a:solidFill>
+            <a:srgbClr val="cccccc"/>
+          </a:solidFill>
+          <a:ln>
+            <a:solidFill>
+              <a:schemeClr val="tx1"/>
+            </a:solidFill>
+            <a:round/>
+          </a:ln>
+          <a:effectLst>
+            <a:outerShdw blurRad="40000" dir="5400000" dist="23040" rotWithShape="0">
+              <a:srgbClr val="000000">
+                <a:alpha val="35000"/>
+              </a:srgbClr>
+            </a:outerShdw>
+          </a:effectLst>
+        </p:spPr>
+        <p:style>
+          <a:lnRef idx="1">
+            <a:schemeClr val="accent1"/>
+          </a:lnRef>
+          <a:fillRef idx="3">
+            <a:schemeClr val="accent1"/>
+          </a:fillRef>
+          <a:effectRef idx="2">
+            <a:schemeClr val="accent1"/>
+          </a:effectRef>
+          <a:fontRef idx="minor"/>
+        </p:style>
+      </p:sp>
+      <p:sp>
+        <p:nvSpPr>
+          <p:cNvPr id="1384" name="CustomShape 8"/>
+          <p:cNvSpPr/>
+          <p:nvPr/>
+        </p:nvSpPr>
+        <p:spPr>
+          <a:xfrm>
+            <a:off x="5215680" y="4608720"/>
+            <a:ext cx="626760" cy="218880"/>
+          </a:xfrm>
+          <a:prstGeom prst="rect">
+            <a:avLst/>
+          </a:prstGeom>
+          <a:solidFill>
+            <a:srgbClr val="cccccc"/>
+          </a:solidFill>
+          <a:ln>
+            <a:solidFill>
+              <a:schemeClr val="tx1"/>
+            </a:solidFill>
+            <a:round/>
+          </a:ln>
+          <a:effectLst>
+            <a:outerShdw blurRad="40000" dir="5400000" dist="23040" rotWithShape="0">
+              <a:srgbClr val="000000">
+                <a:alpha val="35000"/>
+              </a:srgbClr>
+            </a:outerShdw>
+          </a:effectLst>
+        </p:spPr>
+        <p:style>
+          <a:lnRef idx="1">
+            <a:schemeClr val="accent1"/>
+          </a:lnRef>
+          <a:fillRef idx="3">
+            <a:schemeClr val="accent1"/>
+          </a:fillRef>
+          <a:effectRef idx="2">
+            <a:schemeClr val="accent1"/>
+          </a:effectRef>
+          <a:fontRef idx="minor"/>
+        </p:style>
+      </p:sp>
+      <p:sp>
+        <p:nvSpPr>
+          <p:cNvPr id="1385" name="CustomShape 9"/>
+          <p:cNvSpPr/>
+          <p:nvPr/>
+        </p:nvSpPr>
+        <p:spPr>
+          <a:xfrm>
+            <a:off x="5843160" y="4608720"/>
+            <a:ext cx="626760" cy="218880"/>
+          </a:xfrm>
+          <a:prstGeom prst="rect">
+            <a:avLst/>
+          </a:prstGeom>
+          <a:solidFill>
+            <a:srgbClr val="cccccc"/>
+          </a:solidFill>
+          <a:ln>
+            <a:solidFill>
+              <a:schemeClr val="tx1"/>
+            </a:solidFill>
+            <a:round/>
+          </a:ln>
+          <a:effectLst>
+            <a:outerShdw blurRad="40000" dir="5400000" dist="23040" rotWithShape="0">
+              <a:srgbClr val="000000">
+                <a:alpha val="35000"/>
+              </a:srgbClr>
+            </a:outerShdw>
+          </a:effectLst>
+        </p:spPr>
+        <p:style>
+          <a:lnRef idx="1">
+            <a:schemeClr val="accent1"/>
+          </a:lnRef>
+          <a:fillRef idx="3">
+            <a:schemeClr val="accent1"/>
+          </a:fillRef>
+          <a:effectRef idx="2">
+            <a:schemeClr val="accent1"/>
+          </a:effectRef>
+          <a:fontRef idx="minor"/>
+        </p:style>
+      </p:sp>
+      <p:sp>
+        <p:nvSpPr>
+          <p:cNvPr id="1386" name="CustomShape 10"/>
+          <p:cNvSpPr/>
+          <p:nvPr/>
+        </p:nvSpPr>
+        <p:spPr>
+          <a:xfrm>
+            <a:off x="4004640" y="3265560"/>
+            <a:ext cx="626760" cy="219240"/>
+          </a:xfrm>
+          <a:prstGeom prst="rect">
+            <a:avLst/>
+          </a:prstGeom>
+          <a:solidFill>
+            <a:srgbClr val="cccccc"/>
+          </a:solidFill>
+          <a:ln>
+            <a:solidFill>
+              <a:schemeClr val="tx1"/>
+            </a:solidFill>
+            <a:round/>
+          </a:ln>
+          <a:effectLst>
+            <a:outerShdw blurRad="40000" dir="5400000" dist="23040" rotWithShape="0">
+              <a:srgbClr val="000000">
+                <a:alpha val="35000"/>
+              </a:srgbClr>
+            </a:outerShdw>
+          </a:effectLst>
+        </p:spPr>
+        <p:style>
+          <a:lnRef idx="1">
+            <a:schemeClr val="accent1"/>
+          </a:lnRef>
+          <a:fillRef idx="3">
+            <a:schemeClr val="accent1"/>
+          </a:fillRef>
+          <a:effectRef idx="2">
+            <a:schemeClr val="accent1"/>
+          </a:effectRef>
+          <a:fontRef idx="minor"/>
+        </p:style>
+      </p:sp>
+      <p:sp>
+        <p:nvSpPr>
+          <p:cNvPr id="1387" name="CustomShape 11"/>
+          <p:cNvSpPr/>
+          <p:nvPr/>
+        </p:nvSpPr>
+        <p:spPr>
+          <a:xfrm>
+            <a:off x="4632120" y="3265560"/>
+            <a:ext cx="626760" cy="219240"/>
+          </a:xfrm>
+          <a:prstGeom prst="rect">
+            <a:avLst/>
+          </a:prstGeom>
+          <a:solidFill>
+            <a:srgbClr val="cccccc"/>
+          </a:solidFill>
+          <a:ln>
+            <a:solidFill>
+              <a:schemeClr val="tx1"/>
+            </a:solidFill>
+            <a:round/>
+          </a:ln>
+          <a:effectLst>
+            <a:outerShdw blurRad="40000" dir="5400000" dist="23040" rotWithShape="0">
+              <a:srgbClr val="000000">
+                <a:alpha val="35000"/>
+              </a:srgbClr>
+            </a:outerShdw>
+          </a:effectLst>
+        </p:spPr>
+        <p:style>
+          <a:lnRef idx="1">
+            <a:schemeClr val="accent1"/>
+          </a:lnRef>
+          <a:fillRef idx="3">
+            <a:schemeClr val="accent1"/>
+          </a:fillRef>
+          <a:effectRef idx="2">
+            <a:schemeClr val="accent1"/>
+          </a:effectRef>
+          <a:fontRef idx="minor"/>
+        </p:style>
+      </p:sp>
+      <p:sp>
+        <p:nvSpPr>
+          <p:cNvPr id="1388" name="CustomShape 12"/>
+          <p:cNvSpPr/>
+          <p:nvPr/>
+        </p:nvSpPr>
+        <p:spPr>
+          <a:xfrm>
+            <a:off x="5259240" y="3265560"/>
+            <a:ext cx="626760" cy="219240"/>
+          </a:xfrm>
+          <a:prstGeom prst="rect">
+            <a:avLst/>
+          </a:prstGeom>
+          <a:solidFill>
+            <a:srgbClr val="cccccc"/>
+          </a:solidFill>
+          <a:ln>
+            <a:solidFill>
+              <a:schemeClr val="tx1"/>
+            </a:solidFill>
+            <a:round/>
+          </a:ln>
+          <a:effectLst>
+            <a:outerShdw blurRad="40000" dir="5400000" dist="23040" rotWithShape="0">
+              <a:srgbClr val="000000">
+                <a:alpha val="35000"/>
+              </a:srgbClr>
+            </a:outerShdw>
+          </a:effectLst>
+        </p:spPr>
+        <p:style>
+          <a:lnRef idx="1">
+            <a:schemeClr val="accent1"/>
+          </a:lnRef>
+          <a:fillRef idx="3">
+            <a:schemeClr val="accent1"/>
+          </a:fillRef>
+          <a:effectRef idx="2">
+            <a:schemeClr val="accent1"/>
+          </a:effectRef>
+          <a:fontRef idx="minor"/>
+        </p:style>
+      </p:sp>
+      <p:sp>
+        <p:nvSpPr>
+          <p:cNvPr id="1389" name="CustomShape 13"/>
+          <p:cNvSpPr/>
+          <p:nvPr/>
+        </p:nvSpPr>
+        <p:spPr>
+          <a:xfrm>
+            <a:off x="4295880" y="3484800"/>
+            <a:ext cx="626760" cy="218880"/>
+          </a:xfrm>
+          <a:prstGeom prst="rect">
+            <a:avLst/>
+          </a:prstGeom>
+          <a:solidFill>
+            <a:srgbClr val="cccccc"/>
+          </a:solidFill>
+          <a:ln>
+            <a:solidFill>
+              <a:schemeClr val="tx1"/>
+            </a:solidFill>
+            <a:round/>
+          </a:ln>
+          <a:effectLst>
+            <a:outerShdw blurRad="40000" dir="5400000" dist="23040" rotWithShape="0">
+              <a:srgbClr val="000000">
+                <a:alpha val="35000"/>
+              </a:srgbClr>
+            </a:outerShdw>
+          </a:effectLst>
+        </p:spPr>
+        <p:style>
+          <a:lnRef idx="1">
+            <a:schemeClr val="accent1"/>
+          </a:lnRef>
+          <a:fillRef idx="3">
+            <a:schemeClr val="accent1"/>
+          </a:fillRef>
+          <a:effectRef idx="2">
+            <a:schemeClr val="accent1"/>
+          </a:effectRef>
+          <a:fontRef idx="minor"/>
+        </p:style>
+      </p:sp>
+      <p:sp>
+        <p:nvSpPr>
+          <p:cNvPr id="1390" name="CustomShape 14"/>
+          <p:cNvSpPr/>
+          <p:nvPr/>
+        </p:nvSpPr>
+        <p:spPr>
+          <a:xfrm>
+            <a:off x="4923360" y="3484800"/>
+            <a:ext cx="626760" cy="218880"/>
+          </a:xfrm>
+          <a:prstGeom prst="rect">
+            <a:avLst/>
+          </a:prstGeom>
+          <a:solidFill>
+            <a:srgbClr val="cccccc"/>
+          </a:solidFill>
+          <a:ln>
+            <a:solidFill>
+              <a:schemeClr val="tx1"/>
+            </a:solidFill>
+            <a:round/>
+          </a:ln>
+          <a:effectLst>
+            <a:outerShdw blurRad="40000" dir="5400000" dist="23040" rotWithShape="0">
+              <a:srgbClr val="000000">
+                <a:alpha val="35000"/>
+              </a:srgbClr>
+            </a:outerShdw>
+          </a:effectLst>
+        </p:spPr>
+        <p:style>
+          <a:lnRef idx="1">
+            <a:schemeClr val="accent1"/>
+          </a:lnRef>
+          <a:fillRef idx="3">
+            <a:schemeClr val="accent1"/>
+          </a:fillRef>
+          <a:effectRef idx="2">
+            <a:schemeClr val="accent1"/>
+          </a:effectRef>
+          <a:fontRef idx="minor"/>
+        </p:style>
+      </p:sp>
+      <p:sp>
+        <p:nvSpPr>
+          <p:cNvPr id="1391" name="CustomShape 15"/>
+          <p:cNvSpPr/>
+          <p:nvPr/>
+        </p:nvSpPr>
+        <p:spPr>
+          <a:xfrm>
+            <a:off x="5550480" y="3484800"/>
+            <a:ext cx="627120" cy="218880"/>
+          </a:xfrm>
+          <a:prstGeom prst="rect">
+            <a:avLst/>
+          </a:prstGeom>
+          <a:solidFill>
+            <a:srgbClr val="cccccc"/>
+          </a:solidFill>
+          <a:ln>
+            <a:solidFill>
+              <a:schemeClr val="tx1"/>
+            </a:solidFill>
+            <a:round/>
+          </a:ln>
+          <a:effectLst>
+            <a:outerShdw blurRad="40000" dir="5400000" dist="23040" rotWithShape="0">
+              <a:srgbClr val="000000">
+                <a:alpha val="35000"/>
+              </a:srgbClr>
+            </a:outerShdw>
+          </a:effectLst>
+        </p:spPr>
+        <p:style>
+          <a:lnRef idx="1">
+            <a:schemeClr val="accent1"/>
+          </a:lnRef>
+          <a:fillRef idx="3">
+            <a:schemeClr val="accent1"/>
+          </a:fillRef>
+          <a:effectRef idx="2">
+            <a:schemeClr val="accent1"/>
+          </a:effectRef>
+          <a:fontRef idx="minor"/>
+        </p:style>
+      </p:sp>
+      <p:sp>
+        <p:nvSpPr>
+          <p:cNvPr id="1392" name="CustomShape 16"/>
+          <p:cNvSpPr/>
+          <p:nvPr/>
+        </p:nvSpPr>
+        <p:spPr>
+          <a:xfrm>
+            <a:off x="4588560" y="3705480"/>
+            <a:ext cx="626760" cy="218880"/>
+          </a:xfrm>
+          <a:prstGeom prst="rect">
+            <a:avLst/>
+          </a:prstGeom>
+          <a:solidFill>
+            <a:srgbClr val="cccccc"/>
+          </a:solidFill>
+          <a:ln>
+            <a:solidFill>
+              <a:schemeClr val="tx1"/>
+            </a:solidFill>
+            <a:round/>
+          </a:ln>
+          <a:effectLst>
+            <a:outerShdw blurRad="40000" dir="5400000" dist="23040" rotWithShape="0">
+              <a:srgbClr val="000000">
+                <a:alpha val="35000"/>
+              </a:srgbClr>
+            </a:outerShdw>
+          </a:effectLst>
+        </p:spPr>
+        <p:style>
+          <a:lnRef idx="1">
+            <a:schemeClr val="accent1"/>
+          </a:lnRef>
+          <a:fillRef idx="3">
+            <a:schemeClr val="accent1"/>
+          </a:fillRef>
+          <a:effectRef idx="2">
+            <a:schemeClr val="accent1"/>
+          </a:effectRef>
+          <a:fontRef idx="minor"/>
+        </p:style>
+      </p:sp>
+      <p:sp>
+        <p:nvSpPr>
+          <p:cNvPr id="1393" name="CustomShape 17"/>
+          <p:cNvSpPr/>
+          <p:nvPr/>
+        </p:nvSpPr>
+        <p:spPr>
+          <a:xfrm>
+            <a:off x="5215680" y="3705480"/>
+            <a:ext cx="626760" cy="218880"/>
+          </a:xfrm>
+          <a:prstGeom prst="rect">
+            <a:avLst/>
+          </a:prstGeom>
+          <a:solidFill>
+            <a:srgbClr val="cccccc"/>
+          </a:solidFill>
+          <a:ln>
+            <a:solidFill>
+              <a:schemeClr val="tx1"/>
+            </a:solidFill>
+            <a:round/>
+          </a:ln>
+          <a:effectLst>
+            <a:outerShdw blurRad="40000" dir="5400000" dist="23040" rotWithShape="0">
+              <a:srgbClr val="000000">
+                <a:alpha val="35000"/>
+              </a:srgbClr>
+            </a:outerShdw>
+          </a:effectLst>
+        </p:spPr>
+        <p:style>
+          <a:lnRef idx="1">
+            <a:schemeClr val="accent1"/>
+          </a:lnRef>
+          <a:fillRef idx="3">
+            <a:schemeClr val="accent1"/>
+          </a:fillRef>
+          <a:effectRef idx="2">
+            <a:schemeClr val="accent1"/>
+          </a:effectRef>
+          <a:fontRef idx="minor"/>
+        </p:style>
+      </p:sp>
+      <p:sp>
+        <p:nvSpPr>
+          <p:cNvPr id="1394" name="CustomShape 18"/>
+          <p:cNvSpPr/>
+          <p:nvPr/>
+        </p:nvSpPr>
+        <p:spPr>
+          <a:xfrm>
+            <a:off x="5843160" y="3705480"/>
+            <a:ext cx="626760" cy="218880"/>
+          </a:xfrm>
+          <a:prstGeom prst="rect">
+            <a:avLst/>
+          </a:prstGeom>
+          <a:solidFill>
+            <a:srgbClr val="cccccc"/>
+          </a:solidFill>
+          <a:ln>
+            <a:solidFill>
+              <a:schemeClr val="tx1"/>
+            </a:solidFill>
+            <a:round/>
+          </a:ln>
+          <a:effectLst>
+            <a:outerShdw blurRad="40000" dir="5400000" dist="23040" rotWithShape="0">
+              <a:srgbClr val="000000">
+                <a:alpha val="35000"/>
+              </a:srgbClr>
+            </a:outerShdw>
+          </a:effectLst>
+        </p:spPr>
+        <p:style>
+          <a:lnRef idx="1">
+            <a:schemeClr val="accent1"/>
+          </a:lnRef>
+          <a:fillRef idx="3">
+            <a:schemeClr val="accent1"/>
+          </a:fillRef>
+          <a:effectRef idx="2">
+            <a:schemeClr val="accent1"/>
+          </a:effectRef>
+          <a:fontRef idx="minor"/>
+        </p:style>
+      </p:sp>
+      <p:sp>
+        <p:nvSpPr>
+          <p:cNvPr id="1395" name="CustomShape 19"/>
+          <p:cNvSpPr/>
+          <p:nvPr/>
+        </p:nvSpPr>
+        <p:spPr>
+          <a:xfrm>
+            <a:off x="4604040" y="2524680"/>
+            <a:ext cx="626760" cy="219240"/>
+          </a:xfrm>
+          <a:prstGeom prst="rect">
+            <a:avLst/>
+          </a:prstGeom>
+          <a:solidFill>
+            <a:srgbClr val="cccccc"/>
+          </a:solidFill>
+          <a:ln>
+            <a:solidFill>
+              <a:schemeClr val="tx1"/>
+            </a:solidFill>
+            <a:round/>
+          </a:ln>
+          <a:effectLst>
+            <a:outerShdw blurRad="40000" dir="5400000" dist="23040" rotWithShape="0">
+              <a:srgbClr val="000000">
+                <a:alpha val="35000"/>
+              </a:srgbClr>
+            </a:outerShdw>
+          </a:effectLst>
+        </p:spPr>
+        <p:style>
+          <a:lnRef idx="1">
+            <a:schemeClr val="accent1"/>
+          </a:lnRef>
+          <a:fillRef idx="3">
+            <a:schemeClr val="accent1"/>
+          </a:fillRef>
+          <a:effectRef idx="2">
+            <a:schemeClr val="accent1"/>
+          </a:effectRef>
+          <a:fontRef idx="minor"/>
+        </p:style>
+      </p:sp>
+      <p:sp>
+        <p:nvSpPr>
+          <p:cNvPr id="1396" name="CustomShape 20"/>
+          <p:cNvSpPr/>
+          <p:nvPr/>
+        </p:nvSpPr>
+        <p:spPr>
+          <a:xfrm>
+            <a:off x="5231520" y="2524680"/>
+            <a:ext cx="626760" cy="219240"/>
+          </a:xfrm>
+          <a:prstGeom prst="rect">
+            <a:avLst/>
+          </a:prstGeom>
+          <a:solidFill>
+            <a:srgbClr val="cccccc"/>
+          </a:solidFill>
+          <a:ln>
+            <a:solidFill>
+              <a:schemeClr val="tx1"/>
+            </a:solidFill>
+            <a:round/>
+          </a:ln>
+          <a:effectLst>
+            <a:outerShdw blurRad="40000" dir="5400000" dist="23040" rotWithShape="0">
+              <a:srgbClr val="000000">
+                <a:alpha val="35000"/>
+              </a:srgbClr>
+            </a:outerShdw>
+          </a:effectLst>
+        </p:spPr>
+        <p:style>
+          <a:lnRef idx="1">
+            <a:schemeClr val="accent1"/>
+          </a:lnRef>
+          <a:fillRef idx="3">
+            <a:schemeClr val="accent1"/>
+          </a:fillRef>
+          <a:effectRef idx="2">
+            <a:schemeClr val="accent1"/>
+          </a:effectRef>
+          <a:fontRef idx="minor"/>
+        </p:style>
+      </p:sp>
+      <p:sp>
+        <p:nvSpPr>
+          <p:cNvPr id="1397" name="CustomShape 21"/>
+          <p:cNvSpPr/>
+          <p:nvPr/>
+        </p:nvSpPr>
+        <p:spPr>
+          <a:xfrm>
+            <a:off x="4895280" y="2743920"/>
+            <a:ext cx="626760" cy="218880"/>
+          </a:xfrm>
+          <a:prstGeom prst="rect">
+            <a:avLst/>
+          </a:prstGeom>
+          <a:solidFill>
+            <a:srgbClr val="cccccc"/>
+          </a:solidFill>
+          <a:ln>
+            <a:solidFill>
+              <a:schemeClr val="tx1"/>
+            </a:solidFill>
+            <a:round/>
+          </a:ln>
+          <a:effectLst>
+            <a:outerShdw blurRad="40000" dir="5400000" dist="23040" rotWithShape="0">
+              <a:srgbClr val="000000">
+                <a:alpha val="35000"/>
+              </a:srgbClr>
+            </a:outerShdw>
+          </a:effectLst>
+        </p:spPr>
+        <p:style>
+          <a:lnRef idx="1">
+            <a:schemeClr val="accent1"/>
+          </a:lnRef>
+          <a:fillRef idx="3">
+            <a:schemeClr val="accent1"/>
+          </a:fillRef>
+          <a:effectRef idx="2">
+            <a:schemeClr val="accent1"/>
+          </a:effectRef>
+          <a:fontRef idx="minor"/>
+        </p:style>
+      </p:sp>
+      <p:sp>
+        <p:nvSpPr>
+          <p:cNvPr id="1398" name="CustomShape 22"/>
+          <p:cNvSpPr/>
+          <p:nvPr/>
+        </p:nvSpPr>
+        <p:spPr>
+          <a:xfrm>
+            <a:off x="5522760" y="2743920"/>
+            <a:ext cx="626760" cy="218880"/>
+          </a:xfrm>
+          <a:prstGeom prst="rect">
+            <a:avLst/>
+          </a:prstGeom>
+          <a:solidFill>
+            <a:srgbClr val="cccccc"/>
+          </a:solidFill>
+          <a:ln>
+            <a:solidFill>
+              <a:schemeClr val="tx1"/>
+            </a:solidFill>
+            <a:round/>
+          </a:ln>
+          <a:effectLst>
+            <a:outerShdw blurRad="40000" dir="5400000" dist="23040" rotWithShape="0">
+              <a:srgbClr val="000000">
+                <a:alpha val="35000"/>
+              </a:srgbClr>
+            </a:outerShdw>
+          </a:effectLst>
+        </p:spPr>
+        <p:style>
+          <a:lnRef idx="1">
+            <a:schemeClr val="accent1"/>
+          </a:lnRef>
+          <a:fillRef idx="3">
+            <a:schemeClr val="accent1"/>
+          </a:fillRef>
+          <a:effectRef idx="2">
+            <a:schemeClr val="accent1"/>
+          </a:effectRef>
+          <a:fontRef idx="minor"/>
+        </p:style>
+      </p:sp>
+      <p:sp>
+        <p:nvSpPr>
+          <p:cNvPr id="1399" name="CustomShape 23"/>
+          <p:cNvSpPr/>
+          <p:nvPr/>
+        </p:nvSpPr>
+        <p:spPr>
+          <a:xfrm>
+            <a:off x="4559760" y="2525400"/>
+            <a:ext cx="715680" cy="220680"/>
           </a:xfrm>
           <a:prstGeom prst="mathMultiply">
             <a:avLst>
@@ -23455,14 +26079,410 @@
       </p:sp>
       <p:sp>
         <p:nvSpPr>
-          <p:cNvPr id="1333" name="Line 45"/>
+          <p:cNvPr id="1400" name="CustomShape 24"/>
           <p:cNvSpPr/>
           <p:nvPr/>
         </p:nvSpPr>
         <p:spPr>
           <a:xfrm>
-            <a:off x="2743200" y="2103120"/>
-            <a:ext cx="0" cy="182880"/>
+            <a:off x="3987360" y="2377440"/>
+            <a:ext cx="626760" cy="219240"/>
+          </a:xfrm>
+          <a:prstGeom prst="rect">
+            <a:avLst/>
+          </a:prstGeom>
+          <a:solidFill>
+            <a:srgbClr val="cccccc"/>
+          </a:solidFill>
+          <a:ln>
+            <a:solidFill>
+              <a:schemeClr val="tx1"/>
+            </a:solidFill>
+            <a:round/>
+          </a:ln>
+          <a:effectLst>
+            <a:outerShdw blurRad="40000" dir="5400000" dist="23040" rotWithShape="0">
+              <a:srgbClr val="000000">
+                <a:alpha val="35000"/>
+              </a:srgbClr>
+            </a:outerShdw>
+          </a:effectLst>
+        </p:spPr>
+        <p:style>
+          <a:lnRef idx="1">
+            <a:schemeClr val="accent1"/>
+          </a:lnRef>
+          <a:fillRef idx="3">
+            <a:schemeClr val="accent1"/>
+          </a:fillRef>
+          <a:effectRef idx="2">
+            <a:schemeClr val="accent1"/>
+          </a:effectRef>
+          <a:fontRef idx="minor"/>
+        </p:style>
+      </p:sp>
+      <p:sp>
+        <p:nvSpPr>
+          <p:cNvPr id="1401" name="CustomShape 25"/>
+          <p:cNvSpPr/>
+          <p:nvPr/>
+        </p:nvSpPr>
+        <p:spPr>
+          <a:xfrm>
+            <a:off x="4614840" y="2377440"/>
+            <a:ext cx="626760" cy="219240"/>
+          </a:xfrm>
+          <a:prstGeom prst="rect">
+            <a:avLst/>
+          </a:prstGeom>
+          <a:solidFill>
+            <a:srgbClr val="cccccc"/>
+          </a:solidFill>
+          <a:ln>
+            <a:solidFill>
+              <a:schemeClr val="tx1"/>
+            </a:solidFill>
+            <a:round/>
+          </a:ln>
+          <a:effectLst>
+            <a:outerShdw blurRad="40000" dir="5400000" dist="23040" rotWithShape="0">
+              <a:srgbClr val="000000">
+                <a:alpha val="35000"/>
+              </a:srgbClr>
+            </a:outerShdw>
+          </a:effectLst>
+        </p:spPr>
+        <p:style>
+          <a:lnRef idx="1">
+            <a:schemeClr val="accent1"/>
+          </a:lnRef>
+          <a:fillRef idx="3">
+            <a:schemeClr val="accent1"/>
+          </a:fillRef>
+          <a:effectRef idx="2">
+            <a:schemeClr val="accent1"/>
+          </a:effectRef>
+          <a:fontRef idx="minor"/>
+        </p:style>
+      </p:sp>
+      <p:sp>
+        <p:nvSpPr>
+          <p:cNvPr id="1402" name="CustomShape 26"/>
+          <p:cNvSpPr/>
+          <p:nvPr/>
+        </p:nvSpPr>
+        <p:spPr>
+          <a:xfrm>
+            <a:off x="5242320" y="2377440"/>
+            <a:ext cx="626760" cy="219240"/>
+          </a:xfrm>
+          <a:prstGeom prst="rect">
+            <a:avLst/>
+          </a:prstGeom>
+          <a:solidFill>
+            <a:srgbClr val="cccccc"/>
+          </a:solidFill>
+          <a:ln>
+            <a:solidFill>
+              <a:schemeClr val="tx1"/>
+            </a:solidFill>
+            <a:round/>
+          </a:ln>
+          <a:effectLst>
+            <a:outerShdw blurRad="40000" dir="5400000" dist="23040" rotWithShape="0">
+              <a:srgbClr val="000000">
+                <a:alpha val="35000"/>
+              </a:srgbClr>
+            </a:outerShdw>
+          </a:effectLst>
+        </p:spPr>
+        <p:style>
+          <a:lnRef idx="1">
+            <a:schemeClr val="accent1"/>
+          </a:lnRef>
+          <a:fillRef idx="3">
+            <a:schemeClr val="accent1"/>
+          </a:fillRef>
+          <a:effectRef idx="2">
+            <a:schemeClr val="accent1"/>
+          </a:effectRef>
+          <a:fontRef idx="minor"/>
+        </p:style>
+      </p:sp>
+      <p:sp>
+        <p:nvSpPr>
+          <p:cNvPr id="1403" name="CustomShape 27"/>
+          <p:cNvSpPr/>
+          <p:nvPr/>
+        </p:nvSpPr>
+        <p:spPr>
+          <a:xfrm>
+            <a:off x="4278600" y="2596680"/>
+            <a:ext cx="626760" cy="218880"/>
+          </a:xfrm>
+          <a:prstGeom prst="rect">
+            <a:avLst/>
+          </a:prstGeom>
+          <a:solidFill>
+            <a:srgbClr val="cccccc"/>
+          </a:solidFill>
+          <a:ln>
+            <a:solidFill>
+              <a:schemeClr val="tx1"/>
+            </a:solidFill>
+            <a:round/>
+          </a:ln>
+          <a:effectLst>
+            <a:outerShdw blurRad="40000" dir="5400000" dist="23040" rotWithShape="0">
+              <a:srgbClr val="000000">
+                <a:alpha val="35000"/>
+              </a:srgbClr>
+            </a:outerShdw>
+          </a:effectLst>
+        </p:spPr>
+        <p:style>
+          <a:lnRef idx="1">
+            <a:schemeClr val="accent1"/>
+          </a:lnRef>
+          <a:fillRef idx="3">
+            <a:schemeClr val="accent1"/>
+          </a:fillRef>
+          <a:effectRef idx="2">
+            <a:schemeClr val="accent1"/>
+          </a:effectRef>
+          <a:fontRef idx="minor"/>
+        </p:style>
+      </p:sp>
+      <p:sp>
+        <p:nvSpPr>
+          <p:cNvPr id="1404" name="CustomShape 28"/>
+          <p:cNvSpPr/>
+          <p:nvPr/>
+        </p:nvSpPr>
+        <p:spPr>
+          <a:xfrm>
+            <a:off x="4906080" y="2596680"/>
+            <a:ext cx="626760" cy="218880"/>
+          </a:xfrm>
+          <a:prstGeom prst="rect">
+            <a:avLst/>
+          </a:prstGeom>
+          <a:solidFill>
+            <a:srgbClr val="cccccc"/>
+          </a:solidFill>
+          <a:ln>
+            <a:solidFill>
+              <a:schemeClr val="tx1"/>
+            </a:solidFill>
+            <a:round/>
+          </a:ln>
+          <a:effectLst>
+            <a:outerShdw blurRad="40000" dir="5400000" dist="23040" rotWithShape="0">
+              <a:srgbClr val="000000">
+                <a:alpha val="35000"/>
+              </a:srgbClr>
+            </a:outerShdw>
+          </a:effectLst>
+        </p:spPr>
+        <p:style>
+          <a:lnRef idx="1">
+            <a:schemeClr val="accent1"/>
+          </a:lnRef>
+          <a:fillRef idx="3">
+            <a:schemeClr val="accent1"/>
+          </a:fillRef>
+          <a:effectRef idx="2">
+            <a:schemeClr val="accent1"/>
+          </a:effectRef>
+          <a:fontRef idx="minor"/>
+        </p:style>
+      </p:sp>
+      <p:sp>
+        <p:nvSpPr>
+          <p:cNvPr id="1405" name="CustomShape 29"/>
+          <p:cNvSpPr/>
+          <p:nvPr/>
+        </p:nvSpPr>
+        <p:spPr>
+          <a:xfrm>
+            <a:off x="5533560" y="2596680"/>
+            <a:ext cx="626760" cy="218880"/>
+          </a:xfrm>
+          <a:prstGeom prst="rect">
+            <a:avLst/>
+          </a:prstGeom>
+          <a:solidFill>
+            <a:srgbClr val="cccccc"/>
+          </a:solidFill>
+          <a:ln>
+            <a:solidFill>
+              <a:schemeClr val="tx1"/>
+            </a:solidFill>
+            <a:round/>
+          </a:ln>
+          <a:effectLst>
+            <a:outerShdw blurRad="40000" dir="5400000" dist="23040" rotWithShape="0">
+              <a:srgbClr val="000000">
+                <a:alpha val="35000"/>
+              </a:srgbClr>
+            </a:outerShdw>
+          </a:effectLst>
+        </p:spPr>
+        <p:style>
+          <a:lnRef idx="1">
+            <a:schemeClr val="accent1"/>
+          </a:lnRef>
+          <a:fillRef idx="3">
+            <a:schemeClr val="accent1"/>
+          </a:fillRef>
+          <a:effectRef idx="2">
+            <a:schemeClr val="accent1"/>
+          </a:effectRef>
+          <a:fontRef idx="minor"/>
+        </p:style>
+      </p:sp>
+      <p:sp>
+        <p:nvSpPr>
+          <p:cNvPr id="1406" name="CustomShape 30"/>
+          <p:cNvSpPr/>
+          <p:nvPr/>
+        </p:nvSpPr>
+        <p:spPr>
+          <a:xfrm>
+            <a:off x="4571280" y="2817360"/>
+            <a:ext cx="626760" cy="218880"/>
+          </a:xfrm>
+          <a:prstGeom prst="rect">
+            <a:avLst/>
+          </a:prstGeom>
+          <a:solidFill>
+            <a:srgbClr val="cccccc"/>
+          </a:solidFill>
+          <a:ln>
+            <a:solidFill>
+              <a:schemeClr val="tx1"/>
+            </a:solidFill>
+            <a:round/>
+          </a:ln>
+          <a:effectLst>
+            <a:outerShdw blurRad="40000" dir="5400000" dist="23040" rotWithShape="0">
+              <a:srgbClr val="000000">
+                <a:alpha val="35000"/>
+              </a:srgbClr>
+            </a:outerShdw>
+          </a:effectLst>
+        </p:spPr>
+        <p:style>
+          <a:lnRef idx="1">
+            <a:schemeClr val="accent1"/>
+          </a:lnRef>
+          <a:fillRef idx="3">
+            <a:schemeClr val="accent1"/>
+          </a:fillRef>
+          <a:effectRef idx="2">
+            <a:schemeClr val="accent1"/>
+          </a:effectRef>
+          <a:fontRef idx="minor"/>
+        </p:style>
+      </p:sp>
+      <p:sp>
+        <p:nvSpPr>
+          <p:cNvPr id="1407" name="CustomShape 31"/>
+          <p:cNvSpPr/>
+          <p:nvPr/>
+        </p:nvSpPr>
+        <p:spPr>
+          <a:xfrm>
+            <a:off x="5198760" y="2817360"/>
+            <a:ext cx="626760" cy="218880"/>
+          </a:xfrm>
+          <a:prstGeom prst="rect">
+            <a:avLst/>
+          </a:prstGeom>
+          <a:solidFill>
+            <a:srgbClr val="cccccc"/>
+          </a:solidFill>
+          <a:ln>
+            <a:solidFill>
+              <a:schemeClr val="tx1"/>
+            </a:solidFill>
+            <a:round/>
+          </a:ln>
+          <a:effectLst>
+            <a:outerShdw blurRad="40000" dir="5400000" dist="23040" rotWithShape="0">
+              <a:srgbClr val="000000">
+                <a:alpha val="35000"/>
+              </a:srgbClr>
+            </a:outerShdw>
+          </a:effectLst>
+        </p:spPr>
+        <p:style>
+          <a:lnRef idx="1">
+            <a:schemeClr val="accent1"/>
+          </a:lnRef>
+          <a:fillRef idx="3">
+            <a:schemeClr val="accent1"/>
+          </a:fillRef>
+          <a:effectRef idx="2">
+            <a:schemeClr val="accent1"/>
+          </a:effectRef>
+          <a:fontRef idx="minor"/>
+        </p:style>
+      </p:sp>
+      <p:sp>
+        <p:nvSpPr>
+          <p:cNvPr id="1408" name="CustomShape 32"/>
+          <p:cNvSpPr/>
+          <p:nvPr/>
+        </p:nvSpPr>
+        <p:spPr>
+          <a:xfrm>
+            <a:off x="5825880" y="2817360"/>
+            <a:ext cx="645480" cy="218880"/>
+          </a:xfrm>
+          <a:prstGeom prst="rect">
+            <a:avLst/>
+          </a:prstGeom>
+          <a:solidFill>
+            <a:srgbClr val="cccccc"/>
+          </a:solidFill>
+          <a:ln>
+            <a:solidFill>
+              <a:schemeClr val="tx1"/>
+            </a:solidFill>
+            <a:round/>
+          </a:ln>
+          <a:effectLst>
+            <a:outerShdw blurRad="40000" dir="5400000" dist="23040" rotWithShape="0">
+              <a:srgbClr val="000000">
+                <a:alpha val="35000"/>
+              </a:srgbClr>
+            </a:outerShdw>
+          </a:effectLst>
+        </p:spPr>
+        <p:style>
+          <a:lnRef idx="1">
+            <a:schemeClr val="accent1"/>
+          </a:lnRef>
+          <a:fillRef idx="3">
+            <a:schemeClr val="accent1"/>
+          </a:fillRef>
+          <a:effectRef idx="2">
+            <a:schemeClr val="accent1"/>
+          </a:effectRef>
+          <a:fontRef idx="minor"/>
+        </p:style>
+      </p:sp>
+      <p:sp>
+        <p:nvSpPr>
+          <p:cNvPr id="1409" name="Line 33"/>
+          <p:cNvSpPr/>
+          <p:nvPr/>
+        </p:nvSpPr>
+        <p:spPr>
+          <a:xfrm>
+            <a:off x="3987360" y="2377440"/>
+            <a:ext cx="0" cy="147240"/>
           </a:xfrm>
           <a:prstGeom prst="line">
             <a:avLst/>
@@ -23482,14 +26502,14 @@
       </p:sp>
       <p:sp>
         <p:nvSpPr>
-          <p:cNvPr id="1334" name="Line 46"/>
+          <p:cNvPr id="1410" name="Line 34"/>
           <p:cNvSpPr/>
           <p:nvPr/>
         </p:nvSpPr>
         <p:spPr>
           <a:xfrm>
-            <a:off x="3754440" y="2936160"/>
-            <a:ext cx="0" cy="182880"/>
+            <a:off x="4880520" y="3048480"/>
+            <a:ext cx="0" cy="147240"/>
           </a:xfrm>
           <a:prstGeom prst="line">
             <a:avLst/>
@@ -23509,14 +26529,14 @@
       </p:sp>
       <p:sp>
         <p:nvSpPr>
-          <p:cNvPr id="1335" name="Line 47"/>
+          <p:cNvPr id="1411" name="Line 35"/>
           <p:cNvSpPr/>
           <p:nvPr/>
         </p:nvSpPr>
         <p:spPr>
           <a:xfrm>
-            <a:off x="2743200" y="2286000"/>
-            <a:ext cx="969840" cy="822960"/>
+            <a:off x="3987360" y="2524680"/>
+            <a:ext cx="856800" cy="663120"/>
           </a:xfrm>
           <a:prstGeom prst="line">
             <a:avLst/>
@@ -23536,14 +26556,14 @@
       </p:sp>
       <p:sp>
         <p:nvSpPr>
-          <p:cNvPr id="1336" name="Line 48"/>
+          <p:cNvPr id="1412" name="Line 36"/>
           <p:cNvSpPr/>
           <p:nvPr/>
         </p:nvSpPr>
         <p:spPr>
           <a:xfrm>
-            <a:off x="3713040" y="3108960"/>
-            <a:ext cx="2170800" cy="0"/>
+            <a:off x="4844160" y="3187800"/>
+            <a:ext cx="1917360" cy="0"/>
           </a:xfrm>
           <a:prstGeom prst="line">
             <a:avLst/>
@@ -23563,14 +26583,14 @@
       </p:sp>
       <p:sp>
         <p:nvSpPr>
-          <p:cNvPr id="1337" name="Line 49"/>
+          <p:cNvPr id="1413" name="Line 37"/>
           <p:cNvSpPr/>
           <p:nvPr/>
         </p:nvSpPr>
         <p:spPr>
           <a:xfrm>
-            <a:off x="2762640" y="3205440"/>
-            <a:ext cx="0" cy="182880"/>
+            <a:off x="4004640" y="3265560"/>
+            <a:ext cx="0" cy="147240"/>
           </a:xfrm>
           <a:prstGeom prst="line">
             <a:avLst/>
@@ -23590,14 +26610,14 @@
       </p:sp>
       <p:sp>
         <p:nvSpPr>
-          <p:cNvPr id="1338" name="Line 50"/>
+          <p:cNvPr id="1414" name="Line 38"/>
           <p:cNvSpPr/>
           <p:nvPr/>
         </p:nvSpPr>
         <p:spPr>
           <a:xfrm>
-            <a:off x="3744720" y="4023360"/>
-            <a:ext cx="0" cy="182880"/>
+            <a:off x="4871880" y="3924360"/>
+            <a:ext cx="0" cy="147240"/>
           </a:xfrm>
           <a:prstGeom prst="line">
             <a:avLst/>
@@ -23617,14 +26637,14 @@
       </p:sp>
       <p:sp>
         <p:nvSpPr>
-          <p:cNvPr id="1339" name="Line 51"/>
+          <p:cNvPr id="1415" name="Line 39"/>
           <p:cNvSpPr/>
           <p:nvPr/>
         </p:nvSpPr>
         <p:spPr>
           <a:xfrm>
-            <a:off x="5883840" y="4023360"/>
-            <a:ext cx="0" cy="182880"/>
+            <a:off x="6761520" y="3924360"/>
+            <a:ext cx="0" cy="147240"/>
           </a:xfrm>
           <a:prstGeom prst="line">
             <a:avLst/>
@@ -23644,14 +26664,14 @@
       </p:sp>
       <p:sp>
         <p:nvSpPr>
-          <p:cNvPr id="1340" name="Line 52"/>
+          <p:cNvPr id="1416" name="Line 40"/>
           <p:cNvSpPr/>
           <p:nvPr/>
         </p:nvSpPr>
         <p:spPr>
           <a:xfrm>
-            <a:off x="3744720" y="4206240"/>
-            <a:ext cx="2151360" cy="0"/>
+            <a:off x="4871880" y="4071600"/>
+            <a:ext cx="1900440" cy="0"/>
           </a:xfrm>
           <a:prstGeom prst="line">
             <a:avLst/>
@@ -23671,14 +26691,14 @@
       </p:sp>
       <p:sp>
         <p:nvSpPr>
-          <p:cNvPr id="1341" name="Line 53"/>
+          <p:cNvPr id="1417" name="Line 41"/>
           <p:cNvSpPr/>
           <p:nvPr/>
         </p:nvSpPr>
         <p:spPr>
           <a:xfrm>
-            <a:off x="2762640" y="3388320"/>
-            <a:ext cx="982080" cy="817920"/>
+            <a:off x="4004640" y="3412800"/>
+            <a:ext cx="867240" cy="658800"/>
           </a:xfrm>
           <a:prstGeom prst="line">
             <a:avLst/>
@@ -23698,14 +26718,14 @@
       </p:sp>
       <p:sp>
         <p:nvSpPr>
-          <p:cNvPr id="1342" name="Line 54"/>
+          <p:cNvPr id="1418" name="Line 42"/>
           <p:cNvSpPr/>
           <p:nvPr/>
         </p:nvSpPr>
         <p:spPr>
           <a:xfrm>
-            <a:off x="2762640" y="4326840"/>
-            <a:ext cx="0" cy="182880"/>
+            <a:off x="4004640" y="4168800"/>
+            <a:ext cx="0" cy="147240"/>
           </a:xfrm>
           <a:prstGeom prst="line">
             <a:avLst/>
@@ -23725,14 +26745,14 @@
       </p:sp>
       <p:sp>
         <p:nvSpPr>
-          <p:cNvPr id="1343" name="Line 55"/>
+          <p:cNvPr id="1419" name="Line 43"/>
           <p:cNvSpPr/>
           <p:nvPr/>
         </p:nvSpPr>
         <p:spPr>
           <a:xfrm>
-            <a:off x="3744720" y="5144760"/>
-            <a:ext cx="0" cy="182880"/>
+            <a:off x="4871880" y="4827600"/>
+            <a:ext cx="0" cy="147240"/>
           </a:xfrm>
           <a:prstGeom prst="line">
             <a:avLst/>
@@ -23752,14 +26772,14 @@
       </p:sp>
       <p:sp>
         <p:nvSpPr>
-          <p:cNvPr id="1344" name="Line 56"/>
+          <p:cNvPr id="1420" name="Line 44"/>
           <p:cNvSpPr/>
           <p:nvPr/>
         </p:nvSpPr>
         <p:spPr>
           <a:xfrm>
-            <a:off x="5883840" y="5144760"/>
-            <a:ext cx="0" cy="182880"/>
+            <a:off x="6761520" y="4827600"/>
+            <a:ext cx="0" cy="147240"/>
           </a:xfrm>
           <a:prstGeom prst="line">
             <a:avLst/>
@@ -23779,14 +26799,14 @@
       </p:sp>
       <p:sp>
         <p:nvSpPr>
-          <p:cNvPr id="1345" name="Line 57"/>
+          <p:cNvPr id="1421" name="Line 45"/>
           <p:cNvSpPr/>
           <p:nvPr/>
         </p:nvSpPr>
         <p:spPr>
           <a:xfrm>
-            <a:off x="3744720" y="5327640"/>
-            <a:ext cx="2151360" cy="0"/>
+            <a:off x="4871880" y="4974840"/>
+            <a:ext cx="1900440" cy="0"/>
           </a:xfrm>
           <a:prstGeom prst="line">
             <a:avLst/>
@@ -23806,14 +26826,14 @@
       </p:sp>
       <p:sp>
         <p:nvSpPr>
-          <p:cNvPr id="1346" name="Line 58"/>
+          <p:cNvPr id="1422" name="Line 46"/>
           <p:cNvSpPr/>
           <p:nvPr/>
         </p:nvSpPr>
         <p:spPr>
           <a:xfrm>
-            <a:off x="2762640" y="4509720"/>
-            <a:ext cx="982080" cy="817920"/>
+            <a:off x="4004640" y="4316040"/>
+            <a:ext cx="867240" cy="658800"/>
           </a:xfrm>
           <a:prstGeom prst="line">
             <a:avLst/>
@@ -23833,14 +26853,14 @@
       </p:sp>
       <p:sp>
         <p:nvSpPr>
-          <p:cNvPr id="1347" name="Line 59"/>
+          <p:cNvPr id="1423" name="Line 47"/>
           <p:cNvSpPr/>
           <p:nvPr/>
         </p:nvSpPr>
         <p:spPr>
           <a:xfrm>
-            <a:off x="2743200" y="2139120"/>
-            <a:ext cx="0" cy="2377440"/>
+            <a:off x="3987360" y="2406600"/>
+            <a:ext cx="0" cy="1914840"/>
           </a:xfrm>
           <a:prstGeom prst="line">
             <a:avLst/>
@@ -23860,14 +26880,14 @@
       </p:sp>
       <p:sp>
         <p:nvSpPr>
-          <p:cNvPr id="1348" name="Line 60"/>
+          <p:cNvPr id="1424" name="Line 48"/>
           <p:cNvSpPr/>
           <p:nvPr/>
         </p:nvSpPr>
         <p:spPr>
           <a:xfrm>
-            <a:off x="3744720" y="2921040"/>
-            <a:ext cx="0" cy="2377440"/>
+            <a:off x="4871880" y="3036240"/>
+            <a:ext cx="0" cy="1915200"/>
           </a:xfrm>
           <a:prstGeom prst="line">
             <a:avLst/>
@@ -23887,14 +26907,14 @@
       </p:sp>
       <p:sp>
         <p:nvSpPr>
-          <p:cNvPr id="1349" name="Line 61"/>
+          <p:cNvPr id="1425" name="Line 49"/>
           <p:cNvSpPr/>
           <p:nvPr/>
         </p:nvSpPr>
         <p:spPr>
           <a:xfrm>
-            <a:off x="5883840" y="2921040"/>
-            <a:ext cx="0" cy="2406600"/>
+            <a:off x="6761520" y="3036240"/>
+            <a:ext cx="0" cy="1938600"/>
           </a:xfrm>
           <a:prstGeom prst="line">
             <a:avLst/>
@@ -23914,14 +26934,14 @@
       </p:sp>
       <p:sp>
         <p:nvSpPr>
-          <p:cNvPr id="1350" name="CustomShape 62"/>
+          <p:cNvPr id="1426" name="CustomShape 50"/>
           <p:cNvSpPr/>
           <p:nvPr/>
         </p:nvSpPr>
         <p:spPr>
           <a:xfrm>
-            <a:off x="5943600" y="2743200"/>
-            <a:ext cx="2286000" cy="457200"/>
+            <a:off x="6814080" y="2892960"/>
+            <a:ext cx="2019240" cy="368280"/>
           </a:xfrm>
           <a:custGeom>
             <a:avLst/>
@@ -23929,30 +26949,30 @@
             <a:ahLst/>
             <a:rect l="0" t="0" r="r" b="b"/>
             <a:pathLst>
-              <a:path w="6352" h="1272">
+              <a:path w="5611" h="1025">
                 <a:moveTo>
-                  <a:pt x="6351" y="317"/>
+                  <a:pt x="5610" y="256"/>
                 </a:moveTo>
                 <a:lnTo>
-                  <a:pt x="1588" y="317"/>
+                  <a:pt x="1403" y="256"/>
                 </a:lnTo>
                 <a:lnTo>
-                  <a:pt x="1588" y="0"/>
+                  <a:pt x="1403" y="0"/>
                 </a:lnTo>
                 <a:lnTo>
-                  <a:pt x="0" y="635"/>
+                  <a:pt x="0" y="512"/>
                 </a:lnTo>
                 <a:lnTo>
-                  <a:pt x="1588" y="1271"/>
+                  <a:pt x="1403" y="1024"/>
                 </a:lnTo>
                 <a:lnTo>
-                  <a:pt x="1588" y="953"/>
+                  <a:pt x="1403" y="768"/>
                 </a:lnTo>
                 <a:lnTo>
-                  <a:pt x="6351" y="953"/>
+                  <a:pt x="5610" y="768"/>
                 </a:lnTo>
                 <a:lnTo>
-                  <a:pt x="6351" y="317"/>
+                  <a:pt x="5610" y="256"/>
                 </a:lnTo>
               </a:path>
             </a:pathLst>
@@ -23980,7 +27000,7 @@
               <a:rPr b="0" lang="en-US" sz="1800" spc="-1" strike="noStrike">
                 <a:latin typeface="Arial"/>
               </a:rPr>
-              <a:t>Player 1 Pieces</a:t>
+              <a:t>X’s Pieces</a:t>
             </a:r>
             <a:endParaRPr b="0" lang="en-US" sz="1800" spc="-1" strike="noStrike">
               <a:latin typeface="Arial"/>
@@ -23990,14 +27010,14 @@
       </p:sp>
       <p:sp>
         <p:nvSpPr>
-          <p:cNvPr id="1351" name="CustomShape 63"/>
+          <p:cNvPr id="1427" name="CustomShape 51"/>
           <p:cNvSpPr/>
           <p:nvPr/>
         </p:nvSpPr>
         <p:spPr>
           <a:xfrm>
-            <a:off x="5943600" y="3840480"/>
-            <a:ext cx="2286000" cy="457200"/>
+            <a:off x="6814080" y="3777120"/>
+            <a:ext cx="2019240" cy="368280"/>
           </a:xfrm>
           <a:custGeom>
             <a:avLst/>
@@ -24005,30 +27025,30 @@
             <a:ahLst/>
             <a:rect l="0" t="0" r="r" b="b"/>
             <a:pathLst>
-              <a:path w="6352" h="1272">
+              <a:path w="5611" h="1025">
                 <a:moveTo>
-                  <a:pt x="6351" y="317"/>
+                  <a:pt x="5610" y="256"/>
                 </a:moveTo>
                 <a:lnTo>
-                  <a:pt x="1588" y="317"/>
+                  <a:pt x="1403" y="256"/>
                 </a:lnTo>
                 <a:lnTo>
-                  <a:pt x="1588" y="0"/>
+                  <a:pt x="1403" y="0"/>
                 </a:lnTo>
                 <a:lnTo>
-                  <a:pt x="0" y="635"/>
+                  <a:pt x="0" y="512"/>
                 </a:lnTo>
                 <a:lnTo>
-                  <a:pt x="1588" y="1271"/>
+                  <a:pt x="1403" y="1024"/>
                 </a:lnTo>
                 <a:lnTo>
-                  <a:pt x="1588" y="953"/>
+                  <a:pt x="1403" y="768"/>
                 </a:lnTo>
                 <a:lnTo>
-                  <a:pt x="6351" y="953"/>
+                  <a:pt x="5610" y="768"/>
                 </a:lnTo>
                 <a:lnTo>
-                  <a:pt x="6351" y="317"/>
+                  <a:pt x="5610" y="256"/>
                 </a:lnTo>
               </a:path>
             </a:pathLst>
@@ -24056,7 +27076,7 @@
               <a:rPr b="0" lang="en-US" sz="1800" spc="-1" strike="noStrike">
                 <a:latin typeface="Arial"/>
               </a:rPr>
-              <a:t>Player 2 Pieces</a:t>
+              <a:t>O’s Pieces</a:t>
             </a:r>
             <a:endParaRPr b="0" lang="en-US" sz="1800" spc="-1" strike="noStrike">
               <a:latin typeface="Arial"/>
@@ -24066,14 +27086,14 @@
       </p:sp>
       <p:sp>
         <p:nvSpPr>
-          <p:cNvPr id="1352" name="CustomShape 64"/>
+          <p:cNvPr id="1428" name="CustomShape 52"/>
           <p:cNvSpPr/>
           <p:nvPr/>
         </p:nvSpPr>
         <p:spPr>
           <a:xfrm>
-            <a:off x="5883840" y="4937760"/>
-            <a:ext cx="2286000" cy="457200"/>
+            <a:off x="6761160" y="4660920"/>
+            <a:ext cx="2019240" cy="368280"/>
           </a:xfrm>
           <a:custGeom>
             <a:avLst/>
@@ -24081,30 +27101,30 @@
             <a:ahLst/>
             <a:rect l="0" t="0" r="r" b="b"/>
             <a:pathLst>
-              <a:path w="6352" h="1272">
+              <a:path w="5611" h="1025">
                 <a:moveTo>
-                  <a:pt x="6351" y="317"/>
+                  <a:pt x="5610" y="256"/>
                 </a:moveTo>
                 <a:lnTo>
-                  <a:pt x="1588" y="317"/>
+                  <a:pt x="1403" y="256"/>
                 </a:lnTo>
                 <a:lnTo>
-                  <a:pt x="1588" y="0"/>
+                  <a:pt x="1403" y="0"/>
                 </a:lnTo>
                 <a:lnTo>
-                  <a:pt x="0" y="635"/>
+                  <a:pt x="0" y="512"/>
                 </a:lnTo>
                 <a:lnTo>
-                  <a:pt x="1588" y="1271"/>
+                  <a:pt x="1403" y="1024"/>
                 </a:lnTo>
                 <a:lnTo>
-                  <a:pt x="1588" y="953"/>
+                  <a:pt x="1403" y="768"/>
                 </a:lnTo>
                 <a:lnTo>
-                  <a:pt x="6351" y="953"/>
+                  <a:pt x="5610" y="768"/>
                 </a:lnTo>
                 <a:lnTo>
-                  <a:pt x="6351" y="317"/>
+                  <a:pt x="5610" y="256"/>
                 </a:lnTo>
               </a:path>
             </a:pathLst>
@@ -24140,6 +27160,1285 @@
           </a:p>
         </p:txBody>
       </p:sp>
+      <p:sp>
+        <p:nvSpPr>
+          <p:cNvPr id="1429" name="CustomShape 53"/>
+          <p:cNvSpPr/>
+          <p:nvPr/>
+        </p:nvSpPr>
+        <p:spPr>
+          <a:xfrm>
+            <a:off x="1041480" y="3260520"/>
+            <a:ext cx="626760" cy="219240"/>
+          </a:xfrm>
+          <a:prstGeom prst="rect">
+            <a:avLst/>
+          </a:prstGeom>
+          <a:solidFill>
+            <a:srgbClr val="cccccc"/>
+          </a:solidFill>
+          <a:ln>
+            <a:solidFill>
+              <a:schemeClr val="tx1"/>
+            </a:solidFill>
+            <a:round/>
+          </a:ln>
+          <a:effectLst>
+            <a:outerShdw blurRad="40000" dir="5400000" dist="23040" rotWithShape="0">
+              <a:srgbClr val="000000">
+                <a:alpha val="35000"/>
+              </a:srgbClr>
+            </a:outerShdw>
+          </a:effectLst>
+        </p:spPr>
+        <p:style>
+          <a:lnRef idx="1">
+            <a:schemeClr val="accent1"/>
+          </a:lnRef>
+          <a:fillRef idx="3">
+            <a:schemeClr val="accent1"/>
+          </a:fillRef>
+          <a:effectRef idx="2">
+            <a:schemeClr val="accent1"/>
+          </a:effectRef>
+          <a:fontRef idx="minor"/>
+        </p:style>
+      </p:sp>
+      <p:sp>
+        <p:nvSpPr>
+          <p:cNvPr id="1430" name="CustomShape 54"/>
+          <p:cNvSpPr/>
+          <p:nvPr/>
+        </p:nvSpPr>
+        <p:spPr>
+          <a:xfrm>
+            <a:off x="1668960" y="3260520"/>
+            <a:ext cx="626760" cy="219240"/>
+          </a:xfrm>
+          <a:prstGeom prst="rect">
+            <a:avLst/>
+          </a:prstGeom>
+          <a:solidFill>
+            <a:srgbClr val="cccccc"/>
+          </a:solidFill>
+          <a:ln>
+            <a:solidFill>
+              <a:schemeClr val="tx1"/>
+            </a:solidFill>
+            <a:round/>
+          </a:ln>
+          <a:effectLst>
+            <a:outerShdw blurRad="40000" dir="5400000" dist="23040" rotWithShape="0">
+              <a:srgbClr val="000000">
+                <a:alpha val="35000"/>
+              </a:srgbClr>
+            </a:outerShdw>
+          </a:effectLst>
+        </p:spPr>
+        <p:style>
+          <a:lnRef idx="1">
+            <a:schemeClr val="accent1"/>
+          </a:lnRef>
+          <a:fillRef idx="3">
+            <a:schemeClr val="accent1"/>
+          </a:fillRef>
+          <a:effectRef idx="2">
+            <a:schemeClr val="accent1"/>
+          </a:effectRef>
+          <a:fontRef idx="minor"/>
+        </p:style>
+      </p:sp>
+      <p:sp>
+        <p:nvSpPr>
+          <p:cNvPr id="1431" name="CustomShape 55"/>
+          <p:cNvSpPr/>
+          <p:nvPr/>
+        </p:nvSpPr>
+        <p:spPr>
+          <a:xfrm>
+            <a:off x="1332720" y="3479760"/>
+            <a:ext cx="626760" cy="218880"/>
+          </a:xfrm>
+          <a:prstGeom prst="rect">
+            <a:avLst/>
+          </a:prstGeom>
+          <a:solidFill>
+            <a:srgbClr val="cccccc"/>
+          </a:solidFill>
+          <a:ln>
+            <a:solidFill>
+              <a:schemeClr val="tx1"/>
+            </a:solidFill>
+            <a:round/>
+          </a:ln>
+          <a:effectLst>
+            <a:outerShdw blurRad="40000" dir="5400000" dist="23040" rotWithShape="0">
+              <a:srgbClr val="000000">
+                <a:alpha val="35000"/>
+              </a:srgbClr>
+            </a:outerShdw>
+          </a:effectLst>
+        </p:spPr>
+        <p:style>
+          <a:lnRef idx="1">
+            <a:schemeClr val="accent1"/>
+          </a:lnRef>
+          <a:fillRef idx="3">
+            <a:schemeClr val="accent1"/>
+          </a:fillRef>
+          <a:effectRef idx="2">
+            <a:schemeClr val="accent1"/>
+          </a:effectRef>
+          <a:fontRef idx="minor"/>
+        </p:style>
+      </p:sp>
+      <p:sp>
+        <p:nvSpPr>
+          <p:cNvPr id="1432" name="CustomShape 56"/>
+          <p:cNvSpPr/>
+          <p:nvPr/>
+        </p:nvSpPr>
+        <p:spPr>
+          <a:xfrm>
+            <a:off x="1960200" y="3479760"/>
+            <a:ext cx="626760" cy="218880"/>
+          </a:xfrm>
+          <a:prstGeom prst="rect">
+            <a:avLst/>
+          </a:prstGeom>
+          <a:solidFill>
+            <a:srgbClr val="cccccc"/>
+          </a:solidFill>
+          <a:ln>
+            <a:solidFill>
+              <a:schemeClr val="tx1"/>
+            </a:solidFill>
+            <a:round/>
+          </a:ln>
+          <a:effectLst>
+            <a:outerShdw blurRad="40000" dir="5400000" dist="23040" rotWithShape="0">
+              <a:srgbClr val="000000">
+                <a:alpha val="35000"/>
+              </a:srgbClr>
+            </a:outerShdw>
+          </a:effectLst>
+        </p:spPr>
+        <p:style>
+          <a:lnRef idx="1">
+            <a:schemeClr val="accent1"/>
+          </a:lnRef>
+          <a:fillRef idx="3">
+            <a:schemeClr val="accent1"/>
+          </a:fillRef>
+          <a:effectRef idx="2">
+            <a:schemeClr val="accent1"/>
+          </a:effectRef>
+          <a:fontRef idx="minor"/>
+        </p:style>
+      </p:sp>
+      <p:sp>
+        <p:nvSpPr>
+          <p:cNvPr id="1433" name="CustomShape 57"/>
+          <p:cNvSpPr/>
+          <p:nvPr/>
+        </p:nvSpPr>
+        <p:spPr>
+          <a:xfrm>
+            <a:off x="997200" y="3261240"/>
+            <a:ext cx="715680" cy="220680"/>
+          </a:xfrm>
+          <a:prstGeom prst="mathMultiply">
+            <a:avLst>
+              <a:gd name="adj1" fmla="val 23520"/>
+            </a:avLst>
+          </a:prstGeom>
+          <a:solidFill>
+            <a:srgbClr val="3465a4"/>
+          </a:solidFill>
+          <a:ln>
+            <a:solidFill>
+              <a:srgbClr val="000000"/>
+            </a:solidFill>
+            <a:round/>
+          </a:ln>
+          <a:effectLst>
+            <a:outerShdw blurRad="40000" dir="5400000" dist="23040" rotWithShape="0">
+              <a:srgbClr val="000000">
+                <a:alpha val="35000"/>
+              </a:srgbClr>
+            </a:outerShdw>
+          </a:effectLst>
+        </p:spPr>
+        <p:style>
+          <a:lnRef idx="1">
+            <a:schemeClr val="accent1"/>
+          </a:lnRef>
+          <a:fillRef idx="3">
+            <a:schemeClr val="accent1"/>
+          </a:fillRef>
+          <a:effectRef idx="2">
+            <a:schemeClr val="accent1"/>
+          </a:effectRef>
+          <a:fontRef idx="minor"/>
+        </p:style>
+      </p:sp>
+      <p:sp>
+        <p:nvSpPr>
+          <p:cNvPr id="1434" name="CustomShape 58"/>
+          <p:cNvSpPr/>
+          <p:nvPr/>
+        </p:nvSpPr>
+        <p:spPr>
+          <a:xfrm>
+            <a:off x="424800" y="3113280"/>
+            <a:ext cx="626760" cy="219240"/>
+          </a:xfrm>
+          <a:prstGeom prst="rect">
+            <a:avLst/>
+          </a:prstGeom>
+          <a:solidFill>
+            <a:srgbClr val="cccccc"/>
+          </a:solidFill>
+          <a:ln>
+            <a:solidFill>
+              <a:schemeClr val="tx1"/>
+            </a:solidFill>
+            <a:round/>
+          </a:ln>
+          <a:effectLst>
+            <a:outerShdw blurRad="40000" dir="5400000" dist="23040" rotWithShape="0">
+              <a:srgbClr val="000000">
+                <a:alpha val="35000"/>
+              </a:srgbClr>
+            </a:outerShdw>
+          </a:effectLst>
+        </p:spPr>
+        <p:style>
+          <a:lnRef idx="1">
+            <a:schemeClr val="accent1"/>
+          </a:lnRef>
+          <a:fillRef idx="3">
+            <a:schemeClr val="accent1"/>
+          </a:fillRef>
+          <a:effectRef idx="2">
+            <a:schemeClr val="accent1"/>
+          </a:effectRef>
+          <a:fontRef idx="minor"/>
+        </p:style>
+      </p:sp>
+      <p:sp>
+        <p:nvSpPr>
+          <p:cNvPr id="1435" name="CustomShape 59"/>
+          <p:cNvSpPr/>
+          <p:nvPr/>
+        </p:nvSpPr>
+        <p:spPr>
+          <a:xfrm>
+            <a:off x="1052280" y="3113280"/>
+            <a:ext cx="626760" cy="219240"/>
+          </a:xfrm>
+          <a:prstGeom prst="rect">
+            <a:avLst/>
+          </a:prstGeom>
+          <a:solidFill>
+            <a:srgbClr val="cccccc"/>
+          </a:solidFill>
+          <a:ln>
+            <a:solidFill>
+              <a:schemeClr val="tx1"/>
+            </a:solidFill>
+            <a:round/>
+          </a:ln>
+          <a:effectLst>
+            <a:outerShdw blurRad="40000" dir="5400000" dist="23040" rotWithShape="0">
+              <a:srgbClr val="000000">
+                <a:alpha val="35000"/>
+              </a:srgbClr>
+            </a:outerShdw>
+          </a:effectLst>
+        </p:spPr>
+        <p:style>
+          <a:lnRef idx="1">
+            <a:schemeClr val="accent1"/>
+          </a:lnRef>
+          <a:fillRef idx="3">
+            <a:schemeClr val="accent1"/>
+          </a:fillRef>
+          <a:effectRef idx="2">
+            <a:schemeClr val="accent1"/>
+          </a:effectRef>
+          <a:fontRef idx="minor"/>
+        </p:style>
+      </p:sp>
+      <p:sp>
+        <p:nvSpPr>
+          <p:cNvPr id="1436" name="CustomShape 60"/>
+          <p:cNvSpPr/>
+          <p:nvPr/>
+        </p:nvSpPr>
+        <p:spPr>
+          <a:xfrm>
+            <a:off x="1679760" y="3113280"/>
+            <a:ext cx="626760" cy="219240"/>
+          </a:xfrm>
+          <a:prstGeom prst="rect">
+            <a:avLst/>
+          </a:prstGeom>
+          <a:solidFill>
+            <a:srgbClr val="cccccc"/>
+          </a:solidFill>
+          <a:ln>
+            <a:solidFill>
+              <a:schemeClr val="tx1"/>
+            </a:solidFill>
+            <a:round/>
+          </a:ln>
+          <a:effectLst>
+            <a:outerShdw blurRad="40000" dir="5400000" dist="23040" rotWithShape="0">
+              <a:srgbClr val="000000">
+                <a:alpha val="35000"/>
+              </a:srgbClr>
+            </a:outerShdw>
+          </a:effectLst>
+        </p:spPr>
+        <p:style>
+          <a:lnRef idx="1">
+            <a:schemeClr val="accent1"/>
+          </a:lnRef>
+          <a:fillRef idx="3">
+            <a:schemeClr val="accent1"/>
+          </a:fillRef>
+          <a:effectRef idx="2">
+            <a:schemeClr val="accent1"/>
+          </a:effectRef>
+          <a:fontRef idx="minor"/>
+        </p:style>
+      </p:sp>
+      <p:sp>
+        <p:nvSpPr>
+          <p:cNvPr id="1437" name="CustomShape 61"/>
+          <p:cNvSpPr/>
+          <p:nvPr/>
+        </p:nvSpPr>
+        <p:spPr>
+          <a:xfrm>
+            <a:off x="716040" y="3332520"/>
+            <a:ext cx="626760" cy="218880"/>
+          </a:xfrm>
+          <a:prstGeom prst="rect">
+            <a:avLst/>
+          </a:prstGeom>
+          <a:solidFill>
+            <a:srgbClr val="cccccc"/>
+          </a:solidFill>
+          <a:ln>
+            <a:solidFill>
+              <a:schemeClr val="tx1"/>
+            </a:solidFill>
+            <a:round/>
+          </a:ln>
+          <a:effectLst>
+            <a:outerShdw blurRad="40000" dir="5400000" dist="23040" rotWithShape="0">
+              <a:srgbClr val="000000">
+                <a:alpha val="35000"/>
+              </a:srgbClr>
+            </a:outerShdw>
+          </a:effectLst>
+        </p:spPr>
+        <p:style>
+          <a:lnRef idx="1">
+            <a:schemeClr val="accent1"/>
+          </a:lnRef>
+          <a:fillRef idx="3">
+            <a:schemeClr val="accent1"/>
+          </a:fillRef>
+          <a:effectRef idx="2">
+            <a:schemeClr val="accent1"/>
+          </a:effectRef>
+          <a:fontRef idx="minor"/>
+        </p:style>
+      </p:sp>
+      <p:sp>
+        <p:nvSpPr>
+          <p:cNvPr id="1438" name="CustomShape 62"/>
+          <p:cNvSpPr/>
+          <p:nvPr/>
+        </p:nvSpPr>
+        <p:spPr>
+          <a:xfrm>
+            <a:off x="1343520" y="3332520"/>
+            <a:ext cx="626760" cy="218880"/>
+          </a:xfrm>
+          <a:prstGeom prst="rect">
+            <a:avLst/>
+          </a:prstGeom>
+          <a:solidFill>
+            <a:srgbClr val="cccccc"/>
+          </a:solidFill>
+          <a:ln>
+            <a:solidFill>
+              <a:schemeClr val="tx1"/>
+            </a:solidFill>
+            <a:round/>
+          </a:ln>
+          <a:effectLst>
+            <a:outerShdw blurRad="40000" dir="5400000" dist="23040" rotWithShape="0">
+              <a:srgbClr val="000000">
+                <a:alpha val="35000"/>
+              </a:srgbClr>
+            </a:outerShdw>
+          </a:effectLst>
+        </p:spPr>
+        <p:style>
+          <a:lnRef idx="1">
+            <a:schemeClr val="accent1"/>
+          </a:lnRef>
+          <a:fillRef idx="3">
+            <a:schemeClr val="accent1"/>
+          </a:fillRef>
+          <a:effectRef idx="2">
+            <a:schemeClr val="accent1"/>
+          </a:effectRef>
+          <a:fontRef idx="minor"/>
+        </p:style>
+      </p:sp>
+      <p:sp>
+        <p:nvSpPr>
+          <p:cNvPr id="1439" name="CustomShape 63"/>
+          <p:cNvSpPr/>
+          <p:nvPr/>
+        </p:nvSpPr>
+        <p:spPr>
+          <a:xfrm>
+            <a:off x="1971000" y="3332520"/>
+            <a:ext cx="626760" cy="218880"/>
+          </a:xfrm>
+          <a:prstGeom prst="rect">
+            <a:avLst/>
+          </a:prstGeom>
+          <a:solidFill>
+            <a:srgbClr val="cccccc"/>
+          </a:solidFill>
+          <a:ln>
+            <a:solidFill>
+              <a:schemeClr val="tx1"/>
+            </a:solidFill>
+            <a:round/>
+          </a:ln>
+          <a:effectLst>
+            <a:outerShdw blurRad="40000" dir="5400000" dist="23040" rotWithShape="0">
+              <a:srgbClr val="000000">
+                <a:alpha val="35000"/>
+              </a:srgbClr>
+            </a:outerShdw>
+          </a:effectLst>
+        </p:spPr>
+        <p:style>
+          <a:lnRef idx="1">
+            <a:schemeClr val="accent1"/>
+          </a:lnRef>
+          <a:fillRef idx="3">
+            <a:schemeClr val="accent1"/>
+          </a:fillRef>
+          <a:effectRef idx="2">
+            <a:schemeClr val="accent1"/>
+          </a:effectRef>
+          <a:fontRef idx="minor"/>
+        </p:style>
+      </p:sp>
+      <p:sp>
+        <p:nvSpPr>
+          <p:cNvPr id="1440" name="CustomShape 64"/>
+          <p:cNvSpPr/>
+          <p:nvPr/>
+        </p:nvSpPr>
+        <p:spPr>
+          <a:xfrm>
+            <a:off x="1008720" y="3553200"/>
+            <a:ext cx="626760" cy="218880"/>
+          </a:xfrm>
+          <a:prstGeom prst="rect">
+            <a:avLst/>
+          </a:prstGeom>
+          <a:solidFill>
+            <a:srgbClr val="cccccc"/>
+          </a:solidFill>
+          <a:ln>
+            <a:solidFill>
+              <a:schemeClr val="tx1"/>
+            </a:solidFill>
+            <a:round/>
+          </a:ln>
+          <a:effectLst>
+            <a:outerShdw blurRad="40000" dir="5400000" dist="23040" rotWithShape="0">
+              <a:srgbClr val="000000">
+                <a:alpha val="35000"/>
+              </a:srgbClr>
+            </a:outerShdw>
+          </a:effectLst>
+        </p:spPr>
+        <p:style>
+          <a:lnRef idx="1">
+            <a:schemeClr val="accent1"/>
+          </a:lnRef>
+          <a:fillRef idx="3">
+            <a:schemeClr val="accent1"/>
+          </a:fillRef>
+          <a:effectRef idx="2">
+            <a:schemeClr val="accent1"/>
+          </a:effectRef>
+          <a:fontRef idx="minor"/>
+        </p:style>
+      </p:sp>
+      <p:sp>
+        <p:nvSpPr>
+          <p:cNvPr id="1441" name="CustomShape 65"/>
+          <p:cNvSpPr/>
+          <p:nvPr/>
+        </p:nvSpPr>
+        <p:spPr>
+          <a:xfrm>
+            <a:off x="1636200" y="3553200"/>
+            <a:ext cx="626760" cy="218880"/>
+          </a:xfrm>
+          <a:prstGeom prst="rect">
+            <a:avLst/>
+          </a:prstGeom>
+          <a:solidFill>
+            <a:srgbClr val="cccccc"/>
+          </a:solidFill>
+          <a:ln>
+            <a:solidFill>
+              <a:schemeClr val="tx1"/>
+            </a:solidFill>
+            <a:round/>
+          </a:ln>
+          <a:effectLst>
+            <a:outerShdw blurRad="40000" dir="5400000" dist="23040" rotWithShape="0">
+              <a:srgbClr val="000000">
+                <a:alpha val="35000"/>
+              </a:srgbClr>
+            </a:outerShdw>
+          </a:effectLst>
+        </p:spPr>
+        <p:style>
+          <a:lnRef idx="1">
+            <a:schemeClr val="accent1"/>
+          </a:lnRef>
+          <a:fillRef idx="3">
+            <a:schemeClr val="accent1"/>
+          </a:fillRef>
+          <a:effectRef idx="2">
+            <a:schemeClr val="accent1"/>
+          </a:effectRef>
+          <a:fontRef idx="minor"/>
+        </p:style>
+      </p:sp>
+      <p:sp>
+        <p:nvSpPr>
+          <p:cNvPr id="1442" name="CustomShape 66"/>
+          <p:cNvSpPr/>
+          <p:nvPr/>
+        </p:nvSpPr>
+        <p:spPr>
+          <a:xfrm>
+            <a:off x="2263320" y="3553200"/>
+            <a:ext cx="645480" cy="218880"/>
+          </a:xfrm>
+          <a:prstGeom prst="rect">
+            <a:avLst/>
+          </a:prstGeom>
+          <a:solidFill>
+            <a:srgbClr val="cccccc"/>
+          </a:solidFill>
+          <a:ln>
+            <a:solidFill>
+              <a:schemeClr val="tx1"/>
+            </a:solidFill>
+            <a:round/>
+          </a:ln>
+          <a:effectLst>
+            <a:outerShdw blurRad="40000" dir="5400000" dist="23040" rotWithShape="0">
+              <a:srgbClr val="000000">
+                <a:alpha val="35000"/>
+              </a:srgbClr>
+            </a:outerShdw>
+          </a:effectLst>
+        </p:spPr>
+        <p:style>
+          <a:lnRef idx="1">
+            <a:schemeClr val="accent1"/>
+          </a:lnRef>
+          <a:fillRef idx="3">
+            <a:schemeClr val="accent1"/>
+          </a:fillRef>
+          <a:effectRef idx="2">
+            <a:schemeClr val="accent1"/>
+          </a:effectRef>
+          <a:fontRef idx="minor"/>
+        </p:style>
+      </p:sp>
+      <p:sp>
+        <p:nvSpPr>
+          <p:cNvPr id="1443" name="Line 67"/>
+          <p:cNvSpPr/>
+          <p:nvPr/>
+        </p:nvSpPr>
+        <p:spPr>
+          <a:xfrm>
+            <a:off x="424800" y="3113280"/>
+            <a:ext cx="0" cy="147240"/>
+          </a:xfrm>
+          <a:prstGeom prst="line">
+            <a:avLst/>
+          </a:prstGeom>
+          <a:ln>
+            <a:solidFill>
+              <a:srgbClr val="000000"/>
+            </a:solidFill>
+          </a:ln>
+        </p:spPr>
+        <p:style>
+          <a:lnRef idx="0"/>
+          <a:fillRef idx="0"/>
+          <a:effectRef idx="0"/>
+          <a:fontRef idx="minor"/>
+        </p:style>
+      </p:sp>
+      <p:sp>
+        <p:nvSpPr>
+          <p:cNvPr id="1444" name="Line 68"/>
+          <p:cNvSpPr/>
+          <p:nvPr/>
+        </p:nvSpPr>
+        <p:spPr>
+          <a:xfrm>
+            <a:off x="1317960" y="3784320"/>
+            <a:ext cx="0" cy="147240"/>
+          </a:xfrm>
+          <a:prstGeom prst="line">
+            <a:avLst/>
+          </a:prstGeom>
+          <a:ln>
+            <a:solidFill>
+              <a:srgbClr val="000000"/>
+            </a:solidFill>
+          </a:ln>
+        </p:spPr>
+        <p:style>
+          <a:lnRef idx="0"/>
+          <a:fillRef idx="0"/>
+          <a:effectRef idx="0"/>
+          <a:fontRef idx="minor"/>
+        </p:style>
+      </p:sp>
+      <p:sp>
+        <p:nvSpPr>
+          <p:cNvPr id="1445" name="Line 69"/>
+          <p:cNvSpPr/>
+          <p:nvPr/>
+        </p:nvSpPr>
+        <p:spPr>
+          <a:xfrm>
+            <a:off x="424800" y="3260520"/>
+            <a:ext cx="856800" cy="663120"/>
+          </a:xfrm>
+          <a:prstGeom prst="line">
+            <a:avLst/>
+          </a:prstGeom>
+          <a:ln>
+            <a:solidFill>
+              <a:srgbClr val="000000"/>
+            </a:solidFill>
+          </a:ln>
+        </p:spPr>
+        <p:style>
+          <a:lnRef idx="0"/>
+          <a:fillRef idx="0"/>
+          <a:effectRef idx="0"/>
+          <a:fontRef idx="minor"/>
+        </p:style>
+      </p:sp>
+      <p:sp>
+        <p:nvSpPr>
+          <p:cNvPr id="1446" name="Line 70"/>
+          <p:cNvSpPr/>
+          <p:nvPr/>
+        </p:nvSpPr>
+        <p:spPr>
+          <a:xfrm>
+            <a:off x="1281600" y="3923640"/>
+            <a:ext cx="1917360" cy="0"/>
+          </a:xfrm>
+          <a:prstGeom prst="line">
+            <a:avLst/>
+          </a:prstGeom>
+          <a:ln>
+            <a:solidFill>
+              <a:srgbClr val="000000"/>
+            </a:solidFill>
+          </a:ln>
+        </p:spPr>
+        <p:style>
+          <a:lnRef idx="0"/>
+          <a:fillRef idx="0"/>
+          <a:effectRef idx="0"/>
+          <a:fontRef idx="minor"/>
+        </p:style>
+      </p:sp>
+      <p:sp>
+        <p:nvSpPr>
+          <p:cNvPr id="1447" name="Line 71"/>
+          <p:cNvSpPr/>
+          <p:nvPr/>
+        </p:nvSpPr>
+        <p:spPr>
+          <a:xfrm>
+            <a:off x="3189960" y="3784680"/>
+            <a:ext cx="0" cy="147240"/>
+          </a:xfrm>
+          <a:prstGeom prst="line">
+            <a:avLst/>
+          </a:prstGeom>
+          <a:ln>
+            <a:solidFill>
+              <a:srgbClr val="000000"/>
+            </a:solidFill>
+          </a:ln>
+        </p:spPr>
+        <p:style>
+          <a:lnRef idx="0"/>
+          <a:fillRef idx="0"/>
+          <a:effectRef idx="0"/>
+          <a:fontRef idx="minor"/>
+        </p:style>
+      </p:sp>
+      <p:sp>
+        <p:nvSpPr>
+          <p:cNvPr id="1448" name="TextShape 72"/>
+          <p:cNvSpPr txBox="1"/>
+          <p:nvPr/>
+        </p:nvSpPr>
+        <p:spPr>
+          <a:xfrm>
+            <a:off x="4942080" y="2305440"/>
+            <a:ext cx="731520" cy="346320"/>
+          </a:xfrm>
+          <a:prstGeom prst="rect">
+            <a:avLst/>
+          </a:prstGeom>
+          <a:noFill/>
+          <a:ln>
+            <a:noFill/>
+          </a:ln>
+        </p:spPr>
+        <p:txBody>
+          <a:bodyPr lIns="90000" rIns="90000" tIns="45000" bIns="45000"/>
+          <a:p>
+            <a:r>
+              <a:rPr b="0" lang="en-US" sz="1800" spc="-1" strike="noStrike">
+                <a:latin typeface="Arial"/>
+              </a:rPr>
+              <a:t>1</a:t>
+            </a:r>
+            <a:endParaRPr b="0" lang="en-US" sz="1800" spc="-1" strike="noStrike">
+              <a:latin typeface="Arial"/>
+            </a:endParaRPr>
+          </a:p>
+        </p:txBody>
+      </p:sp>
+      <p:sp>
+        <p:nvSpPr>
+          <p:cNvPr id="1449" name="TextShape 73"/>
+          <p:cNvSpPr txBox="1"/>
+          <p:nvPr/>
+        </p:nvSpPr>
+        <p:spPr>
+          <a:xfrm>
+            <a:off x="5486400" y="2762640"/>
+            <a:ext cx="731520" cy="346320"/>
+          </a:xfrm>
+          <a:prstGeom prst="rect">
+            <a:avLst/>
+          </a:prstGeom>
+          <a:noFill/>
+          <a:ln>
+            <a:noFill/>
+          </a:ln>
+        </p:spPr>
+        <p:txBody>
+          <a:bodyPr lIns="90000" rIns="90000" tIns="45000" bIns="45000"/>
+          <a:p>
+            <a:r>
+              <a:rPr b="0" lang="en-US" sz="1800" spc="-1" strike="noStrike">
+                <a:latin typeface="Arial"/>
+              </a:rPr>
+              <a:t>1</a:t>
+            </a:r>
+            <a:endParaRPr b="0" lang="en-US" sz="1800" spc="-1" strike="noStrike">
+              <a:latin typeface="Arial"/>
+            </a:endParaRPr>
+          </a:p>
+        </p:txBody>
+      </p:sp>
+      <p:sp>
+        <p:nvSpPr>
+          <p:cNvPr id="1450" name="TextShape 74"/>
+          <p:cNvSpPr txBox="1"/>
+          <p:nvPr/>
+        </p:nvSpPr>
+        <p:spPr>
+          <a:xfrm>
+            <a:off x="4887360" y="3657600"/>
+            <a:ext cx="731520" cy="346320"/>
+          </a:xfrm>
+          <a:prstGeom prst="rect">
+            <a:avLst/>
+          </a:prstGeom>
+          <a:noFill/>
+          <a:ln>
+            <a:noFill/>
+          </a:ln>
+        </p:spPr>
+        <p:txBody>
+          <a:bodyPr lIns="90000" rIns="90000" tIns="45000" bIns="45000"/>
+          <a:p>
+            <a:r>
+              <a:rPr b="0" lang="en-US" sz="1800" spc="-1" strike="noStrike">
+                <a:latin typeface="Arial"/>
+              </a:rPr>
+              <a:t>1</a:t>
+            </a:r>
+            <a:endParaRPr b="0" lang="en-US" sz="1800" spc="-1" strike="noStrike">
+              <a:latin typeface="Arial"/>
+            </a:endParaRPr>
+          </a:p>
+        </p:txBody>
+      </p:sp>
+      <p:sp>
+        <p:nvSpPr>
+          <p:cNvPr id="1451" name="TextShape 75"/>
+          <p:cNvSpPr txBox="1"/>
+          <p:nvPr/>
+        </p:nvSpPr>
+        <p:spPr>
+          <a:xfrm>
+            <a:off x="4350240" y="4107600"/>
+            <a:ext cx="731520" cy="346320"/>
+          </a:xfrm>
+          <a:prstGeom prst="rect">
+            <a:avLst/>
+          </a:prstGeom>
+          <a:noFill/>
+          <a:ln>
+            <a:noFill/>
+          </a:ln>
+        </p:spPr>
+        <p:txBody>
+          <a:bodyPr lIns="90000" rIns="90000" tIns="45000" bIns="45000"/>
+          <a:p>
+            <a:r>
+              <a:rPr b="0" lang="en-US" sz="1800" spc="-1" strike="noStrike">
+                <a:latin typeface="Arial"/>
+              </a:rPr>
+              <a:t>1</a:t>
+            </a:r>
+            <a:endParaRPr b="0" lang="en-US" sz="1800" spc="-1" strike="noStrike">
+              <a:latin typeface="Arial"/>
+            </a:endParaRPr>
+          </a:p>
+        </p:txBody>
+      </p:sp>
+      <p:sp>
+        <p:nvSpPr>
+          <p:cNvPr id="1452" name="TextShape 76"/>
+          <p:cNvSpPr txBox="1"/>
+          <p:nvPr/>
+        </p:nvSpPr>
+        <p:spPr>
+          <a:xfrm>
+            <a:off x="4962240" y="4107600"/>
+            <a:ext cx="731520" cy="346320"/>
+          </a:xfrm>
+          <a:prstGeom prst="rect">
+            <a:avLst/>
+          </a:prstGeom>
+          <a:noFill/>
+          <a:ln>
+            <a:noFill/>
+          </a:ln>
+        </p:spPr>
+        <p:txBody>
+          <a:bodyPr lIns="90000" rIns="90000" tIns="45000" bIns="45000"/>
+          <a:p>
+            <a:r>
+              <a:rPr b="0" lang="en-US" sz="1800" spc="-1" strike="noStrike">
+                <a:latin typeface="Arial"/>
+              </a:rPr>
+              <a:t>1</a:t>
+            </a:r>
+            <a:endParaRPr b="0" lang="en-US" sz="1800" spc="-1" strike="noStrike">
+              <a:latin typeface="Arial"/>
+            </a:endParaRPr>
+          </a:p>
+        </p:txBody>
+      </p:sp>
+      <p:sp>
+        <p:nvSpPr>
+          <p:cNvPr id="1453" name="TextShape 77"/>
+          <p:cNvSpPr txBox="1"/>
+          <p:nvPr/>
+        </p:nvSpPr>
+        <p:spPr>
+          <a:xfrm>
+            <a:off x="5610240" y="4107600"/>
+            <a:ext cx="731520" cy="346320"/>
+          </a:xfrm>
+          <a:prstGeom prst="rect">
+            <a:avLst/>
+          </a:prstGeom>
+          <a:noFill/>
+          <a:ln>
+            <a:noFill/>
+          </a:ln>
+        </p:spPr>
+        <p:txBody>
+          <a:bodyPr lIns="90000" rIns="90000" tIns="45000" bIns="45000"/>
+          <a:p>
+            <a:r>
+              <a:rPr b="0" lang="en-US" sz="1800" spc="-1" strike="noStrike">
+                <a:latin typeface="Arial"/>
+              </a:rPr>
+              <a:t>1</a:t>
+            </a:r>
+            <a:endParaRPr b="0" lang="en-US" sz="1800" spc="-1" strike="noStrike">
+              <a:latin typeface="Arial"/>
+            </a:endParaRPr>
+          </a:p>
+        </p:txBody>
+      </p:sp>
+      <p:sp>
+        <p:nvSpPr>
+          <p:cNvPr id="1454" name="TextShape 78"/>
+          <p:cNvSpPr txBox="1"/>
+          <p:nvPr/>
+        </p:nvSpPr>
+        <p:spPr>
+          <a:xfrm>
+            <a:off x="4602240" y="4323600"/>
+            <a:ext cx="731520" cy="346320"/>
+          </a:xfrm>
+          <a:prstGeom prst="rect">
+            <a:avLst/>
+          </a:prstGeom>
+          <a:noFill/>
+          <a:ln>
+            <a:noFill/>
+          </a:ln>
+        </p:spPr>
+        <p:txBody>
+          <a:bodyPr lIns="90000" rIns="90000" tIns="45000" bIns="45000"/>
+          <a:p>
+            <a:r>
+              <a:rPr b="0" lang="en-US" sz="1800" spc="-1" strike="noStrike">
+                <a:latin typeface="Arial"/>
+              </a:rPr>
+              <a:t>1</a:t>
+            </a:r>
+            <a:endParaRPr b="0" lang="en-US" sz="1800" spc="-1" strike="noStrike">
+              <a:latin typeface="Arial"/>
+            </a:endParaRPr>
+          </a:p>
+        </p:txBody>
+      </p:sp>
+      <p:sp>
+        <p:nvSpPr>
+          <p:cNvPr id="1455" name="TextShape 79"/>
+          <p:cNvSpPr txBox="1"/>
+          <p:nvPr/>
+        </p:nvSpPr>
+        <p:spPr>
+          <a:xfrm>
+            <a:off x="4854240" y="4539600"/>
+            <a:ext cx="731520" cy="346320"/>
+          </a:xfrm>
+          <a:prstGeom prst="rect">
+            <a:avLst/>
+          </a:prstGeom>
+          <a:noFill/>
+          <a:ln>
+            <a:noFill/>
+          </a:ln>
+        </p:spPr>
+        <p:txBody>
+          <a:bodyPr lIns="90000" rIns="90000" tIns="45000" bIns="45000"/>
+          <a:p>
+            <a:r>
+              <a:rPr b="0" lang="en-US" sz="1800" spc="-1" strike="noStrike">
+                <a:latin typeface="Arial"/>
+              </a:rPr>
+              <a:t>1</a:t>
+            </a:r>
+            <a:endParaRPr b="0" lang="en-US" sz="1800" spc="-1" strike="noStrike">
+              <a:latin typeface="Arial"/>
+            </a:endParaRPr>
+          </a:p>
+        </p:txBody>
+      </p:sp>
+      <p:sp>
+        <p:nvSpPr>
+          <p:cNvPr id="1456" name="TextShape 80"/>
+          <p:cNvSpPr txBox="1"/>
+          <p:nvPr/>
+        </p:nvSpPr>
+        <p:spPr>
+          <a:xfrm>
+            <a:off x="5214240" y="4323600"/>
+            <a:ext cx="731520" cy="346320"/>
+          </a:xfrm>
+          <a:prstGeom prst="rect">
+            <a:avLst/>
+          </a:prstGeom>
+          <a:noFill/>
+          <a:ln>
+            <a:noFill/>
+          </a:ln>
+        </p:spPr>
+        <p:txBody>
+          <a:bodyPr lIns="90000" rIns="90000" tIns="45000" bIns="45000"/>
+          <a:p>
+            <a:r>
+              <a:rPr b="0" lang="en-US" sz="1800" spc="-1" strike="noStrike">
+                <a:latin typeface="Arial"/>
+              </a:rPr>
+              <a:t>1</a:t>
+            </a:r>
+            <a:endParaRPr b="0" lang="en-US" sz="1800" spc="-1" strike="noStrike">
+              <a:latin typeface="Arial"/>
+            </a:endParaRPr>
+          </a:p>
+        </p:txBody>
+      </p:sp>
+      <p:sp>
+        <p:nvSpPr>
+          <p:cNvPr id="1457" name="TextShape 81"/>
+          <p:cNvSpPr txBox="1"/>
+          <p:nvPr/>
+        </p:nvSpPr>
+        <p:spPr>
+          <a:xfrm>
+            <a:off x="5466240" y="4539600"/>
+            <a:ext cx="731520" cy="346320"/>
+          </a:xfrm>
+          <a:prstGeom prst="rect">
+            <a:avLst/>
+          </a:prstGeom>
+          <a:noFill/>
+          <a:ln>
+            <a:noFill/>
+          </a:ln>
+        </p:spPr>
+        <p:txBody>
+          <a:bodyPr lIns="90000" rIns="90000" tIns="45000" bIns="45000"/>
+          <a:p>
+            <a:r>
+              <a:rPr b="0" lang="en-US" sz="1800" spc="-1" strike="noStrike">
+                <a:latin typeface="Arial"/>
+              </a:rPr>
+              <a:t>1</a:t>
+            </a:r>
+            <a:endParaRPr b="0" lang="en-US" sz="1800" spc="-1" strike="noStrike">
+              <a:latin typeface="Arial"/>
+            </a:endParaRPr>
+          </a:p>
+        </p:txBody>
+      </p:sp>
+      <p:sp>
+        <p:nvSpPr>
+          <p:cNvPr id="1458" name="TextShape 82"/>
+          <p:cNvSpPr txBox="1"/>
+          <p:nvPr/>
+        </p:nvSpPr>
+        <p:spPr>
+          <a:xfrm>
+            <a:off x="5826240" y="4323600"/>
+            <a:ext cx="731520" cy="346320"/>
+          </a:xfrm>
+          <a:prstGeom prst="rect">
+            <a:avLst/>
+          </a:prstGeom>
+          <a:noFill/>
+          <a:ln>
+            <a:noFill/>
+          </a:ln>
+        </p:spPr>
+        <p:txBody>
+          <a:bodyPr lIns="90000" rIns="90000" tIns="45000" bIns="45000"/>
+          <a:p>
+            <a:r>
+              <a:rPr b="0" lang="en-US" sz="1800" spc="-1" strike="noStrike">
+                <a:latin typeface="Arial"/>
+              </a:rPr>
+              <a:t>1</a:t>
+            </a:r>
+            <a:endParaRPr b="0" lang="en-US" sz="1800" spc="-1" strike="noStrike">
+              <a:latin typeface="Arial"/>
+            </a:endParaRPr>
+          </a:p>
+        </p:txBody>
+      </p:sp>
+      <p:sp>
+        <p:nvSpPr>
+          <p:cNvPr id="1459" name="TextShape 83"/>
+          <p:cNvSpPr txBox="1"/>
+          <p:nvPr/>
+        </p:nvSpPr>
+        <p:spPr>
+          <a:xfrm>
+            <a:off x="6114240" y="4539600"/>
+            <a:ext cx="731520" cy="346320"/>
+          </a:xfrm>
+          <a:prstGeom prst="rect">
+            <a:avLst/>
+          </a:prstGeom>
+          <a:noFill/>
+          <a:ln>
+            <a:noFill/>
+          </a:ln>
+        </p:spPr>
+        <p:txBody>
+          <a:bodyPr lIns="90000" rIns="90000" tIns="45000" bIns="45000"/>
+          <a:p>
+            <a:r>
+              <a:rPr b="0" lang="en-US" sz="1800" spc="-1" strike="noStrike">
+                <a:latin typeface="Arial"/>
+              </a:rPr>
+              <a:t>1</a:t>
+            </a:r>
+            <a:endParaRPr b="0" lang="en-US" sz="1800" spc="-1" strike="noStrike">
+              <a:latin typeface="Arial"/>
+            </a:endParaRPr>
+          </a:p>
+        </p:txBody>
+      </p:sp>
+      <p:sp>
+        <p:nvSpPr>
+          <p:cNvPr id="1460" name="CustomShape 84"/>
+          <p:cNvSpPr/>
+          <p:nvPr/>
+        </p:nvSpPr>
+        <p:spPr>
+          <a:xfrm>
+            <a:off x="5669280" y="5212080"/>
+            <a:ext cx="3108960" cy="822960"/>
+          </a:xfrm>
+          <a:prstGeom prst="rect">
+            <a:avLst/>
+          </a:prstGeom>
+          <a:solidFill>
+            <a:srgbClr val="333333"/>
+          </a:solidFill>
+          <a:ln>
+            <a:solidFill>
+              <a:srgbClr val="3465a4"/>
+            </a:solidFill>
+          </a:ln>
+        </p:spPr>
+        <p:style>
+          <a:lnRef idx="0"/>
+          <a:fillRef idx="0"/>
+          <a:effectRef idx="0"/>
+          <a:fontRef idx="minor"/>
+        </p:style>
+        <p:txBody>
+          <a:bodyPr wrap="none" lIns="90000" rIns="90000" tIns="45000" bIns="45000" anchor="ctr"/>
+          <a:p>
+            <a:pPr algn="ctr"/>
+            <a:r>
+              <a:rPr b="0" lang="en-US" sz="1800" spc="-1" strike="noStrike">
+                <a:latin typeface="Arial"/>
+              </a:rPr>
+              <a:t>Entire plane of 0’s for X</a:t>
+            </a:r>
+            <a:endParaRPr b="0" lang="en-US" sz="1800" spc="-1" strike="noStrike">
+              <a:latin typeface="Arial"/>
+            </a:endParaRPr>
+          </a:p>
+          <a:p>
+            <a:pPr algn="ctr"/>
+            <a:r>
+              <a:rPr b="0" lang="en-US" sz="1800" spc="-1" strike="noStrike">
+                <a:latin typeface="Arial"/>
+              </a:rPr>
+              <a:t>Entire plane of 1’s for O</a:t>
+            </a:r>
+            <a:endParaRPr b="0" lang="en-US" sz="1800" spc="-1" strike="noStrike">
+              <a:latin typeface="Arial"/>
+            </a:endParaRPr>
+          </a:p>
+        </p:txBody>
+      </p:sp>
+      <p:sp>
+        <p:nvSpPr>
+          <p:cNvPr id="1461" name="CustomShape 85"/>
+          <p:cNvSpPr/>
+          <p:nvPr/>
+        </p:nvSpPr>
+        <p:spPr>
+          <a:xfrm>
+            <a:off x="3053520" y="3311280"/>
+            <a:ext cx="731520" cy="274320"/>
+          </a:xfrm>
+          <a:custGeom>
+            <a:avLst/>
+            <a:gdLst/>
+            <a:ahLst/>
+            <a:rect l="0" t="0" r="r" b="b"/>
+            <a:pathLst>
+              <a:path w="2034" h="764">
+                <a:moveTo>
+                  <a:pt x="0" y="190"/>
+                </a:moveTo>
+                <a:lnTo>
+                  <a:pt x="1524" y="190"/>
+                </a:lnTo>
+                <a:lnTo>
+                  <a:pt x="1524" y="0"/>
+                </a:lnTo>
+                <a:lnTo>
+                  <a:pt x="2033" y="381"/>
+                </a:lnTo>
+                <a:lnTo>
+                  <a:pt x="1524" y="763"/>
+                </a:lnTo>
+                <a:lnTo>
+                  <a:pt x="1524" y="572"/>
+                </a:lnTo>
+                <a:lnTo>
+                  <a:pt x="0" y="572"/>
+                </a:lnTo>
+                <a:lnTo>
+                  <a:pt x="0" y="190"/>
+                </a:lnTo>
+              </a:path>
+            </a:pathLst>
+          </a:custGeom>
+          <a:solidFill>
+            <a:srgbClr val="d03f3b"/>
+          </a:solidFill>
+          <a:ln>
+            <a:solidFill>
+              <a:srgbClr val="3465a4"/>
+            </a:solidFill>
+          </a:ln>
+        </p:spPr>
+        <p:style>
+          <a:lnRef idx="0"/>
+          <a:fillRef idx="0"/>
+          <a:effectRef idx="0"/>
+          <a:fontRef idx="minor"/>
+        </p:style>
+      </p:sp>
     </p:spTree>
   </p:cSld>
   <mc:AlternateContent>
@@ -24153,10 +28452,10 @@
   <p:timing>
     <p:tnLst>
       <p:par>
-        <p:cTn id="29" dur="indefinite" restart="never" nodeType="tmRoot">
+        <p:cTn id="31" dur="indefinite" restart="never" nodeType="tmRoot">
           <p:childTnLst>
             <p:seq>
-              <p:cTn id="30" dur="indefinite" nodeType="mainSeq"/>
+              <p:cTn id="32" dur="indefinite" nodeType="mainSeq"/>
               <p:prevCondLst>
                 <p:cond delay="0" evt="onPrev">
                   <p:tgtEl>
@@ -34748,19 +39047,7 @@
               <a:rPr b="0" lang="en-US" sz="1800" spc="-1" strike="noStrike">
                 <a:latin typeface="TlwgMono"/>
               </a:rPr>
-              <a:t>N</a:t>
-            </a:r>
-            <a:r>
-              <a:rPr b="0" lang="en-US" sz="1800" spc="-1" strike="noStrike">
-                <a:latin typeface="TlwgMono"/>
-              </a:rPr>
-              <a:t>=</a:t>
-            </a:r>
-            <a:r>
-              <a:rPr b="0" lang="en-US" sz="1800" spc="-1" strike="noStrike">
-                <a:latin typeface="TlwgMono"/>
-              </a:rPr>
-              <a:t>0</a:t>
+              <a:t>N=0</a:t>
             </a:r>
             <a:endParaRPr b="0" lang="en-US" sz="1800" spc="-1" strike="noStrike">
               <a:latin typeface="TlwgMono"/>
@@ -34794,19 +39081,7 @@
               <a:rPr b="0" lang="en-US" sz="1800" spc="-1" strike="noStrike">
                 <a:latin typeface="TlwgMono"/>
               </a:rPr>
-              <a:t>N</a:t>
-            </a:r>
-            <a:r>
-              <a:rPr b="0" lang="en-US" sz="1800" spc="-1" strike="noStrike">
-                <a:latin typeface="TlwgMono"/>
-              </a:rPr>
-              <a:t>=</a:t>
-            </a:r>
-            <a:r>
-              <a:rPr b="0" lang="en-US" sz="1800" spc="-1" strike="noStrike">
-                <a:latin typeface="TlwgMono"/>
-              </a:rPr>
-              <a:t>0</a:t>
+              <a:t>N=0</a:t>
             </a:r>
             <a:endParaRPr b="0" lang="en-US" sz="1800" spc="-1" strike="noStrike">
               <a:latin typeface="TlwgMono"/>
@@ -34840,19 +39115,7 @@
               <a:rPr b="0" lang="en-US" sz="1800" spc="-1" strike="noStrike">
                 <a:latin typeface="TlwgMono"/>
               </a:rPr>
-              <a:t>N</a:t>
-            </a:r>
-            <a:r>
-              <a:rPr b="0" lang="en-US" sz="1800" spc="-1" strike="noStrike">
-                <a:latin typeface="TlwgMono"/>
-              </a:rPr>
-              <a:t>=</a:t>
-            </a:r>
-            <a:r>
-              <a:rPr b="0" lang="en-US" sz="1800" spc="-1" strike="noStrike">
-                <a:latin typeface="TlwgMono"/>
-              </a:rPr>
-              <a:t>0</a:t>
+              <a:t>N=0</a:t>
             </a:r>
             <a:endParaRPr b="0" lang="en-US" sz="1800" spc="-1" strike="noStrike">
               <a:latin typeface="TlwgMono"/>
@@ -34886,19 +39149,7 @@
               <a:rPr b="0" lang="en-US" sz="1800" spc="-1" strike="noStrike">
                 <a:latin typeface="TlwgMono"/>
               </a:rPr>
-              <a:t>N</a:t>
-            </a:r>
-            <a:r>
-              <a:rPr b="0" lang="en-US" sz="1800" spc="-1" strike="noStrike">
-                <a:latin typeface="TlwgMono"/>
-              </a:rPr>
-              <a:t>=</a:t>
-            </a:r>
-            <a:r>
-              <a:rPr b="0" lang="en-US" sz="1800" spc="-1" strike="noStrike">
-                <a:latin typeface="TlwgMono"/>
-              </a:rPr>
-              <a:t>0</a:t>
+              <a:t>N=0</a:t>
             </a:r>
             <a:endParaRPr b="0" lang="en-US" sz="1800" spc="-1" strike="noStrike">
               <a:latin typeface="TlwgMono"/>
@@ -34932,13 +39183,7 @@
               <a:rPr b="0" lang="en-US" sz="1800" spc="-1" strike="noStrike">
                 <a:latin typeface="TlwgMono"/>
               </a:rPr>
-              <a:t>N=</a:t>
-            </a:r>
-            <a:r>
-              <a:rPr b="0" lang="en-US" sz="1800" spc="-1" strike="noStrike">
-                <a:latin typeface="TlwgMono"/>
-              </a:rPr>
-              <a:t>0</a:t>
+              <a:t>N=0</a:t>
             </a:r>
             <a:endParaRPr b="0" lang="en-US" sz="1800" spc="-1" strike="noStrike">
               <a:latin typeface="TlwgMono"/>
@@ -39990,19 +44235,7 @@
               <a:rPr b="0" lang="en-US" sz="1800" spc="-1" strike="noStrike">
                 <a:latin typeface="TlwgMono"/>
               </a:rPr>
-              <a:t>N=</a:t>
-            </a:r>
-            <a:r>
-              <a:rPr b="0" lang="en-US" sz="1800" spc="-1" strike="noStrike">
-                <a:latin typeface="TlwgMono"/>
-              </a:rPr>
-              <a:t>20</a:t>
-            </a:r>
-            <a:r>
-              <a:rPr b="0" lang="en-US" sz="1800" spc="-1" strike="noStrike">
-                <a:latin typeface="TlwgMono"/>
-              </a:rPr>
-              <a:t>0</a:t>
+              <a:t>N=200</a:t>
             </a:r>
             <a:endParaRPr b="0" lang="en-US" sz="1800" spc="-1" strike="noStrike">
               <a:latin typeface="TlwgMono"/>
@@ -40036,13 +44269,7 @@
               <a:rPr b="0" lang="en-US" sz="1800" spc="-1" strike="noStrike">
                 <a:latin typeface="TlwgMono"/>
               </a:rPr>
-              <a:t>N=</a:t>
-            </a:r>
-            <a:r>
-              <a:rPr b="0" lang="en-US" sz="1800" spc="-1" strike="noStrike">
-                <a:latin typeface="TlwgMono"/>
-              </a:rPr>
-              <a:t>30</a:t>
+              <a:t>N=30</a:t>
             </a:r>
             <a:endParaRPr b="0" lang="en-US" sz="1800" spc="-1" strike="noStrike">
               <a:latin typeface="TlwgMono"/>
@@ -40076,19 +44303,7 @@
               <a:rPr b="0" lang="en-US" sz="1800" spc="-1" strike="noStrike">
                 <a:latin typeface="TlwgMono"/>
               </a:rPr>
-              <a:t>N=</a:t>
-            </a:r>
-            <a:r>
-              <a:rPr b="0" lang="en-US" sz="1800" spc="-1" strike="noStrike">
-                <a:latin typeface="TlwgMono"/>
-              </a:rPr>
-              <a:t>16</a:t>
-            </a:r>
-            <a:r>
-              <a:rPr b="0" lang="en-US" sz="1800" spc="-1" strike="noStrike">
-                <a:latin typeface="TlwgMono"/>
-              </a:rPr>
-              <a:t>0</a:t>
+              <a:t>N=160</a:t>
             </a:r>
             <a:endParaRPr b="0" lang="en-US" sz="1800" spc="-1" strike="noStrike">
               <a:latin typeface="TlwgMono"/>
@@ -40122,13 +44337,7 @@
               <a:rPr b="0" lang="en-US" sz="1800" spc="-1" strike="noStrike">
                 <a:latin typeface="TlwgMono"/>
               </a:rPr>
-              <a:t>N=</a:t>
-            </a:r>
-            <a:r>
-              <a:rPr b="0" lang="en-US" sz="1800" spc="-1" strike="noStrike">
-                <a:latin typeface="TlwgMono"/>
-              </a:rPr>
-              <a:t>20</a:t>
+              <a:t>N=20</a:t>
             </a:r>
             <a:endParaRPr b="0" lang="en-US" sz="1800" spc="-1" strike="noStrike">
               <a:latin typeface="TlwgMono"/>
@@ -40162,13 +44371,7 @@
               <a:rPr b="0" lang="en-US" sz="1800" spc="-1" strike="noStrike">
                 <a:latin typeface="TlwgMono"/>
               </a:rPr>
-              <a:t>N=</a:t>
-            </a:r>
-            <a:r>
-              <a:rPr b="0" lang="en-US" sz="1800" spc="-1" strike="noStrike">
-                <a:latin typeface="TlwgMono"/>
-              </a:rPr>
-              <a:t>80</a:t>
+              <a:t>N=80</a:t>
             </a:r>
             <a:endParaRPr b="0" lang="en-US" sz="1800" spc="-1" strike="noStrike">
               <a:latin typeface="TlwgMono"/>
@@ -40202,13 +44405,7 @@
               <a:rPr b="0" lang="en-US" sz="1800" spc="-1" strike="noStrike">
                 <a:latin typeface="TlwgMono"/>
               </a:rPr>
-              <a:t>N=</a:t>
-            </a:r>
-            <a:r>
-              <a:rPr b="0" lang="en-US" sz="1800" spc="-1" strike="noStrike">
-                <a:latin typeface="TlwgMono"/>
-              </a:rPr>
-              <a:t>20</a:t>
+              <a:t>N=20</a:t>
             </a:r>
             <a:endParaRPr b="0" lang="en-US" sz="1800" spc="-1" strike="noStrike">
               <a:latin typeface="TlwgMono"/>
@@ -40242,31 +44439,7 @@
               <a:rPr b="0" lang="en-US" sz="1800" spc="-1" strike="noStrike">
                 <a:latin typeface="TlwgMono"/>
               </a:rPr>
-              <a:t>N</a:t>
-            </a:r>
-            <a:r>
-              <a:rPr b="0" lang="en-US" sz="1800" spc="-1" strike="noStrike">
-                <a:latin typeface="TlwgMono"/>
-              </a:rPr>
-              <a:t>=</a:t>
-            </a:r>
-            <a:r>
-              <a:rPr b="0" lang="en-US" sz="1800" spc="-1" strike="noStrike">
-                <a:latin typeface="TlwgMono"/>
-              </a:rPr>
-              <a:t>1</a:t>
-            </a:r>
-            <a:r>
-              <a:rPr b="0" lang="en-US" sz="1800" spc="-1" strike="noStrike">
-                <a:latin typeface="TlwgMono"/>
-              </a:rPr>
-              <a:t>5</a:t>
-            </a:r>
-            <a:r>
-              <a:rPr b="0" lang="en-US" sz="1800" spc="-1" strike="noStrike">
-                <a:latin typeface="TlwgMono"/>
-              </a:rPr>
-              <a:t>0</a:t>
+              <a:t>N=150</a:t>
             </a:r>
             <a:endParaRPr b="0" lang="en-US" sz="1800" spc="-1" strike="noStrike">
               <a:latin typeface="TlwgMono"/>
@@ -40300,25 +44473,7 @@
               <a:rPr b="0" lang="en-US" sz="1800" spc="-1" strike="noStrike">
                 <a:latin typeface="TlwgMono"/>
               </a:rPr>
-              <a:t>N</a:t>
-            </a:r>
-            <a:r>
-              <a:rPr b="0" lang="en-US" sz="1800" spc="-1" strike="noStrike">
-                <a:latin typeface="TlwgMono"/>
-              </a:rPr>
-              <a:t>=</a:t>
-            </a:r>
-            <a:r>
-              <a:rPr b="0" lang="en-US" sz="1800" spc="-1" strike="noStrike">
-                <a:latin typeface="TlwgMono"/>
-              </a:rPr>
-              <a:t>2</a:t>
-            </a:r>
-            <a:r>
-              <a:rPr b="0" lang="en-US" sz="1800" spc="-1" strike="noStrike">
-                <a:latin typeface="TlwgMono"/>
-              </a:rPr>
-              <a:t>0</a:t>
+              <a:t>N=20</a:t>
             </a:r>
             <a:endParaRPr b="0" lang="en-US" sz="1800" spc="-1" strike="noStrike">
               <a:latin typeface="TlwgMono"/>
@@ -40352,31 +44507,7 @@
               <a:rPr b="0" lang="en-US" sz="1800" spc="-1" strike="noStrike">
                 <a:latin typeface="TlwgMono"/>
               </a:rPr>
-              <a:t>N</a:t>
-            </a:r>
-            <a:r>
-              <a:rPr b="0" lang="en-US" sz="1800" spc="-1" strike="noStrike">
-                <a:latin typeface="TlwgMono"/>
-              </a:rPr>
-              <a:t>=</a:t>
-            </a:r>
-            <a:r>
-              <a:rPr b="0" lang="en-US" sz="1800" spc="-1" strike="noStrike">
-                <a:latin typeface="TlwgMono"/>
-              </a:rPr>
-              <a:t>1</a:t>
-            </a:r>
-            <a:r>
-              <a:rPr b="0" lang="en-US" sz="1800" spc="-1" strike="noStrike">
-                <a:latin typeface="TlwgMono"/>
-              </a:rPr>
-              <a:t>4</a:t>
-            </a:r>
-            <a:r>
-              <a:rPr b="0" lang="en-US" sz="1800" spc="-1" strike="noStrike">
-                <a:latin typeface="TlwgMono"/>
-              </a:rPr>
-              <a:t>0</a:t>
+              <a:t>N=140</a:t>
             </a:r>
             <a:endParaRPr b="0" lang="en-US" sz="1800" spc="-1" strike="noStrike">
               <a:latin typeface="TlwgMono"/>
@@ -40466,19 +44597,7 @@
               <a:rPr b="0" lang="en-US" sz="1800" spc="-1" strike="noStrike">
                 <a:latin typeface="Arial"/>
               </a:rPr>
-              <a:t>p≈</a:t>
-            </a:r>
-            <a:r>
-              <a:rPr b="0" lang="en-US" sz="1800" spc="-1" strike="noStrike">
-                <a:latin typeface="Arial"/>
-              </a:rPr>
-              <a:t>.2</a:t>
-            </a:r>
-            <a:r>
-              <a:rPr b="0" lang="en-US" sz="1800" spc="-1" strike="noStrike">
-                <a:latin typeface="Arial"/>
-              </a:rPr>
-              <a:t>4</a:t>
+              <a:t>p≈.24</a:t>
             </a:r>
             <a:endParaRPr b="0" lang="en-US" sz="1800" spc="-1" strike="noStrike">
               <a:latin typeface="Arial"/>
@@ -40512,19 +44631,7 @@
               <a:rPr b="0" lang="en-US" sz="1800" spc="-1" strike="noStrike">
                 <a:latin typeface="Arial"/>
               </a:rPr>
-              <a:t>p≈</a:t>
-            </a:r>
-            <a:r>
-              <a:rPr b="0" lang="en-US" sz="1800" spc="-1" strike="noStrike">
-                <a:latin typeface="Arial"/>
-              </a:rPr>
-              <a:t>.0</a:t>
-            </a:r>
-            <a:r>
-              <a:rPr b="0" lang="en-US" sz="1800" spc="-1" strike="noStrike">
-                <a:latin typeface="Arial"/>
-              </a:rPr>
-              <a:t>4</a:t>
+              <a:t>p≈.04</a:t>
             </a:r>
             <a:endParaRPr b="0" lang="en-US" sz="1800" spc="-1" strike="noStrike">
               <a:latin typeface="Arial"/>
@@ -40558,19 +44665,7 @@
               <a:rPr b="0" lang="en-US" sz="1800" spc="-1" strike="noStrike">
                 <a:latin typeface="Arial"/>
               </a:rPr>
-              <a:t>p≈</a:t>
-            </a:r>
-            <a:r>
-              <a:rPr b="0" lang="en-US" sz="1800" spc="-1" strike="noStrike">
-                <a:latin typeface="Arial"/>
-              </a:rPr>
-              <a:t>.2</a:t>
-            </a:r>
-            <a:r>
-              <a:rPr b="0" lang="en-US" sz="1800" spc="-1" strike="noStrike">
-                <a:latin typeface="Arial"/>
-              </a:rPr>
-              <a:t>0</a:t>
+              <a:t>p≈.20</a:t>
             </a:r>
             <a:endParaRPr b="0" lang="en-US" sz="1800" spc="-1" strike="noStrike">
               <a:latin typeface="Arial"/>
@@ -40604,19 +44699,7 @@
               <a:rPr b="0" lang="en-US" sz="1800" spc="-1" strike="noStrike">
                 <a:latin typeface="Arial"/>
               </a:rPr>
-              <a:t>p≈</a:t>
-            </a:r>
-            <a:r>
-              <a:rPr b="0" lang="en-US" sz="1800" spc="-1" strike="noStrike">
-                <a:latin typeface="Arial"/>
-              </a:rPr>
-              <a:t>.0</a:t>
-            </a:r>
-            <a:r>
-              <a:rPr b="0" lang="en-US" sz="1800" spc="-1" strike="noStrike">
-                <a:latin typeface="Arial"/>
-              </a:rPr>
-              <a:t>2</a:t>
+              <a:t>p≈.02</a:t>
             </a:r>
             <a:endParaRPr b="0" lang="en-US" sz="1800" spc="-1" strike="noStrike">
               <a:latin typeface="Arial"/>
@@ -40650,19 +44733,7 @@
               <a:rPr b="0" lang="en-US" sz="1800" spc="-1" strike="noStrike">
                 <a:latin typeface="Arial"/>
               </a:rPr>
-              <a:t>p≈</a:t>
-            </a:r>
-            <a:r>
-              <a:rPr b="0" lang="en-US" sz="1800" spc="-1" strike="noStrike">
-                <a:latin typeface="Arial"/>
-              </a:rPr>
-              <a:t>.1</a:t>
-            </a:r>
-            <a:r>
-              <a:rPr b="0" lang="en-US" sz="1800" spc="-1" strike="noStrike">
-                <a:latin typeface="Arial"/>
-              </a:rPr>
-              <a:t>0</a:t>
+              <a:t>p≈.10</a:t>
             </a:r>
             <a:endParaRPr b="0" lang="en-US" sz="1800" spc="-1" strike="noStrike">
               <a:latin typeface="Arial"/>
@@ -40696,19 +44767,7 @@
               <a:rPr b="0" lang="en-US" sz="1800" spc="-1" strike="noStrike">
                 <a:latin typeface="Arial"/>
               </a:rPr>
-              <a:t>p≈</a:t>
-            </a:r>
-            <a:r>
-              <a:rPr b="0" lang="en-US" sz="1800" spc="-1" strike="noStrike">
-                <a:latin typeface="Arial"/>
-              </a:rPr>
-              <a:t>.0</a:t>
-            </a:r>
-            <a:r>
-              <a:rPr b="0" lang="en-US" sz="1800" spc="-1" strike="noStrike">
-                <a:latin typeface="Arial"/>
-              </a:rPr>
-              <a:t>2</a:t>
+              <a:t>p≈.02</a:t>
             </a:r>
             <a:endParaRPr b="0" lang="en-US" sz="1800" spc="-1" strike="noStrike">
               <a:latin typeface="Arial"/>
@@ -40742,19 +44801,7 @@
               <a:rPr b="0" lang="en-US" sz="1800" spc="-1" strike="noStrike">
                 <a:latin typeface="Arial"/>
               </a:rPr>
-              <a:t>p≈</a:t>
-            </a:r>
-            <a:r>
-              <a:rPr b="0" lang="en-US" sz="1800" spc="-1" strike="noStrike">
-                <a:latin typeface="Arial"/>
-              </a:rPr>
-              <a:t>.1</a:t>
-            </a:r>
-            <a:r>
-              <a:rPr b="0" lang="en-US" sz="1800" spc="-1" strike="noStrike">
-                <a:latin typeface="Arial"/>
-              </a:rPr>
-              <a:t>8</a:t>
+              <a:t>p≈.18</a:t>
             </a:r>
             <a:endParaRPr b="0" lang="en-US" sz="1800" spc="-1" strike="noStrike">
               <a:latin typeface="Arial"/>
@@ -40788,19 +44835,7 @@
               <a:rPr b="0" lang="en-US" sz="1800" spc="-1" strike="noStrike">
                 <a:latin typeface="Arial"/>
               </a:rPr>
-              <a:t>p≈</a:t>
-            </a:r>
-            <a:r>
-              <a:rPr b="0" lang="en-US" sz="1800" spc="-1" strike="noStrike">
-                <a:latin typeface="Arial"/>
-              </a:rPr>
-              <a:t>.0</a:t>
-            </a:r>
-            <a:r>
-              <a:rPr b="0" lang="en-US" sz="1800" spc="-1" strike="noStrike">
-                <a:latin typeface="Arial"/>
-              </a:rPr>
-              <a:t>2</a:t>
+              <a:t>p≈.02</a:t>
             </a:r>
             <a:endParaRPr b="0" lang="en-US" sz="1800" spc="-1" strike="noStrike">
               <a:latin typeface="Arial"/>
@@ -40834,31 +44869,7 @@
               <a:rPr b="0" lang="en-US" sz="1800" spc="-1" strike="noStrike">
                 <a:latin typeface="Arial"/>
               </a:rPr>
-              <a:t>p</a:t>
-            </a:r>
-            <a:r>
-              <a:rPr b="0" lang="en-US" sz="1800" spc="-1" strike="noStrike">
-                <a:latin typeface="Arial"/>
-              </a:rPr>
-              <a:t>≈</a:t>
-            </a:r>
-            <a:r>
-              <a:rPr b="0" lang="en-US" sz="1800" spc="-1" strike="noStrike">
-                <a:latin typeface="Arial"/>
-              </a:rPr>
-              <a:t>.</a:t>
-            </a:r>
-            <a:r>
-              <a:rPr b="0" lang="en-US" sz="1800" spc="-1" strike="noStrike">
-                <a:latin typeface="Arial"/>
-              </a:rPr>
-              <a:t>1</a:t>
-            </a:r>
-            <a:r>
-              <a:rPr b="0" lang="en-US" sz="1800" spc="-1" strike="noStrike">
-                <a:latin typeface="Arial"/>
-              </a:rPr>
-              <a:t>7</a:t>
+              <a:t>p≈.17</a:t>
             </a:r>
             <a:endParaRPr b="0" lang="en-US" sz="1800" spc="-1" strike="noStrike">
               <a:latin typeface="Arial"/>
